--- a/SQLDatabaseMigration.pptx
+++ b/SQLDatabaseMigration.pptx
@@ -7,10 +7,10 @@
     <p:sldMasterId id="2147483781" r:id="rId6"/>
   </p:sldMasterIdLst>
   <p:notesMasterIdLst>
-    <p:notesMasterId r:id="rId29"/>
+    <p:notesMasterId r:id="rId28"/>
   </p:notesMasterIdLst>
   <p:handoutMasterIdLst>
-    <p:handoutMasterId r:id="rId30"/>
+    <p:handoutMasterId r:id="rId29"/>
   </p:handoutMasterIdLst>
   <p:sldIdLst>
     <p:sldId id="354" r:id="rId7"/>
@@ -24,17 +24,16 @@
     <p:sldId id="386" r:id="rId15"/>
     <p:sldId id="406" r:id="rId16"/>
     <p:sldId id="400" r:id="rId17"/>
-    <p:sldId id="401" r:id="rId18"/>
-    <p:sldId id="382" r:id="rId19"/>
-    <p:sldId id="403" r:id="rId20"/>
-    <p:sldId id="404" r:id="rId21"/>
-    <p:sldId id="405" r:id="rId22"/>
-    <p:sldId id="388" r:id="rId23"/>
-    <p:sldId id="385" r:id="rId24"/>
-    <p:sldId id="397" r:id="rId25"/>
-    <p:sldId id="392" r:id="rId26"/>
-    <p:sldId id="407" r:id="rId27"/>
-    <p:sldId id="360" r:id="rId28"/>
+    <p:sldId id="408" r:id="rId18"/>
+    <p:sldId id="413" r:id="rId19"/>
+    <p:sldId id="416" r:id="rId20"/>
+    <p:sldId id="411" r:id="rId21"/>
+    <p:sldId id="414" r:id="rId22"/>
+    <p:sldId id="415" r:id="rId23"/>
+    <p:sldId id="397" r:id="rId24"/>
+    <p:sldId id="392" r:id="rId25"/>
+    <p:sldId id="407" r:id="rId26"/>
+    <p:sldId id="360" r:id="rId27"/>
   </p:sldIdLst>
   <p:sldSz cx="12188825" cy="6858000"/>
   <p:notesSz cx="6858000" cy="9144000"/>
@@ -155,15 +154,18 @@
             <p14:sldId id="400"/>
           </p14:sldIdLst>
         </p14:section>
-        <p14:section name="OtherMigration" id="{03D3188D-3F82-4A4F-9DCC-8F28DC0DB64F}">
+        <p14:section name="SQL Server Data Tools" id="{034D1C52-3716-4378-8611-3E80BC51BE80}">
           <p14:sldIdLst>
-            <p14:sldId id="401"/>
-            <p14:sldId id="382"/>
-            <p14:sldId id="403"/>
-            <p14:sldId id="404"/>
-            <p14:sldId id="405"/>
-            <p14:sldId id="388"/>
-            <p14:sldId id="385"/>
+            <p14:sldId id="408"/>
+            <p14:sldId id="413"/>
+            <p14:sldId id="416"/>
+            <p14:sldId id="411"/>
+          </p14:sldIdLst>
+        </p14:section>
+        <p14:section name="Other Tools" id="{5E506099-8847-45C0-BB75-BEE5A23D438C}">
+          <p14:sldIdLst>
+            <p14:sldId id="414"/>
+            <p14:sldId id="415"/>
           </p14:sldIdLst>
         </p14:section>
         <p14:section name="Best Practices" id="{FFB6C07E-AE82-4FB9-822A-BA7BBCDBFEEC}">
@@ -179,6 +181,99 @@
           </p14:sldIdLst>
         </p14:section>
       </p14:sectionLst>
+    </p:ext>
+    <p:ext uri="{EFAFB233-063F-42B5-8137-9DF3F51BA10A}">
+      <p15:sldGuideLst xmlns:p15="http://schemas.microsoft.com/office/powerpoint/2012/main">
+        <p15:guide id="1" orient="horz" pos="144">
+          <p15:clr>
+            <a:srgbClr val="A4A3A4"/>
+          </p15:clr>
+        </p15:guide>
+        <p15:guide id="2" orient="horz" pos="1200">
+          <p15:clr>
+            <a:srgbClr val="A4A3A4"/>
+          </p15:clr>
+        </p15:guide>
+        <p15:guide id="3" orient="horz" pos="2736">
+          <p15:clr>
+            <a:srgbClr val="A4A3A4"/>
+          </p15:clr>
+        </p15:guide>
+        <p15:guide id="4" orient="horz" pos="4176">
+          <p15:clr>
+            <a:srgbClr val="A4A3A4"/>
+          </p15:clr>
+        </p15:guide>
+        <p15:guide id="5" orient="horz" pos="1488">
+          <p15:clr>
+            <a:srgbClr val="A4A3A4"/>
+          </p15:clr>
+        </p15:guide>
+        <p15:guide id="6" orient="horz" pos="912">
+          <p15:clr>
+            <a:srgbClr val="A4A3A4"/>
+          </p15:clr>
+        </p15:guide>
+        <p15:guide id="7" pos="3839">
+          <p15:clr>
+            <a:srgbClr val="A4A3A4"/>
+          </p15:clr>
+        </p15:guide>
+        <p15:guide id="8" pos="327">
+          <p15:clr>
+            <a:srgbClr val="A4A3A4"/>
+          </p15:clr>
+        </p15:guide>
+        <p15:guide id="9" pos="1190">
+          <p15:clr>
+            <a:srgbClr val="A4A3A4"/>
+          </p15:clr>
+        </p15:guide>
+        <p15:guide id="10" pos="7350">
+          <p15:clr>
+            <a:srgbClr val="A4A3A4"/>
+          </p15:clr>
+        </p15:guide>
+        <p15:guide id="11" pos="7063">
+          <p15:clr>
+            <a:srgbClr val="A4A3A4"/>
+          </p15:clr>
+        </p15:guide>
+        <p15:guide id="12" pos="611">
+          <p15:clr>
+            <a:srgbClr val="A4A3A4"/>
+          </p15:clr>
+        </p15:guide>
+        <p15:guide id="13" pos="1994">
+          <p15:clr>
+            <a:srgbClr val="A4A3A4"/>
+          </p15:clr>
+        </p15:guide>
+        <p15:guide id="14" pos="3098">
+          <p15:clr>
+            <a:srgbClr val="A4A3A4"/>
+          </p15:clr>
+        </p15:guide>
+        <p15:guide id="15" pos="3314">
+          <p15:clr>
+            <a:srgbClr val="A4A3A4"/>
+          </p15:clr>
+        </p15:guide>
+      </p15:sldGuideLst>
+    </p:ext>
+    <p:ext uri="{2D200454-40CA-4A62-9FC3-DE9A4176ACB9}">
+      <p15:notesGuideLst xmlns:p15="http://schemas.microsoft.com/office/powerpoint/2012/main">
+        <p15:guide id="1" orient="horz" pos="2880">
+          <p15:clr>
+            <a:srgbClr val="A4A3A4"/>
+          </p15:clr>
+        </p15:guide>
+        <p15:guide id="2" pos="2160">
+          <p15:clr>
+            <a:srgbClr val="A4A3A4"/>
+          </p15:clr>
+        </p15:guide>
+      </p15:notesGuideLst>
     </p:ext>
   </p:extLst>
 </p:presentation>
@@ -271,7 +366,7 @@
                 <a:latin typeface="Segoe UI" pitchFamily="34" charset="0"/>
               </a:rPr>
               <a:pPr/>
-              <a:t>7/30/2012</a:t>
+              <a:t>9/18/2012</a:t>
             </a:fld>
             <a:endParaRPr lang="en-US" dirty="0">
               <a:latin typeface="Segoe UI" pitchFamily="34" charset="0"/>
@@ -484,7 +579,7 @@
             <a:fld id="{7C3FBCD4-166E-446F-AF18-7D4A0CF9AEF6}" type="datetimeFigureOut">
               <a:rPr lang="en-US" smtClean="0"/>
               <a:pPr/>
-              <a:t>7/30/2012</a:t>
+              <a:t>9/18/2012</a:t>
             </a:fld>
             <a:endParaRPr lang="en-US" dirty="0"/>
           </a:p>
@@ -877,130 +972,165 @@
           <a:bodyPr/>
           <a:lstStyle/>
           <a:p>
-            <a:pPr defTabSz="897301" fontAlgn="base">
-              <a:lnSpc>
-                <a:spcPct val="100000"/>
-              </a:lnSpc>
-              <a:spcBef>
-                <a:spcPct val="30000"/>
-              </a:spcBef>
-              <a:spcAft>
-                <a:spcPct val="0"/>
-              </a:spcAft>
-              <a:defRPr/>
-            </a:pPr>
-            <a:r>
-              <a:rPr lang="en-US" dirty="0" smtClean="0"/>
-              <a:t>DAC – a </a:t>
-            </a:r>
-            <a:r>
-              <a:rPr lang="en-US" baseline="0" dirty="0" smtClean="0"/>
-              <a:t>self-contained deployment entity that defines all of the objects of a SQL Server database which can be packaged into a single portable artifact.</a:t>
-            </a:r>
-          </a:p>
-          <a:p>
-            <a:pPr defTabSz="897301" fontAlgn="base">
-              <a:lnSpc>
-                <a:spcPct val="100000"/>
-              </a:lnSpc>
-              <a:spcBef>
-                <a:spcPct val="30000"/>
-              </a:spcBef>
-              <a:spcAft>
-                <a:spcPct val="0"/>
-              </a:spcAft>
-              <a:defRPr/>
-            </a:pPr>
-            <a:r>
-              <a:rPr lang="en-US" baseline="0" dirty="0" err="1" smtClean="0"/>
-              <a:t>DACFx</a:t>
-            </a:r>
-            <a:r>
-              <a:rPr lang="en-US" baseline="0" dirty="0" smtClean="0"/>
-              <a:t> – the client-side tools for building and processing DAC packages and export files</a:t>
-            </a:r>
-          </a:p>
-          <a:p>
-            <a:pPr defTabSz="897301" fontAlgn="base">
-              <a:lnSpc>
-                <a:spcPct val="100000"/>
-              </a:lnSpc>
-              <a:spcBef>
-                <a:spcPct val="30000"/>
-              </a:spcBef>
-              <a:spcAft>
-                <a:spcPct val="0"/>
-              </a:spcAft>
-              <a:defRPr/>
-            </a:pPr>
-            <a:r>
-              <a:rPr lang="en-US" dirty="0" smtClean="0"/>
-              <a:t>DACPAC – File format used by the</a:t>
-            </a:r>
-            <a:r>
-              <a:rPr lang="en-US" baseline="0" dirty="0" smtClean="0"/>
-              <a:t> </a:t>
-            </a:r>
-            <a:r>
-              <a:rPr lang="en-US" baseline="0" dirty="0" err="1" smtClean="0"/>
-              <a:t>DACFx</a:t>
-            </a:r>
-            <a:r>
-              <a:rPr lang="en-US" baseline="0" dirty="0" smtClean="0"/>
-              <a:t> to represent the full </a:t>
-            </a:r>
-            <a:r>
-              <a:rPr lang="en-US" b="1" baseline="0" dirty="0" smtClean="0"/>
-              <a:t>definition</a:t>
-            </a:r>
-            <a:r>
-              <a:rPr lang="en-US" baseline="0" dirty="0" smtClean="0"/>
-              <a:t> of an application. </a:t>
-            </a:r>
-          </a:p>
-          <a:p>
-            <a:pPr marL="0" marR="0" indent="0" algn="l" defTabSz="897301" rtl="0" eaLnBrk="1" fontAlgn="base" latinLnBrk="0" hangingPunct="1">
-              <a:lnSpc>
-                <a:spcPct val="100000"/>
-              </a:lnSpc>
-              <a:spcBef>
-                <a:spcPct val="30000"/>
-              </a:spcBef>
-              <a:spcAft>
-                <a:spcPct val="0"/>
-              </a:spcAft>
-              <a:buClrTx/>
-              <a:buSzTx/>
-              <a:buFontTx/>
-              <a:buNone/>
-              <a:tabLst/>
-              <a:defRPr/>
-            </a:pPr>
-            <a:r>
-              <a:rPr lang="en-US" dirty="0" smtClean="0"/>
-              <a:t>BACPAC – File format used by the</a:t>
-            </a:r>
-            <a:r>
-              <a:rPr lang="en-US" baseline="0" dirty="0" smtClean="0"/>
-              <a:t> </a:t>
-            </a:r>
-            <a:r>
-              <a:rPr lang="en-US" baseline="0" dirty="0" err="1" smtClean="0"/>
-              <a:t>DACFx</a:t>
-            </a:r>
-            <a:r>
-              <a:rPr lang="en-US" baseline="0" dirty="0" smtClean="0"/>
-              <a:t> to represent the full </a:t>
-            </a:r>
-            <a:r>
-              <a:rPr lang="en-US" b="1" baseline="0" dirty="0" smtClean="0"/>
-              <a:t>definition</a:t>
-            </a:r>
-            <a:r>
-              <a:rPr lang="en-US" baseline="0" dirty="0" smtClean="0"/>
-              <a:t> of an application as well as its data. </a:t>
-            </a:r>
-            <a:endParaRPr lang="en-US" dirty="0" smtClean="0"/>
+            <a:pPr rtl="0"/>
+            <a:r>
+              <a:rPr lang="en-US" b="1" dirty="0" smtClean="0">
+                <a:effectLst/>
+                <a:latin typeface="Segoe UI" panose="020B0502040204020203" pitchFamily="34" charset="0"/>
+              </a:rPr>
+              <a:t>Slide Objectives:</a:t>
+            </a:r>
+            <a:endParaRPr lang="en-US" dirty="0" smtClean="0">
+              <a:effectLst/>
+            </a:endParaRPr>
+          </a:p>
+          <a:p>
+            <a:pPr rtl="0"/>
+            <a:r>
+              <a:rPr lang="en-US" dirty="0" smtClean="0">
+                <a:effectLst/>
+                <a:latin typeface="Segoe UI" panose="020B0502040204020203" pitchFamily="34" charset="0"/>
+              </a:rPr>
+              <a:t>Outline</a:t>
+            </a:r>
+            <a:r>
+              <a:rPr lang="en-US" baseline="0" dirty="0" smtClean="0">
+                <a:effectLst/>
+                <a:latin typeface="Segoe UI" panose="020B0502040204020203" pitchFamily="34" charset="0"/>
+              </a:rPr>
+              <a:t> the Agenda</a:t>
+            </a:r>
+            <a:endParaRPr lang="en-US" dirty="0" smtClean="0">
+              <a:effectLst/>
+            </a:endParaRPr>
+          </a:p>
+          <a:p>
+            <a:pPr rtl="0"/>
+            <a:r>
+              <a:rPr lang="en-US" b="1" dirty="0" smtClean="0">
+                <a:effectLst/>
+                <a:latin typeface="Segoe UI" panose="020B0502040204020203" pitchFamily="34" charset="0"/>
+              </a:rPr>
+              <a:t>Transition:</a:t>
+            </a:r>
+            <a:endParaRPr lang="en-US" dirty="0" smtClean="0">
+              <a:effectLst/>
+            </a:endParaRPr>
+          </a:p>
+          <a:p>
+            <a:pPr rtl="0"/>
+            <a:r>
+              <a:rPr lang="en-US" dirty="0" smtClean="0">
+                <a:effectLst/>
+                <a:latin typeface="Segoe UI" panose="020B0502040204020203" pitchFamily="34" charset="0"/>
+              </a:rPr>
+              <a:t>The topics discussed</a:t>
+            </a:r>
+            <a:r>
+              <a:rPr lang="en-US" baseline="0" dirty="0" smtClean="0">
+                <a:effectLst/>
+                <a:latin typeface="Segoe UI" panose="020B0502040204020203" pitchFamily="34" charset="0"/>
+              </a:rPr>
+              <a:t> in the presentation focus on two main tools.</a:t>
+            </a:r>
+            <a:endParaRPr lang="en-US" dirty="0" smtClean="0">
+              <a:effectLst/>
+            </a:endParaRPr>
+          </a:p>
+          <a:p>
+            <a:pPr rtl="0"/>
+            <a:r>
+              <a:rPr lang="en-US" b="1" dirty="0" smtClean="0">
+                <a:effectLst/>
+                <a:latin typeface="Segoe UI" panose="020B0502040204020203" pitchFamily="34" charset="0"/>
+              </a:rPr>
+              <a:t>Speaking Points:</a:t>
+            </a:r>
+            <a:endParaRPr lang="en-US" dirty="0" smtClean="0">
+              <a:effectLst/>
+            </a:endParaRPr>
+          </a:p>
+          <a:p>
+            <a:pPr rtl="0"/>
+            <a:r>
+              <a:rPr lang="en-US" dirty="0" smtClean="0">
+                <a:effectLst/>
+                <a:latin typeface="Segoe UI" panose="020B0502040204020203" pitchFamily="34" charset="0"/>
+              </a:rPr>
+              <a:t>DAC Framework and then Import/Export</a:t>
+            </a:r>
+            <a:r>
+              <a:rPr lang="en-US" baseline="0" dirty="0" smtClean="0">
+                <a:effectLst/>
+                <a:latin typeface="Segoe UI" panose="020B0502040204020203" pitchFamily="34" charset="0"/>
+              </a:rPr>
+              <a:t> Service</a:t>
+            </a:r>
+            <a:endParaRPr lang="en-US" dirty="0" smtClean="0">
+              <a:effectLst/>
+            </a:endParaRPr>
+          </a:p>
+          <a:p>
+            <a:pPr rtl="0"/>
+            <a:r>
+              <a:rPr lang="en-US" dirty="0" smtClean="0">
+                <a:effectLst/>
+                <a:latin typeface="Segoe UI" panose="020B0502040204020203" pitchFamily="34" charset="0"/>
+              </a:rPr>
+              <a:t>SQL Server Data Tools</a:t>
+            </a:r>
+          </a:p>
+          <a:p>
+            <a:pPr rtl="0"/>
+            <a:r>
+              <a:rPr lang="en-US" dirty="0" smtClean="0">
+                <a:effectLst/>
+                <a:latin typeface="Segoe UI" panose="020B0502040204020203" pitchFamily="34" charset="0"/>
+              </a:rPr>
+              <a:t>Other Tools</a:t>
+            </a:r>
+          </a:p>
+          <a:p>
+            <a:pPr rtl="0"/>
+            <a:r>
+              <a:rPr lang="en-US" dirty="0" smtClean="0">
+                <a:effectLst/>
+                <a:latin typeface="Segoe UI" panose="020B0502040204020203" pitchFamily="34" charset="0"/>
+              </a:rPr>
+              <a:t>Best Practices</a:t>
+            </a:r>
+            <a:endParaRPr lang="en-US" dirty="0" smtClean="0">
+              <a:effectLst/>
+            </a:endParaRPr>
+          </a:p>
+          <a:p>
+            <a:pPr rtl="0"/>
+            <a:r>
+              <a:rPr lang="en-US" b="1" dirty="0" smtClean="0">
+                <a:effectLst/>
+                <a:latin typeface="Segoe UI" panose="020B0502040204020203" pitchFamily="34" charset="0"/>
+              </a:rPr>
+              <a:t>Notes:</a:t>
+            </a:r>
+            <a:endParaRPr lang="en-US" dirty="0" smtClean="0">
+              <a:effectLst/>
+            </a:endParaRPr>
+          </a:p>
+          <a:p>
+            <a:pPr rtl="0"/>
+            <a:r>
+              <a:rPr lang="en-US" dirty="0" smtClean="0">
+                <a:effectLst/>
+                <a:latin typeface="Segoe UI" panose="020B0502040204020203" pitchFamily="34" charset="0"/>
+              </a:rPr>
+              <a:t>Any notes go here</a:t>
+            </a:r>
+            <a:endParaRPr lang="en-US" dirty="0" smtClean="0">
+              <a:effectLst/>
+            </a:endParaRPr>
+          </a:p>
+          <a:p>
+            <a:endParaRPr lang="en-US" dirty="0"/>
           </a:p>
         </p:txBody>
       </p:sp>
@@ -1019,19 +1149,19 @@
           <a:bodyPr/>
           <a:lstStyle/>
           <a:p>
-            <a:fld id="{886BBA71-14D9-419E-BD15-792793A7FA39}" type="slidenum">
+            <a:fld id="{8B263312-38AA-4E1E-B2B5-0F8F122B24FE}" type="slidenum">
               <a:rPr lang="en-US" smtClean="0"/>
               <a:pPr/>
-              <a:t>4</a:t>
+              <a:t>2</a:t>
             </a:fld>
-            <a:endParaRPr lang="en-US"/>
+            <a:endParaRPr lang="en-US" dirty="0"/>
           </a:p>
         </p:txBody>
       </p:sp>
     </p:spTree>
     <p:extLst>
       <p:ext uri="{BB962C8B-B14F-4D97-AF65-F5344CB8AC3E}">
-        <p14:creationId xmlns:p14="http://schemas.microsoft.com/office/powerpoint/2010/main" val="3841582719"/>
+        <p14:creationId xmlns:p14="http://schemas.microsoft.com/office/powerpoint/2010/main" val="2560961459"/>
       </p:ext>
     </p:extLst>
   </p:cSld>
@@ -1085,45 +1215,318 @@
           <a:bodyPr/>
           <a:lstStyle/>
           <a:p>
-            <a:r>
-              <a:rPr lang="en-US" dirty="0" smtClean="0"/>
-              <a:t>Fast</a:t>
-            </a:r>
-          </a:p>
-          <a:p>
-            <a:r>
-              <a:rPr lang="en-US" dirty="0" smtClean="0"/>
-              <a:t>Maintain – even</a:t>
-            </a:r>
-            <a:r>
-              <a:rPr lang="en-US" baseline="0" dirty="0" smtClean="0"/>
-              <a:t> if schema changes</a:t>
-            </a:r>
-          </a:p>
-          <a:p>
-            <a:endParaRPr lang="en-US" baseline="0" dirty="0" smtClean="0"/>
-          </a:p>
-          <a:p>
-            <a:r>
-              <a:rPr lang="en-US" baseline="0" dirty="0" smtClean="0"/>
-              <a:t>Limitations:</a:t>
-            </a:r>
-          </a:p>
-          <a:p>
-            <a:r>
-              <a:rPr lang="en-US" baseline="0" dirty="0" smtClean="0"/>
-              <a:t>Schema must already exist</a:t>
-            </a:r>
-          </a:p>
-          <a:p>
-            <a:r>
-              <a:rPr lang="en-US" baseline="0" dirty="0" smtClean="0"/>
-              <a:t>Syntax – many options…hard to figure out if new to </a:t>
-            </a:r>
-            <a:r>
-              <a:rPr lang="en-US" baseline="0" dirty="0" err="1" smtClean="0"/>
-              <a:t>bcp</a:t>
-            </a:r>
+            <a:pPr rtl="0"/>
+            <a:r>
+              <a:rPr lang="en-US" b="1" dirty="0" smtClean="0">
+                <a:effectLst/>
+                <a:latin typeface="Segoe UI" panose="020B0502040204020203" pitchFamily="34" charset="0"/>
+              </a:rPr>
+              <a:t>Slide Objectives:</a:t>
+            </a:r>
+            <a:endParaRPr lang="en-US" dirty="0" smtClean="0">
+              <a:effectLst/>
+            </a:endParaRPr>
+          </a:p>
+          <a:p>
+            <a:pPr rtl="0"/>
+            <a:r>
+              <a:rPr lang="en-US" dirty="0" smtClean="0">
+                <a:effectLst/>
+                <a:latin typeface="Segoe UI" panose="020B0502040204020203" pitchFamily="34" charset="0"/>
+              </a:rPr>
+              <a:t>Provide an</a:t>
+            </a:r>
+            <a:r>
+              <a:rPr lang="en-US" baseline="0" dirty="0" smtClean="0">
+                <a:effectLst/>
+                <a:latin typeface="Segoe UI" panose="020B0502040204020203" pitchFamily="34" charset="0"/>
+              </a:rPr>
+              <a:t> overview of the foundation of SQL Server Data Tools</a:t>
+            </a:r>
+            <a:endParaRPr lang="en-US" dirty="0" smtClean="0">
+              <a:effectLst/>
+            </a:endParaRPr>
+          </a:p>
+          <a:p>
+            <a:pPr rtl="0"/>
+            <a:r>
+              <a:rPr lang="en-US" b="1" dirty="0" smtClean="0">
+                <a:effectLst/>
+                <a:latin typeface="Segoe UI" panose="020B0502040204020203" pitchFamily="34" charset="0"/>
+              </a:rPr>
+              <a:t>Transition:</a:t>
+            </a:r>
+            <a:endParaRPr lang="en-US" dirty="0" smtClean="0">
+              <a:effectLst/>
+            </a:endParaRPr>
+          </a:p>
+          <a:p>
+            <a:pPr rtl="0"/>
+            <a:r>
+              <a:rPr lang="en-US" dirty="0" smtClean="0">
+                <a:effectLst/>
+                <a:latin typeface="Segoe UI" panose="020B0502040204020203" pitchFamily="34" charset="0"/>
+              </a:rPr>
+              <a:t>SQL Server Data Tools</a:t>
+            </a:r>
+            <a:r>
+              <a:rPr lang="en-US" baseline="0" dirty="0" smtClean="0">
+                <a:effectLst/>
+                <a:latin typeface="Segoe UI" panose="020B0502040204020203" pitchFamily="34" charset="0"/>
+              </a:rPr>
+              <a:t> was built are some core foundations and ideas that help developers with all areas of application development and management. </a:t>
+            </a:r>
+            <a:endParaRPr lang="en-US" dirty="0" smtClean="0">
+              <a:effectLst/>
+            </a:endParaRPr>
+          </a:p>
+          <a:p>
+            <a:pPr rtl="0"/>
+            <a:r>
+              <a:rPr lang="en-US" b="1" dirty="0" smtClean="0">
+                <a:effectLst/>
+                <a:latin typeface="Segoe UI" panose="020B0502040204020203" pitchFamily="34" charset="0"/>
+              </a:rPr>
+              <a:t>Speaking Points:</a:t>
+            </a:r>
+            <a:endParaRPr lang="en-US" dirty="0" smtClean="0">
+              <a:effectLst/>
+            </a:endParaRPr>
+          </a:p>
+          <a:p>
+            <a:pPr defTabSz="897301" fontAlgn="base">
+              <a:lnSpc>
+                <a:spcPct val="100000"/>
+              </a:lnSpc>
+              <a:spcBef>
+                <a:spcPct val="30000"/>
+              </a:spcBef>
+              <a:spcAft>
+                <a:spcPct val="0"/>
+              </a:spcAft>
+              <a:defRPr/>
+            </a:pPr>
+            <a:r>
+              <a:rPr lang="en-US" dirty="0" smtClean="0">
+                <a:effectLst/>
+              </a:rPr>
+              <a:t>Declarative – Abstract the schema into</a:t>
+            </a:r>
+            <a:r>
+              <a:rPr lang="en-US" baseline="0" dirty="0" smtClean="0">
+                <a:effectLst/>
+              </a:rPr>
+              <a:t> a model-based environment. This model is then used as a </a:t>
+            </a:r>
+            <a:r>
+              <a:rPr lang="en-US" baseline="0" dirty="0" err="1" smtClean="0">
+                <a:effectLst/>
+              </a:rPr>
+              <a:t>validational</a:t>
+            </a:r>
+            <a:r>
+              <a:rPr lang="en-US" baseline="0" dirty="0" smtClean="0">
+                <a:effectLst/>
+              </a:rPr>
+              <a:t> concept.</a:t>
+            </a:r>
+            <a:endParaRPr lang="en-US" dirty="0" smtClean="0">
+              <a:effectLst/>
+            </a:endParaRPr>
+          </a:p>
+          <a:p>
+            <a:pPr defTabSz="897301" fontAlgn="base">
+              <a:lnSpc>
+                <a:spcPct val="100000"/>
+              </a:lnSpc>
+              <a:spcBef>
+                <a:spcPct val="30000"/>
+              </a:spcBef>
+              <a:spcAft>
+                <a:spcPct val="0"/>
+              </a:spcAft>
+              <a:defRPr/>
+            </a:pPr>
+            <a:r>
+              <a:rPr lang="en-US" dirty="0" smtClean="0">
+                <a:effectLst/>
+              </a:rPr>
+              <a:t>Integrated – Modern language services</a:t>
+            </a:r>
+            <a:r>
+              <a:rPr lang="en-US" baseline="0" dirty="0" smtClean="0">
+                <a:effectLst/>
+              </a:rPr>
+              <a:t> integration providing </a:t>
+            </a:r>
+            <a:r>
+              <a:rPr lang="en-US" baseline="0" dirty="0" err="1" smtClean="0">
+                <a:effectLst/>
+              </a:rPr>
+              <a:t>intellisense</a:t>
+            </a:r>
+            <a:r>
+              <a:rPr lang="en-US" baseline="0" dirty="0" smtClean="0">
+                <a:effectLst/>
+              </a:rPr>
+              <a:t>, refactoring, navigate dependencies, etc.</a:t>
+            </a:r>
+            <a:endParaRPr lang="en-US" dirty="0" smtClean="0">
+              <a:effectLst/>
+            </a:endParaRPr>
+          </a:p>
+          <a:p>
+            <a:pPr defTabSz="897301" fontAlgn="base">
+              <a:lnSpc>
+                <a:spcPct val="100000"/>
+              </a:lnSpc>
+              <a:spcBef>
+                <a:spcPct val="30000"/>
+              </a:spcBef>
+              <a:spcAft>
+                <a:spcPct val="0"/>
+              </a:spcAft>
+              <a:defRPr/>
+            </a:pPr>
+            <a:r>
+              <a:rPr lang="en-US" dirty="0" smtClean="0">
+                <a:effectLst/>
+              </a:rPr>
+              <a:t>Application </a:t>
+            </a:r>
+            <a:r>
+              <a:rPr lang="en-US" dirty="0" err="1" smtClean="0">
+                <a:effectLst/>
+              </a:rPr>
+              <a:t>Dev</a:t>
+            </a:r>
+            <a:r>
+              <a:rPr lang="en-US" baseline="0" dirty="0" smtClean="0">
+                <a:effectLst/>
+              </a:rPr>
+              <a:t> Environment – Familiar Visual Studio tooling environment</a:t>
+            </a:r>
+            <a:endParaRPr lang="en-US" dirty="0" smtClean="0">
+              <a:effectLst/>
+            </a:endParaRPr>
+          </a:p>
+          <a:p>
+            <a:pPr defTabSz="897301" fontAlgn="base">
+              <a:lnSpc>
+                <a:spcPct val="100000"/>
+              </a:lnSpc>
+              <a:spcBef>
+                <a:spcPct val="30000"/>
+              </a:spcBef>
+              <a:spcAft>
+                <a:spcPct val="0"/>
+              </a:spcAft>
+              <a:defRPr/>
+            </a:pPr>
+            <a:r>
+              <a:rPr lang="en-US" dirty="0" smtClean="0">
+                <a:effectLst/>
+              </a:rPr>
+              <a:t>SQL S – Targets</a:t>
+            </a:r>
+            <a:r>
+              <a:rPr lang="en-US" baseline="0" dirty="0" smtClean="0">
+                <a:effectLst/>
+              </a:rPr>
+              <a:t> SQL Server 2005 and above, including Windows Azure SQL Database, providing an environment in which an on-premises database can be migrated into Windows Azure SQL Database.</a:t>
+            </a:r>
+            <a:endParaRPr lang="en-US" dirty="0" smtClean="0">
+              <a:effectLst/>
+            </a:endParaRPr>
+          </a:p>
+          <a:p>
+            <a:pPr defTabSz="897301" fontAlgn="base">
+              <a:lnSpc>
+                <a:spcPct val="100000"/>
+              </a:lnSpc>
+              <a:spcBef>
+                <a:spcPct val="30000"/>
+              </a:spcBef>
+              <a:spcAft>
+                <a:spcPct val="0"/>
+              </a:spcAft>
+              <a:defRPr/>
+            </a:pPr>
+            <a:r>
+              <a:rPr lang="en-US" dirty="0" smtClean="0">
+                <a:effectLst/>
+              </a:rPr>
+              <a:t>Connected – New</a:t>
+            </a:r>
+            <a:r>
+              <a:rPr lang="en-US" baseline="0" dirty="0" smtClean="0">
+                <a:effectLst/>
+              </a:rPr>
+              <a:t> in SSDT is the ability to work in a connected state adding an online experience to the toolset. </a:t>
+            </a:r>
+          </a:p>
+          <a:p>
+            <a:pPr defTabSz="897301" fontAlgn="base">
+              <a:lnSpc>
+                <a:spcPct val="100000"/>
+              </a:lnSpc>
+              <a:spcBef>
+                <a:spcPct val="30000"/>
+              </a:spcBef>
+              <a:spcAft>
+                <a:spcPct val="0"/>
+              </a:spcAft>
+              <a:defRPr/>
+            </a:pPr>
+            <a:r>
+              <a:rPr lang="en-US" baseline="0" dirty="0" smtClean="0">
+                <a:effectLst/>
+              </a:rPr>
+              <a:t>Change Detection – Detects changes and database drift and allows for those changes to be migrated into your environment</a:t>
+            </a:r>
+            <a:endParaRPr lang="en-US" dirty="0" smtClean="0">
+              <a:effectLst/>
+            </a:endParaRPr>
+          </a:p>
+          <a:p>
+            <a:pPr rtl="0"/>
+            <a:r>
+              <a:rPr lang="en-US" b="1" dirty="0" smtClean="0">
+                <a:effectLst/>
+                <a:latin typeface="Segoe UI" panose="020B0502040204020203" pitchFamily="34" charset="0"/>
+              </a:rPr>
+              <a:t>Notes:</a:t>
+            </a:r>
+            <a:endParaRPr lang="en-US" dirty="0" smtClean="0">
+              <a:effectLst/>
+            </a:endParaRPr>
+          </a:p>
+          <a:p>
+            <a:pPr rtl="0"/>
+            <a:r>
+              <a:rPr lang="en-US" dirty="0" smtClean="0">
+                <a:effectLst/>
+                <a:latin typeface="Segoe UI" panose="020B0502040204020203" pitchFamily="34" charset="0"/>
+              </a:rPr>
+              <a:t>Any notes go here</a:t>
+            </a:r>
+            <a:endParaRPr lang="en-US" dirty="0" smtClean="0">
+              <a:effectLst/>
+            </a:endParaRPr>
+          </a:p>
+          <a:p>
+            <a:pPr defTabSz="897301" fontAlgn="base">
+              <a:lnSpc>
+                <a:spcPct val="100000"/>
+              </a:lnSpc>
+              <a:spcBef>
+                <a:spcPct val="30000"/>
+              </a:spcBef>
+              <a:spcAft>
+                <a:spcPct val="0"/>
+              </a:spcAft>
+              <a:defRPr/>
+            </a:pPr>
             <a:endParaRPr lang="en-US" dirty="0"/>
           </a:p>
         </p:txBody>
@@ -1143,19 +1546,19 @@
           <a:bodyPr/>
           <a:lstStyle/>
           <a:p>
-            <a:fld id="{8B263312-38AA-4E1E-B2B5-0F8F122B24FE}" type="slidenum">
+            <a:fld id="{886BBA71-14D9-419E-BD15-792793A7FA39}" type="slidenum">
               <a:rPr lang="en-US" smtClean="0"/>
               <a:pPr/>
-              <a:t>14</a:t>
+              <a:t>13</a:t>
             </a:fld>
-            <a:endParaRPr lang="en-US" dirty="0"/>
+            <a:endParaRPr lang="en-US"/>
           </a:p>
         </p:txBody>
       </p:sp>
     </p:spTree>
     <p:extLst>
       <p:ext uri="{BB962C8B-B14F-4D97-AF65-F5344CB8AC3E}">
-        <p14:creationId xmlns:p14="http://schemas.microsoft.com/office/powerpoint/2010/main" val="2806718332"/>
+        <p14:creationId xmlns:p14="http://schemas.microsoft.com/office/powerpoint/2010/main" val="166186036"/>
       </p:ext>
     </p:extLst>
   </p:cSld>
@@ -1209,45 +1612,204 @@
           <a:bodyPr/>
           <a:lstStyle/>
           <a:p>
-            <a:r>
-              <a:rPr lang="en-US" dirty="0" smtClean="0"/>
-              <a:t>Fast</a:t>
-            </a:r>
-          </a:p>
-          <a:p>
-            <a:r>
-              <a:rPr lang="en-US" dirty="0" smtClean="0"/>
-              <a:t>Maintain – even</a:t>
-            </a:r>
-            <a:r>
-              <a:rPr lang="en-US" baseline="0" dirty="0" smtClean="0"/>
-              <a:t> if schema changes</a:t>
-            </a:r>
-          </a:p>
-          <a:p>
-            <a:endParaRPr lang="en-US" baseline="0" dirty="0" smtClean="0"/>
-          </a:p>
-          <a:p>
-            <a:r>
-              <a:rPr lang="en-US" baseline="0" dirty="0" smtClean="0"/>
-              <a:t>Limitations:</a:t>
-            </a:r>
-          </a:p>
-          <a:p>
-            <a:r>
-              <a:rPr lang="en-US" baseline="0" dirty="0" smtClean="0"/>
-              <a:t>Schema must already exist</a:t>
-            </a:r>
-          </a:p>
-          <a:p>
-            <a:r>
-              <a:rPr lang="en-US" baseline="0" dirty="0" smtClean="0"/>
-              <a:t>Syntax – many options…hard to figure out if new to </a:t>
-            </a:r>
-            <a:r>
-              <a:rPr lang="en-US" baseline="0" dirty="0" err="1" smtClean="0"/>
-              <a:t>bcp</a:t>
-            </a:r>
+            <a:pPr rtl="0"/>
+            <a:r>
+              <a:rPr lang="en-US" b="1" dirty="0" smtClean="0">
+                <a:effectLst/>
+                <a:latin typeface="Segoe UI" panose="020B0502040204020203" pitchFamily="34" charset="0"/>
+              </a:rPr>
+              <a:t>Slide Objectives:</a:t>
+            </a:r>
+            <a:endParaRPr lang="en-US" dirty="0" smtClean="0">
+              <a:effectLst/>
+            </a:endParaRPr>
+          </a:p>
+          <a:p>
+            <a:pPr rtl="0"/>
+            <a:r>
+              <a:rPr lang="en-US" dirty="0" smtClean="0">
+                <a:effectLst/>
+                <a:latin typeface="Segoe UI" panose="020B0502040204020203" pitchFamily="34" charset="0"/>
+              </a:rPr>
+              <a:t>Provide an</a:t>
+            </a:r>
+            <a:r>
+              <a:rPr lang="en-US" baseline="0" dirty="0" smtClean="0">
+                <a:effectLst/>
+                <a:latin typeface="Segoe UI" panose="020B0502040204020203" pitchFamily="34" charset="0"/>
+              </a:rPr>
+              <a:t> overview of the key </a:t>
+            </a:r>
+            <a:endParaRPr lang="en-US" dirty="0" smtClean="0">
+              <a:effectLst/>
+            </a:endParaRPr>
+          </a:p>
+          <a:p>
+            <a:pPr rtl="0"/>
+            <a:r>
+              <a:rPr lang="en-US" b="1" dirty="0" smtClean="0">
+                <a:effectLst/>
+                <a:latin typeface="Segoe UI" panose="020B0502040204020203" pitchFamily="34" charset="0"/>
+              </a:rPr>
+              <a:t>Transition:</a:t>
+            </a:r>
+            <a:endParaRPr lang="en-US" dirty="0" smtClean="0">
+              <a:effectLst/>
+            </a:endParaRPr>
+          </a:p>
+          <a:p>
+            <a:pPr rtl="0"/>
+            <a:r>
+              <a:rPr lang="en-US" dirty="0" smtClean="0">
+                <a:effectLst/>
+                <a:latin typeface="Segoe UI" panose="020B0502040204020203" pitchFamily="34" charset="0"/>
+              </a:rPr>
+              <a:t>SQL Server Data Tools</a:t>
+            </a:r>
+            <a:r>
+              <a:rPr lang="en-US" baseline="0" dirty="0" smtClean="0">
+                <a:effectLst/>
+                <a:latin typeface="Segoe UI" panose="020B0502040204020203" pitchFamily="34" charset="0"/>
+              </a:rPr>
+              <a:t> is a continuation and evolution of the Visual Studio SQL Server Database projects as we move the project into the SQL Server realm. A lot of time has spent adding connected functionality, project based development to improve workflow and other collaboration features, and schema development to unify the data deployment story across SQL Server.</a:t>
+            </a:r>
+            <a:endParaRPr lang="en-US" dirty="0" smtClean="0">
+              <a:effectLst/>
+            </a:endParaRPr>
+          </a:p>
+          <a:p>
+            <a:pPr rtl="0"/>
+            <a:r>
+              <a:rPr lang="en-US" b="1" dirty="0" smtClean="0">
+                <a:effectLst/>
+                <a:latin typeface="Segoe UI" panose="020B0502040204020203" pitchFamily="34" charset="0"/>
+              </a:rPr>
+              <a:t>Speaking Points:</a:t>
+            </a:r>
+            <a:endParaRPr lang="en-US" dirty="0" smtClean="0">
+              <a:effectLst/>
+            </a:endParaRPr>
+          </a:p>
+          <a:p>
+            <a:pPr defTabSz="897301" fontAlgn="base">
+              <a:lnSpc>
+                <a:spcPct val="100000"/>
+              </a:lnSpc>
+              <a:spcBef>
+                <a:spcPct val="30000"/>
+              </a:spcBef>
+              <a:spcAft>
+                <a:spcPct val="0"/>
+              </a:spcAft>
+              <a:defRPr/>
+            </a:pPr>
+            <a:r>
+              <a:rPr lang="en-US" dirty="0" smtClean="0">
+                <a:effectLst/>
+              </a:rPr>
+              <a:t>Connected Development</a:t>
+            </a:r>
+            <a:r>
+              <a:rPr lang="en-US" baseline="0" dirty="0" smtClean="0">
+                <a:effectLst/>
+              </a:rPr>
+              <a:t> -&gt; Bring the connected development environment for SQL Server into Visual Studio as a first class citizen by adding the navigation structure that you are familiar with (T-SQL editor, IntelliSense, Schema Comparison, Designers).</a:t>
+            </a:r>
+          </a:p>
+          <a:p>
+            <a:pPr defTabSz="897301" fontAlgn="base">
+              <a:lnSpc>
+                <a:spcPct val="100000"/>
+              </a:lnSpc>
+              <a:spcBef>
+                <a:spcPct val="30000"/>
+              </a:spcBef>
+              <a:spcAft>
+                <a:spcPct val="0"/>
+              </a:spcAft>
+              <a:defRPr/>
+            </a:pPr>
+            <a:r>
+              <a:rPr lang="en-US" baseline="0" dirty="0" smtClean="0">
+                <a:effectLst/>
+              </a:rPr>
+              <a:t>Project Based Development -&gt; 1</a:t>
+            </a:r>
+            <a:r>
+              <a:rPr lang="en-US" baseline="30000" dirty="0" smtClean="0">
+                <a:effectLst/>
+              </a:rPr>
+              <a:t>st</a:t>
+            </a:r>
+            <a:r>
+              <a:rPr lang="en-US" baseline="0" dirty="0" smtClean="0">
+                <a:effectLst/>
+              </a:rPr>
+              <a:t> Class T-SQL Support (Go To Definition, Find All References, Refactoring), Isolated (Source Code Based, F5 Debugging &amp; Testing), Integrated (Source Code Control), Schema Insight (Point-in-time snapshots, T-SQL Static Code Analysis)</a:t>
+            </a:r>
+          </a:p>
+          <a:p>
+            <a:pPr defTabSz="897301" fontAlgn="base">
+              <a:lnSpc>
+                <a:spcPct val="100000"/>
+              </a:lnSpc>
+              <a:spcBef>
+                <a:spcPct val="30000"/>
+              </a:spcBef>
+              <a:spcAft>
+                <a:spcPct val="0"/>
+              </a:spcAft>
+              <a:defRPr/>
+            </a:pPr>
+            <a:r>
+              <a:rPr lang="en-US" baseline="0" dirty="0" smtClean="0">
+                <a:effectLst/>
+              </a:rPr>
+              <a:t>Schema Deployment -&gt; Declarative (Model Based, Incremental Schema Deployment), Multi-Targeting (SQL Server 2005 – 2012 &amp; SQL Database), Standard Formats (DACPAC, SQL Script), DAC (Format, Engine, API &amp; REIST)</a:t>
+            </a:r>
+            <a:endParaRPr lang="en-US" dirty="0" smtClean="0">
+              <a:effectLst/>
+            </a:endParaRPr>
+          </a:p>
+          <a:p>
+            <a:pPr rtl="0"/>
+            <a:r>
+              <a:rPr lang="en-US" b="1" dirty="0" smtClean="0">
+                <a:effectLst/>
+                <a:latin typeface="Segoe UI" panose="020B0502040204020203" pitchFamily="34" charset="0"/>
+              </a:rPr>
+              <a:t>Notes:</a:t>
+            </a:r>
+            <a:endParaRPr lang="en-US" dirty="0" smtClean="0">
+              <a:effectLst/>
+            </a:endParaRPr>
+          </a:p>
+          <a:p>
+            <a:pPr rtl="0"/>
+            <a:r>
+              <a:rPr lang="en-US" dirty="0" smtClean="0">
+                <a:effectLst/>
+                <a:latin typeface="Segoe UI" panose="020B0502040204020203" pitchFamily="34" charset="0"/>
+              </a:rPr>
+              <a:t>Any notes go here</a:t>
+            </a:r>
+            <a:endParaRPr lang="en-US" dirty="0" smtClean="0">
+              <a:effectLst/>
+            </a:endParaRPr>
+          </a:p>
+          <a:p>
+            <a:pPr defTabSz="897301" fontAlgn="base">
+              <a:lnSpc>
+                <a:spcPct val="100000"/>
+              </a:lnSpc>
+              <a:spcBef>
+                <a:spcPct val="30000"/>
+              </a:spcBef>
+              <a:spcAft>
+                <a:spcPct val="0"/>
+              </a:spcAft>
+              <a:defRPr/>
+            </a:pPr>
             <a:endParaRPr lang="en-US" dirty="0"/>
           </a:p>
         </p:txBody>
@@ -1267,19 +1829,19 @@
           <a:bodyPr/>
           <a:lstStyle/>
           <a:p>
-            <a:fld id="{8B263312-38AA-4E1E-B2B5-0F8F122B24FE}" type="slidenum">
+            <a:fld id="{886BBA71-14D9-419E-BD15-792793A7FA39}" type="slidenum">
               <a:rPr lang="en-US" smtClean="0"/>
               <a:pPr/>
-              <a:t>15</a:t>
+              <a:t>14</a:t>
             </a:fld>
-            <a:endParaRPr lang="en-US" dirty="0"/>
+            <a:endParaRPr lang="en-US"/>
           </a:p>
         </p:txBody>
       </p:sp>
     </p:spTree>
     <p:extLst>
       <p:ext uri="{BB962C8B-B14F-4D97-AF65-F5344CB8AC3E}">
-        <p14:creationId xmlns:p14="http://schemas.microsoft.com/office/powerpoint/2010/main" val="2806718332"/>
+        <p14:creationId xmlns:p14="http://schemas.microsoft.com/office/powerpoint/2010/main" val="3529812464"/>
       </p:ext>
     </p:extLst>
   </p:cSld>
@@ -1335,44 +1897,107 @@
           <a:p>
             <a:r>
               <a:rPr lang="en-US" dirty="0" smtClean="0"/>
-              <a:t>Fast</a:t>
-            </a:r>
-          </a:p>
-          <a:p>
+              <a:t>Demo – </a:t>
+            </a:r>
             <a:r>
               <a:rPr lang="en-US" dirty="0" smtClean="0"/>
-              <a:t>Maintain – even</a:t>
+              <a:t>Using SQL Server Data</a:t>
             </a:r>
             <a:r>
               <a:rPr lang="en-US" baseline="0" dirty="0" smtClean="0"/>
-              <a:t> if schema changes</a:t>
-            </a:r>
-          </a:p>
-          <a:p>
+              <a:t> Tools</a:t>
+            </a:r>
+          </a:p>
+          <a:p>
+            <a:pPr marL="171450" indent="-171450">
+              <a:buFont typeface="Arial" panose="020B0604020202020204" pitchFamily="34" charset="0"/>
+              <a:buChar char="•"/>
+            </a:pPr>
+            <a:r>
+              <a:rPr lang="en-US" dirty="0" smtClean="0"/>
+              <a:t>In</a:t>
+            </a:r>
+            <a:r>
+              <a:rPr lang="en-US" baseline="0" dirty="0" smtClean="0"/>
+              <a:t> SQL Server Object Explorer (in Visual Studio 2012), select on-premises database.</a:t>
+            </a:r>
+          </a:p>
+          <a:p>
+            <a:pPr marL="171450" indent="-171450">
+              <a:buFont typeface="Arial" panose="020B0604020202020204" pitchFamily="34" charset="0"/>
+              <a:buChar char="•"/>
+            </a:pPr>
+            <a:r>
+              <a:rPr lang="en-US" baseline="0" dirty="0" smtClean="0"/>
+              <a:t>Create New Project</a:t>
+            </a:r>
+          </a:p>
+          <a:p>
+            <a:pPr marL="171450" indent="-171450">
+              <a:buFont typeface="Arial" panose="020B0604020202020204" pitchFamily="34" charset="0"/>
+              <a:buChar char="•"/>
+            </a:pPr>
+            <a:r>
+              <a:rPr lang="en-US" baseline="0" dirty="0" smtClean="0"/>
+              <a:t>Set Target Platform to SQL Azure</a:t>
+            </a:r>
+          </a:p>
+          <a:p>
+            <a:pPr marL="171450" indent="-171450">
+              <a:buFont typeface="Arial" panose="020B0604020202020204" pitchFamily="34" charset="0"/>
+              <a:buChar char="•"/>
+            </a:pPr>
+            <a:r>
+              <a:rPr lang="en-US" baseline="0" dirty="0" smtClean="0"/>
+              <a:t>Create Empty Database project</a:t>
+            </a:r>
+          </a:p>
+          <a:p>
+            <a:pPr marL="171450" indent="-171450">
+              <a:buFont typeface="Arial" panose="020B0604020202020204" pitchFamily="34" charset="0"/>
+              <a:buChar char="•"/>
+            </a:pPr>
+            <a:r>
+              <a:rPr lang="en-US" baseline="0" dirty="0" smtClean="0"/>
+              <a:t>Create a New Comparison</a:t>
+            </a:r>
+          </a:p>
+          <a:p>
+            <a:pPr marL="171450" indent="-171450">
+              <a:buFont typeface="Arial" panose="020B0604020202020204" pitchFamily="34" charset="0"/>
+              <a:buChar char="•"/>
+            </a:pPr>
+            <a:r>
+              <a:rPr lang="en-US" baseline="0" dirty="0" smtClean="0"/>
+              <a:t>Uncheck unsupported object types</a:t>
+            </a:r>
+          </a:p>
+          <a:p>
+            <a:pPr marL="171450" indent="-171450">
+              <a:buFont typeface="Arial" panose="020B0604020202020204" pitchFamily="34" charset="0"/>
+              <a:buChar char="•"/>
+            </a:pPr>
+            <a:r>
+              <a:rPr lang="en-US" baseline="0" dirty="0" smtClean="0"/>
+              <a:t>Execute comparison</a:t>
+            </a:r>
+          </a:p>
+          <a:p>
+            <a:pPr marL="171450" indent="-171450">
+              <a:buFont typeface="Arial" panose="020B0604020202020204" pitchFamily="34" charset="0"/>
+              <a:buChar char="•"/>
+            </a:pPr>
+            <a:r>
+              <a:rPr lang="en-US" baseline="0" dirty="0" smtClean="0"/>
+              <a:t>Update empty project</a:t>
+            </a:r>
+          </a:p>
+          <a:p>
+            <a:pPr marL="171450" indent="-171450">
+              <a:buFont typeface="Arial" panose="020B0604020202020204" pitchFamily="34" charset="0"/>
+              <a:buChar char="•"/>
+            </a:pPr>
             <a:endParaRPr lang="en-US" baseline="0" dirty="0" smtClean="0"/>
-          </a:p>
-          <a:p>
-            <a:r>
-              <a:rPr lang="en-US" baseline="0" dirty="0" smtClean="0"/>
-              <a:t>Limitations:</a:t>
-            </a:r>
-          </a:p>
-          <a:p>
-            <a:r>
-              <a:rPr lang="en-US" baseline="0" dirty="0" smtClean="0"/>
-              <a:t>Schema must already exist</a:t>
-            </a:r>
-          </a:p>
-          <a:p>
-            <a:r>
-              <a:rPr lang="en-US" baseline="0" dirty="0" smtClean="0"/>
-              <a:t>Syntax – many options…hard to figure out if new to </a:t>
-            </a:r>
-            <a:r>
-              <a:rPr lang="en-US" baseline="0" dirty="0" err="1" smtClean="0"/>
-              <a:t>bcp</a:t>
-            </a:r>
-            <a:endParaRPr lang="en-US" dirty="0"/>
           </a:p>
         </p:txBody>
       </p:sp>
@@ -1391,19 +2016,27 @@
           <a:bodyPr/>
           <a:lstStyle/>
           <a:p>
-            <a:fld id="{8B263312-38AA-4E1E-B2B5-0F8F122B24FE}" type="slidenum">
-              <a:rPr lang="en-US" smtClean="0"/>
+            <a:fld id="{6A737CDB-F497-4071-88DB-C233CAC28117}" type="slidenum">
+              <a:rPr lang="en-US" smtClean="0">
+                <a:solidFill>
+                  <a:prstClr val="black"/>
+                </a:solidFill>
+              </a:rPr>
               <a:pPr/>
-              <a:t>16</a:t>
+              <a:t>15</a:t>
             </a:fld>
-            <a:endParaRPr lang="en-US" dirty="0"/>
+            <a:endParaRPr lang="en-US" dirty="0">
+              <a:solidFill>
+                <a:prstClr val="black"/>
+              </a:solidFill>
+            </a:endParaRPr>
           </a:p>
         </p:txBody>
       </p:sp>
     </p:spTree>
     <p:extLst>
       <p:ext uri="{BB962C8B-B14F-4D97-AF65-F5344CB8AC3E}">
-        <p14:creationId xmlns:p14="http://schemas.microsoft.com/office/powerpoint/2010/main" val="2806718332"/>
+        <p14:creationId xmlns:p14="http://schemas.microsoft.com/office/powerpoint/2010/main" val="1272430208"/>
       </p:ext>
     </p:extLst>
   </p:cSld>
@@ -1457,42 +2090,278 @@
           <a:bodyPr/>
           <a:lstStyle/>
           <a:p>
+            <a:pPr rtl="0"/>
+            <a:r>
+              <a:rPr lang="en-US" b="1" dirty="0" smtClean="0">
+                <a:effectLst/>
+                <a:latin typeface="Segoe UI" panose="020B0502040204020203" pitchFamily="34" charset="0"/>
+              </a:rPr>
+              <a:t>Slide Objectives:</a:t>
+            </a:r>
+            <a:endParaRPr lang="en-US" dirty="0" smtClean="0">
+              <a:effectLst/>
+            </a:endParaRPr>
+          </a:p>
+          <a:p>
+            <a:pPr rtl="0"/>
+            <a:r>
+              <a:rPr lang="en-US" dirty="0" smtClean="0">
+                <a:effectLst/>
+                <a:latin typeface="Segoe UI" panose="020B0502040204020203" pitchFamily="34" charset="0"/>
+              </a:rPr>
+              <a:t>Touch on a other</a:t>
+            </a:r>
+            <a:r>
+              <a:rPr lang="en-US" baseline="0" dirty="0" smtClean="0">
+                <a:effectLst/>
+                <a:latin typeface="Segoe UI" panose="020B0502040204020203" pitchFamily="34" charset="0"/>
+              </a:rPr>
+              <a:t> migration utilities and tools that can help with the migration process to SQL Database.</a:t>
+            </a:r>
+            <a:endParaRPr lang="en-US" dirty="0" smtClean="0">
+              <a:effectLst/>
+            </a:endParaRPr>
+          </a:p>
+          <a:p>
+            <a:pPr rtl="0"/>
+            <a:r>
+              <a:rPr lang="en-US" b="1" dirty="0" smtClean="0">
+                <a:effectLst/>
+                <a:latin typeface="Segoe UI" panose="020B0502040204020203" pitchFamily="34" charset="0"/>
+              </a:rPr>
+              <a:t>Transition:</a:t>
+            </a:r>
+            <a:endParaRPr lang="en-US" dirty="0" smtClean="0">
+              <a:effectLst/>
+            </a:endParaRPr>
+          </a:p>
+          <a:p>
+            <a:pPr rtl="0"/>
             <a:r>
               <a:rPr lang="en-US" dirty="0" smtClean="0"/>
-              <a:t>Intro</a:t>
+              <a:t>SQL Server Migration Assistant (SSMA) v5.2 is now available. SSMA simplifies database migration process from Oracle/Sybase/MySQL and Microsoft Access to SQL Server and SQL Database. SSMA automates all aspects of migration including migration assessment analysis, schema and SQL statement conversion, data migration as well as migration testing to reduce cost and reduce risk of your database migration project.</a:t>
+            </a:r>
+            <a:endParaRPr lang="en-US" dirty="0" smtClean="0">
+              <a:effectLst/>
+            </a:endParaRPr>
+          </a:p>
+          <a:p>
+            <a:pPr rtl="0"/>
+            <a:r>
+              <a:rPr lang="en-US" b="1" dirty="0" smtClean="0">
+                <a:effectLst/>
+                <a:latin typeface="Segoe UI" panose="020B0502040204020203" pitchFamily="34" charset="0"/>
+              </a:rPr>
+              <a:t>Speaking Points:</a:t>
+            </a:r>
+            <a:endParaRPr lang="en-US" dirty="0" smtClean="0">
+              <a:effectLst/>
+            </a:endParaRPr>
+          </a:p>
+          <a:p>
+            <a:pPr defTabSz="897301" fontAlgn="base">
+              <a:lnSpc>
+                <a:spcPct val="100000"/>
+              </a:lnSpc>
+              <a:spcBef>
+                <a:spcPct val="30000"/>
+              </a:spcBef>
+              <a:spcAft>
+                <a:spcPct val="0"/>
+              </a:spcAft>
+              <a:defRPr/>
+            </a:pPr>
+            <a:r>
+              <a:rPr lang="en-US" dirty="0" smtClean="0">
+                <a:effectLst/>
+              </a:rPr>
+              <a:t>Generate Scripts Wizard</a:t>
+            </a:r>
+            <a:r>
+              <a:rPr lang="en-US" baseline="0" dirty="0" smtClean="0">
+                <a:effectLst/>
+              </a:rPr>
+              <a:t> – </a:t>
+            </a:r>
+            <a:r>
+              <a:rPr lang="en-US" dirty="0" smtClean="0"/>
+              <a:t>Generate and Publish Scripts Wizard creates Transact-SQL scripts for your local database. </a:t>
+            </a:r>
+            <a:endParaRPr lang="en-US" baseline="0" dirty="0" smtClean="0">
+              <a:effectLst/>
+            </a:endParaRPr>
+          </a:p>
+          <a:p>
+            <a:pPr defTabSz="897301" fontAlgn="base">
+              <a:lnSpc>
+                <a:spcPct val="100000"/>
+              </a:lnSpc>
+              <a:spcBef>
+                <a:spcPct val="30000"/>
+              </a:spcBef>
+              <a:spcAft>
+                <a:spcPct val="0"/>
+              </a:spcAft>
+              <a:defRPr/>
+            </a:pPr>
+            <a:r>
+              <a:rPr lang="en-US" baseline="0" dirty="0" smtClean="0">
+                <a:effectLst/>
+              </a:rPr>
+              <a:t>BCP – U</a:t>
+            </a:r>
+            <a:r>
+              <a:rPr lang="en-US" dirty="0" smtClean="0"/>
+              <a:t>sed to import large numbers of new rows into SQL Server tables or to export data out of tables into data files. </a:t>
+            </a:r>
+            <a:r>
+              <a:rPr lang="en-US" b="1" dirty="0" smtClean="0"/>
+              <a:t>Does NOT do schema.</a:t>
+            </a:r>
+            <a:endParaRPr lang="en-US" b="1" baseline="0" dirty="0" smtClean="0">
+              <a:effectLst/>
+            </a:endParaRPr>
+          </a:p>
+          <a:p>
+            <a:pPr defTabSz="897301" fontAlgn="base">
+              <a:lnSpc>
+                <a:spcPct val="100000"/>
+              </a:lnSpc>
+              <a:spcBef>
+                <a:spcPct val="30000"/>
+              </a:spcBef>
+              <a:spcAft>
+                <a:spcPct val="0"/>
+              </a:spcAft>
+              <a:defRPr/>
+            </a:pPr>
+            <a:r>
+              <a:rPr lang="en-US" baseline="0" dirty="0" smtClean="0">
+                <a:effectLst/>
+              </a:rPr>
+              <a:t>SSIS – </a:t>
+            </a:r>
+            <a:r>
+              <a:rPr lang="en-US" dirty="0" smtClean="0"/>
+              <a:t>You can transfer data to Windows Azure SQL Database by using SQL Server 2008 Integration Services. In SQL Server 2008 R2 or later, the Import and Export Data Wizard provides support for SQL Database. </a:t>
+            </a:r>
+            <a:r>
+              <a:rPr lang="en-US" b="1" dirty="0" smtClean="0"/>
+              <a:t>Difficult to do schema.</a:t>
+            </a:r>
+            <a:endParaRPr lang="en-US" b="1" baseline="0" dirty="0" smtClean="0">
+              <a:effectLst/>
+            </a:endParaRPr>
+          </a:p>
+          <a:p>
+            <a:pPr defTabSz="897301" fontAlgn="base">
+              <a:lnSpc>
+                <a:spcPct val="100000"/>
+              </a:lnSpc>
+              <a:spcBef>
+                <a:spcPct val="30000"/>
+              </a:spcBef>
+              <a:spcAft>
+                <a:spcPct val="0"/>
+              </a:spcAft>
+              <a:defRPr/>
+            </a:pPr>
+            <a:r>
+              <a:rPr lang="en-US" baseline="0" dirty="0" smtClean="0">
+                <a:effectLst/>
+              </a:rPr>
+              <a:t>SQL Database Migration Wizard – Wizard driven application provides the ability </a:t>
+            </a:r>
+            <a:r>
+              <a:rPr lang="en-US" dirty="0" smtClean="0"/>
+              <a:t>select which the SQL objects, creates SQL scripts suitable for SQL Database, and allows you to migrate data between on-premise SQL Server 2005 or 2008 and SQL Database servers, as well as between two or more SQL Databases in the same or different data centers. </a:t>
+            </a:r>
+            <a:r>
+              <a:rPr lang="en-US" b="1" dirty="0" smtClean="0"/>
+              <a:t>Not</a:t>
+            </a:r>
+            <a:r>
+              <a:rPr lang="en-US" b="1" baseline="0" dirty="0" smtClean="0"/>
+              <a:t> supported by Microsoft.</a:t>
+            </a:r>
+            <a:endParaRPr lang="en-US" b="1" baseline="0" dirty="0" smtClean="0">
+              <a:effectLst/>
+            </a:endParaRPr>
+          </a:p>
+          <a:p>
+            <a:pPr defTabSz="897301" fontAlgn="base">
+              <a:lnSpc>
+                <a:spcPct val="100000"/>
+              </a:lnSpc>
+              <a:spcBef>
+                <a:spcPct val="30000"/>
+              </a:spcBef>
+              <a:spcAft>
+                <a:spcPct val="0"/>
+              </a:spcAft>
+              <a:defRPr/>
+            </a:pPr>
+            <a:r>
+              <a:rPr lang="en-US" baseline="0" dirty="0" smtClean="0">
+                <a:effectLst/>
+              </a:rPr>
+              <a:t>Migration Assistants – Simplifies and automates </a:t>
+            </a:r>
+            <a:r>
+              <a:rPr lang="en-US" dirty="0" smtClean="0"/>
+              <a:t>database migration process from Oracle/Sybase/MySQL and Microsoft Access to SQL Server and</a:t>
             </a:r>
             <a:r>
               <a:rPr lang="en-US" baseline="0" dirty="0" smtClean="0"/>
-              <a:t> – in fact, SQL Azure data sync  services is so important that the development of the sync framework 4.0 was put on hold and all developers focused on the release of the </a:t>
-            </a:r>
-            <a:r>
-              <a:rPr lang="en-US" baseline="0" dirty="0" err="1" smtClean="0"/>
-              <a:t>sql</a:t>
-            </a:r>
-            <a:r>
-              <a:rPr lang="en-US" baseline="0" dirty="0" smtClean="0"/>
-              <a:t> azure data sync.</a:t>
-            </a:r>
-          </a:p>
-          <a:p>
-            <a:r>
-              <a:rPr lang="en-US" baseline="0" dirty="0" smtClean="0"/>
-              <a:t>Extend – rather than replacing by synching on-premise SQL Server to SQL Azure</a:t>
-            </a:r>
-          </a:p>
-          <a:p>
-            <a:r>
-              <a:rPr lang="en-US" baseline="0" dirty="0" smtClean="0"/>
-              <a:t>Conflict – easily handle issues where same data is changed in multiple </a:t>
-            </a:r>
-            <a:r>
-              <a:rPr lang="en-US" baseline="0" dirty="0" err="1" smtClean="0"/>
-              <a:t>locatons</a:t>
-            </a:r>
-            <a:endParaRPr lang="en-US" baseline="0" dirty="0" smtClean="0"/>
-          </a:p>
-          <a:p>
-            <a:endParaRPr lang="en-US" baseline="0" dirty="0" smtClean="0"/>
+              <a:t> Windows Azure SQL Database. </a:t>
+            </a:r>
+            <a:endParaRPr lang="en-US" dirty="0" smtClean="0">
+              <a:effectLst/>
+            </a:endParaRPr>
+          </a:p>
+          <a:p>
+            <a:pPr rtl="0"/>
+            <a:r>
+              <a:rPr lang="en-US" b="1" dirty="0" smtClean="0">
+                <a:effectLst/>
+                <a:latin typeface="Segoe UI" panose="020B0502040204020203" pitchFamily="34" charset="0"/>
+              </a:rPr>
+              <a:t>Notes:</a:t>
+            </a:r>
+            <a:endParaRPr lang="en-US" dirty="0" smtClean="0">
+              <a:effectLst/>
+            </a:endParaRPr>
+          </a:p>
+          <a:p>
+            <a:pPr rtl="0"/>
+            <a:r>
+              <a:rPr lang="en-US" dirty="0" smtClean="0">
+                <a:effectLst/>
+                <a:latin typeface="Segoe UI" panose="020B0502040204020203" pitchFamily="34" charset="0"/>
+              </a:rPr>
+              <a:t>http://blogs.msdn.com/b/ssma/archive/2012/01/31/microsoft-sql-server-migration-assistant-ssma-5-2-is-now-available.aspx</a:t>
+            </a:r>
+          </a:p>
+          <a:p>
+            <a:pPr rtl="0"/>
+            <a:endParaRPr lang="en-US" dirty="0" smtClean="0">
+              <a:effectLst/>
+            </a:endParaRPr>
+          </a:p>
+          <a:p>
+            <a:pPr defTabSz="897301" fontAlgn="base">
+              <a:lnSpc>
+                <a:spcPct val="100000"/>
+              </a:lnSpc>
+              <a:spcBef>
+                <a:spcPct val="30000"/>
+              </a:spcBef>
+              <a:spcAft>
+                <a:spcPct val="0"/>
+              </a:spcAft>
+              <a:defRPr/>
+            </a:pPr>
+            <a:endParaRPr lang="en-US" dirty="0"/>
           </a:p>
         </p:txBody>
       </p:sp>
@@ -1523,7 +2392,7 @@
     </p:spTree>
     <p:extLst>
       <p:ext uri="{BB962C8B-B14F-4D97-AF65-F5344CB8AC3E}">
-        <p14:creationId xmlns:p14="http://schemas.microsoft.com/office/powerpoint/2010/main" val="1492962571"/>
+        <p14:creationId xmlns:p14="http://schemas.microsoft.com/office/powerpoint/2010/main" val="2910794597"/>
       </p:ext>
     </p:extLst>
   </p:cSld>
@@ -1577,15 +2446,168 @@
           <a:bodyPr/>
           <a:lstStyle/>
           <a:p>
-            <a:r>
-              <a:rPr lang="en-US" dirty="0" smtClean="0"/>
-              <a:t>No</a:t>
-            </a:r>
-            <a:r>
-              <a:rPr lang="en-US" baseline="0" dirty="0" smtClean="0"/>
-              <a:t>t officially supported by Microsoft</a:t>
-            </a:r>
-            <a:endParaRPr lang="en-US" dirty="0"/>
+            <a:pPr rtl="0"/>
+            <a:r>
+              <a:rPr lang="en-US" b="1" dirty="0" smtClean="0">
+                <a:effectLst/>
+                <a:latin typeface="Segoe UI" panose="020B0502040204020203" pitchFamily="34" charset="0"/>
+              </a:rPr>
+              <a:t>Slide Objectives:</a:t>
+            </a:r>
+            <a:endParaRPr lang="en-US" dirty="0" smtClean="0">
+              <a:effectLst/>
+            </a:endParaRPr>
+          </a:p>
+          <a:p>
+            <a:pPr rtl="0"/>
+            <a:r>
+              <a:rPr lang="en-US" dirty="0" smtClean="0">
+                <a:effectLst/>
+                <a:latin typeface="Segoe UI" panose="020B0502040204020203" pitchFamily="34" charset="0"/>
+              </a:rPr>
+              <a:t>Consideration</a:t>
+            </a:r>
+            <a:r>
+              <a:rPr lang="en-US" baseline="0" dirty="0" smtClean="0">
+                <a:effectLst/>
+                <a:latin typeface="Segoe UI" panose="020B0502040204020203" pitchFamily="34" charset="0"/>
+              </a:rPr>
+              <a:t>s when looking at different migration strategies</a:t>
+            </a:r>
+            <a:endParaRPr lang="en-US" dirty="0" smtClean="0">
+              <a:effectLst/>
+            </a:endParaRPr>
+          </a:p>
+          <a:p>
+            <a:pPr rtl="0"/>
+            <a:r>
+              <a:rPr lang="en-US" b="1" dirty="0" smtClean="0">
+                <a:effectLst/>
+                <a:latin typeface="Segoe UI" panose="020B0502040204020203" pitchFamily="34" charset="0"/>
+              </a:rPr>
+              <a:t>Transition:</a:t>
+            </a:r>
+            <a:endParaRPr lang="en-US" dirty="0" smtClean="0">
+              <a:effectLst/>
+            </a:endParaRPr>
+          </a:p>
+          <a:p>
+            <a:pPr rtl="0"/>
+            <a:r>
+              <a:rPr lang="en-US" dirty="0" smtClean="0">
+                <a:effectLst/>
+                <a:latin typeface="Segoe UI" panose="020B0502040204020203" pitchFamily="34" charset="0"/>
+              </a:rPr>
+              <a:t>There are a lot of choices</a:t>
+            </a:r>
+            <a:r>
+              <a:rPr lang="en-US" baseline="0" dirty="0" smtClean="0">
+                <a:effectLst/>
+                <a:latin typeface="Segoe UI" panose="020B0502040204020203" pitchFamily="34" charset="0"/>
+              </a:rPr>
+              <a:t> when deciding the best available migration strategy for a given environment. When looking at all of the options, there are a few things that should be considered</a:t>
+            </a:r>
+            <a:endParaRPr lang="en-US" dirty="0" smtClean="0">
+              <a:effectLst/>
+            </a:endParaRPr>
+          </a:p>
+          <a:p>
+            <a:pPr rtl="0"/>
+            <a:r>
+              <a:rPr lang="en-US" b="1" dirty="0" smtClean="0">
+                <a:effectLst/>
+                <a:latin typeface="Segoe UI" panose="020B0502040204020203" pitchFamily="34" charset="0"/>
+              </a:rPr>
+              <a:t>Speaking Points:</a:t>
+            </a:r>
+            <a:endParaRPr lang="en-US" dirty="0" smtClean="0">
+              <a:effectLst/>
+            </a:endParaRPr>
+          </a:p>
+          <a:p>
+            <a:pPr rtl="0"/>
+            <a:r>
+              <a:rPr lang="en-US" dirty="0" smtClean="0">
+                <a:effectLst/>
+                <a:latin typeface="Segoe UI" panose="020B0502040204020203" pitchFamily="34" charset="0"/>
+              </a:rPr>
+              <a:t>Database</a:t>
+            </a:r>
+            <a:r>
+              <a:rPr lang="en-US" baseline="0" dirty="0" smtClean="0">
+                <a:effectLst/>
+                <a:latin typeface="Segoe UI" panose="020B0502040204020203" pitchFamily="34" charset="0"/>
+              </a:rPr>
+              <a:t> Size – How big is the database and how long will it take to migrate using each tool? </a:t>
+            </a:r>
+          </a:p>
+          <a:p>
+            <a:pPr rtl="0"/>
+            <a:r>
+              <a:rPr lang="en-US" baseline="0" dirty="0" smtClean="0">
+                <a:effectLst/>
+                <a:latin typeface="Segoe UI" panose="020B0502040204020203" pitchFamily="34" charset="0"/>
+              </a:rPr>
+              <a:t>Frequency – Is this a one-time migration or is this a recurring migration? This, along with the database size, will have an impact on the tool selected. </a:t>
+            </a:r>
+          </a:p>
+          <a:p>
+            <a:pPr rtl="0"/>
+            <a:r>
+              <a:rPr lang="en-US" dirty="0" smtClean="0">
+                <a:effectLst/>
+              </a:rPr>
+              <a:t>Transactional</a:t>
+            </a:r>
+            <a:r>
+              <a:rPr lang="en-US" baseline="0" dirty="0" smtClean="0">
+                <a:effectLst/>
+              </a:rPr>
+              <a:t> Consistency - </a:t>
+            </a:r>
+          </a:p>
+          <a:p>
+            <a:pPr rtl="0"/>
+            <a:r>
+              <a:rPr lang="en-US" baseline="0" dirty="0" smtClean="0">
+                <a:effectLst/>
+              </a:rPr>
+              <a:t>Technology Proficiency – Will someone need to be trained to use a specific tool or is the knowledge already in house?</a:t>
+            </a:r>
+            <a:endParaRPr lang="en-US" dirty="0" smtClean="0">
+              <a:effectLst/>
+            </a:endParaRPr>
+          </a:p>
+          <a:p>
+            <a:pPr rtl="0"/>
+            <a:r>
+              <a:rPr lang="en-US" b="1" dirty="0" smtClean="0">
+                <a:effectLst/>
+                <a:latin typeface="Segoe UI" panose="020B0502040204020203" pitchFamily="34" charset="0"/>
+              </a:rPr>
+              <a:t>Notes:</a:t>
+            </a:r>
+            <a:endParaRPr lang="en-US" dirty="0" smtClean="0">
+              <a:effectLst/>
+            </a:endParaRPr>
+          </a:p>
+          <a:p>
+            <a:pPr rtl="0"/>
+            <a:r>
+              <a:rPr lang="en-US" dirty="0" smtClean="0">
+                <a:effectLst/>
+              </a:rPr>
+              <a:t>With</a:t>
+            </a:r>
+            <a:r>
+              <a:rPr lang="en-US" baseline="0" dirty="0" smtClean="0">
+                <a:effectLst/>
+              </a:rPr>
+              <a:t> the Import/Export service and the DAC Framework, migration to SQL Database has been made nearly painless and simple. This tool, along with SSDT, should be the main focus of migrations, but many of the additional tools can provide great insight into supported objects, and how migrations will work in different environments.</a:t>
+            </a:r>
+            <a:endParaRPr lang="en-US" dirty="0" smtClean="0">
+              <a:effectLst/>
+            </a:endParaRPr>
           </a:p>
         </p:txBody>
       </p:sp>
@@ -1607,7 +2629,7 @@
             <a:fld id="{8B263312-38AA-4E1E-B2B5-0F8F122B24FE}" type="slidenum">
               <a:rPr lang="en-US" smtClean="0"/>
               <a:pPr/>
-              <a:t>18</a:t>
+              <a:t>19</a:t>
             </a:fld>
             <a:endParaRPr lang="en-US" dirty="0"/>
           </a:p>
@@ -1616,7 +2638,217 @@
     </p:spTree>
     <p:extLst>
       <p:ext uri="{BB962C8B-B14F-4D97-AF65-F5344CB8AC3E}">
-        <p14:creationId xmlns:p14="http://schemas.microsoft.com/office/powerpoint/2010/main" val="2618633426"/>
+        <p14:creationId xmlns:p14="http://schemas.microsoft.com/office/powerpoint/2010/main" val="1790964377"/>
+      </p:ext>
+    </p:extLst>
+  </p:cSld>
+  <p:clrMapOvr>
+    <a:masterClrMapping/>
+  </p:clrMapOvr>
+</p:notes>
+</file>
+
+<file path=ppt/notesSlides/notesSlide15.xml><?xml version="1.0" encoding="utf-8"?>
+<p:notes xmlns:a="http://schemas.openxmlformats.org/drawingml/2006/main" xmlns:r="http://schemas.openxmlformats.org/officeDocument/2006/relationships" xmlns:p="http://schemas.openxmlformats.org/presentationml/2006/main">
+  <p:cSld>
+    <p:spTree>
+      <p:nvGrpSpPr>
+        <p:cNvPr id="1" name=""/>
+        <p:cNvGrpSpPr/>
+        <p:nvPr/>
+      </p:nvGrpSpPr>
+      <p:grpSpPr>
+        <a:xfrm>
+          <a:off x="0" y="0"/>
+          <a:ext cx="0" cy="0"/>
+          <a:chOff x="0" y="0"/>
+          <a:chExt cx="0" cy="0"/>
+        </a:xfrm>
+      </p:grpSpPr>
+      <p:sp>
+        <p:nvSpPr>
+          <p:cNvPr id="2" name="Slide Image Placeholder 1"/>
+          <p:cNvSpPr>
+            <a:spLocks noGrp="1" noRot="1" noChangeAspect="1"/>
+          </p:cNvSpPr>
+          <p:nvPr>
+            <p:ph type="sldImg"/>
+          </p:nvPr>
+        </p:nvSpPr>
+        <p:spPr/>
+      </p:sp>
+      <p:sp>
+        <p:nvSpPr>
+          <p:cNvPr id="3" name="Notes Placeholder 2"/>
+          <p:cNvSpPr>
+            <a:spLocks noGrp="1"/>
+          </p:cNvSpPr>
+          <p:nvPr>
+            <p:ph type="body" idx="1"/>
+          </p:nvPr>
+        </p:nvSpPr>
+        <p:spPr/>
+        <p:txBody>
+          <a:bodyPr/>
+          <a:lstStyle/>
+          <a:p>
+            <a:pPr rtl="0"/>
+            <a:r>
+              <a:rPr lang="en-US" b="1" dirty="0" smtClean="0">
+                <a:effectLst/>
+                <a:latin typeface="Segoe UI" panose="020B0502040204020203" pitchFamily="34" charset="0"/>
+              </a:rPr>
+              <a:t>Slide Objectives:</a:t>
+            </a:r>
+            <a:endParaRPr lang="en-US" dirty="0" smtClean="0">
+              <a:effectLst/>
+            </a:endParaRPr>
+          </a:p>
+          <a:p>
+            <a:pPr rtl="0"/>
+            <a:r>
+              <a:rPr lang="en-US" dirty="0" smtClean="0">
+                <a:effectLst/>
+                <a:latin typeface="Segoe UI" panose="020B0502040204020203" pitchFamily="34" charset="0"/>
+              </a:rPr>
+              <a:t>Provide a side-by-side comparison of the tools</a:t>
+            </a:r>
+            <a:r>
+              <a:rPr lang="en-US" baseline="0" dirty="0" smtClean="0">
+                <a:effectLst/>
+                <a:latin typeface="Segoe UI" panose="020B0502040204020203" pitchFamily="34" charset="0"/>
+              </a:rPr>
+              <a:t> and their options</a:t>
+            </a:r>
+            <a:endParaRPr lang="en-US" dirty="0" smtClean="0">
+              <a:effectLst/>
+            </a:endParaRPr>
+          </a:p>
+          <a:p>
+            <a:pPr rtl="0"/>
+            <a:r>
+              <a:rPr lang="en-US" b="1" dirty="0" smtClean="0">
+                <a:effectLst/>
+                <a:latin typeface="Segoe UI" panose="020B0502040204020203" pitchFamily="34" charset="0"/>
+              </a:rPr>
+              <a:t>Transition:</a:t>
+            </a:r>
+            <a:endParaRPr lang="en-US" dirty="0" smtClean="0">
+              <a:effectLst/>
+            </a:endParaRPr>
+          </a:p>
+          <a:p>
+            <a:pPr rtl="0"/>
+            <a:r>
+              <a:rPr lang="en-US" dirty="0" smtClean="0">
+                <a:effectLst/>
+                <a:latin typeface="Segoe UI" panose="020B0502040204020203" pitchFamily="34" charset="0"/>
+              </a:rPr>
+              <a:t>As a quick visual comparison,</a:t>
+            </a:r>
+            <a:r>
+              <a:rPr lang="en-US" baseline="0" dirty="0" smtClean="0">
+                <a:effectLst/>
+                <a:latin typeface="Segoe UI" panose="020B0502040204020203" pitchFamily="34" charset="0"/>
+              </a:rPr>
+              <a:t> this table provides a great look into many of the tools discussed. This table shows some critical information regarding objects and performance and additional notes for each tool.</a:t>
+            </a:r>
+            <a:endParaRPr lang="en-US" dirty="0" smtClean="0">
+              <a:effectLst/>
+            </a:endParaRPr>
+          </a:p>
+          <a:p>
+            <a:pPr rtl="0"/>
+            <a:r>
+              <a:rPr lang="en-US" b="1" dirty="0" smtClean="0">
+                <a:effectLst/>
+                <a:latin typeface="Segoe UI" panose="020B0502040204020203" pitchFamily="34" charset="0"/>
+              </a:rPr>
+              <a:t>Speaking Points:</a:t>
+            </a:r>
+            <a:endParaRPr lang="en-US" dirty="0" smtClean="0">
+              <a:effectLst/>
+            </a:endParaRPr>
+          </a:p>
+          <a:p>
+            <a:pPr rtl="0"/>
+            <a:r>
+              <a:rPr lang="en-US" dirty="0" smtClean="0">
+                <a:effectLst/>
+                <a:latin typeface="Segoe UI" panose="020B0502040204020203" pitchFamily="34" charset="0"/>
+              </a:rPr>
+              <a:t>Some</a:t>
+            </a:r>
+            <a:r>
+              <a:rPr lang="en-US" baseline="0" dirty="0" smtClean="0">
+                <a:effectLst/>
+                <a:latin typeface="Segoe UI" panose="020B0502040204020203" pitchFamily="34" charset="0"/>
+              </a:rPr>
+              <a:t> tools don’t migrate schema, thus the schema must already exist</a:t>
+            </a:r>
+          </a:p>
+          <a:p>
+            <a:pPr rtl="0"/>
+            <a:r>
+              <a:rPr lang="en-US" baseline="0" dirty="0" smtClean="0">
+                <a:effectLst/>
+                <a:latin typeface="Segoe UI" panose="020B0502040204020203" pitchFamily="34" charset="0"/>
+              </a:rPr>
+              <a:t>Data Transfer Efficiency is relative as it is determined by primarily network connection bandwidth, but the size of the database also plays a factor.</a:t>
+            </a:r>
+            <a:endParaRPr lang="en-US" dirty="0" smtClean="0">
+              <a:effectLst/>
+            </a:endParaRPr>
+          </a:p>
+          <a:p>
+            <a:pPr rtl="0"/>
+            <a:r>
+              <a:rPr lang="en-US" b="1" dirty="0" smtClean="0">
+                <a:effectLst/>
+                <a:latin typeface="Segoe UI" panose="020B0502040204020203" pitchFamily="34" charset="0"/>
+              </a:rPr>
+              <a:t>Notes:</a:t>
+            </a:r>
+            <a:endParaRPr lang="en-US" dirty="0" smtClean="0">
+              <a:effectLst/>
+            </a:endParaRPr>
+          </a:p>
+          <a:p>
+            <a:pPr rtl="0"/>
+            <a:endParaRPr lang="en-US" dirty="0" smtClean="0">
+              <a:effectLst/>
+            </a:endParaRPr>
+          </a:p>
+        </p:txBody>
+      </p:sp>
+      <p:sp>
+        <p:nvSpPr>
+          <p:cNvPr id="4" name="Slide Number Placeholder 3"/>
+          <p:cNvSpPr>
+            <a:spLocks noGrp="1"/>
+          </p:cNvSpPr>
+          <p:nvPr>
+            <p:ph type="sldNum" sz="quarter" idx="10"/>
+          </p:nvPr>
+        </p:nvSpPr>
+        <p:spPr/>
+        <p:txBody>
+          <a:bodyPr/>
+          <a:lstStyle/>
+          <a:p>
+            <a:fld id="{8B263312-38AA-4E1E-B2B5-0F8F122B24FE}" type="slidenum">
+              <a:rPr lang="en-US" smtClean="0"/>
+              <a:pPr/>
+              <a:t>20</a:t>
+            </a:fld>
+            <a:endParaRPr lang="en-US" dirty="0"/>
+          </a:p>
+        </p:txBody>
+      </p:sp>
+    </p:spTree>
+    <p:extLst>
+      <p:ext uri="{BB962C8B-B14F-4D97-AF65-F5344CB8AC3E}">
+        <p14:creationId xmlns:p14="http://schemas.microsoft.com/office/powerpoint/2010/main" val="1983982818"/>
       </p:ext>
     </p:extLst>
   </p:cSld>
@@ -1670,6 +2902,85 @@
           <a:bodyPr/>
           <a:lstStyle/>
           <a:p>
+            <a:pPr rtl="0"/>
+            <a:r>
+              <a:rPr lang="en-US" b="1" dirty="0" smtClean="0">
+                <a:effectLst/>
+                <a:latin typeface="Segoe UI" panose="020B0502040204020203" pitchFamily="34" charset="0"/>
+              </a:rPr>
+              <a:t>Slide Objectives:</a:t>
+            </a:r>
+            <a:endParaRPr lang="en-US" dirty="0" smtClean="0">
+              <a:effectLst/>
+            </a:endParaRPr>
+          </a:p>
+          <a:p>
+            <a:pPr rtl="0"/>
+            <a:r>
+              <a:rPr lang="en-US" dirty="0" smtClean="0">
+                <a:effectLst/>
+                <a:latin typeface="Segoe UI" panose="020B0502040204020203" pitchFamily="34" charset="0"/>
+              </a:rPr>
+              <a:t>Define the terminology</a:t>
+            </a:r>
+            <a:r>
+              <a:rPr lang="en-US" baseline="0" dirty="0" smtClean="0">
+                <a:effectLst/>
+                <a:latin typeface="Segoe UI" panose="020B0502040204020203" pitchFamily="34" charset="0"/>
+              </a:rPr>
+              <a:t> and definitions used in this section of the deck.</a:t>
+            </a:r>
+            <a:endParaRPr lang="en-US" dirty="0" smtClean="0">
+              <a:effectLst/>
+            </a:endParaRPr>
+          </a:p>
+          <a:p>
+            <a:pPr rtl="0"/>
+            <a:r>
+              <a:rPr lang="en-US" b="1" dirty="0" smtClean="0">
+                <a:effectLst/>
+                <a:latin typeface="Segoe UI" panose="020B0502040204020203" pitchFamily="34" charset="0"/>
+              </a:rPr>
+              <a:t>Transition:</a:t>
+            </a:r>
+            <a:endParaRPr lang="en-US" dirty="0" smtClean="0">
+              <a:effectLst/>
+            </a:endParaRPr>
+          </a:p>
+          <a:p>
+            <a:pPr rtl="0"/>
+            <a:r>
+              <a:rPr lang="en-US" dirty="0" smtClean="0">
+                <a:effectLst/>
+                <a:latin typeface="Segoe UI" panose="020B0502040204020203" pitchFamily="34" charset="0"/>
+              </a:rPr>
+              <a:t>The DAC has been around for quite</a:t>
+            </a:r>
+            <a:r>
+              <a:rPr lang="en-US" baseline="0" dirty="0" smtClean="0">
+                <a:effectLst/>
+                <a:latin typeface="Segoe UI" panose="020B0502040204020203" pitchFamily="34" charset="0"/>
+              </a:rPr>
+              <a:t> a while but it will be helpful to make sure the terminology  is understood, especially in light of the new artifact introduced in SQL Server 2012.</a:t>
+            </a:r>
+            <a:endParaRPr lang="en-US" dirty="0" smtClean="0">
+              <a:effectLst/>
+            </a:endParaRPr>
+          </a:p>
+          <a:p>
+            <a:pPr rtl="0"/>
+            <a:r>
+              <a:rPr lang="en-US" b="1" dirty="0" smtClean="0">
+                <a:effectLst/>
+                <a:latin typeface="Segoe UI" panose="020B0502040204020203" pitchFamily="34" charset="0"/>
+              </a:rPr>
+              <a:t>Speaking Points:</a:t>
+            </a:r>
+            <a:endParaRPr lang="en-US" dirty="0" smtClean="0">
+              <a:effectLst/>
+            </a:endParaRPr>
+          </a:p>
+          <a:p>
             <a:pPr defTabSz="897301" fontAlgn="base">
               <a:lnSpc>
                 <a:spcPct val="100000"/>
@@ -1683,28 +2994,12 @@
               <a:defRPr/>
             </a:pPr>
             <a:r>
-              <a:rPr lang="en-US" sz="900" kern="1200" dirty="0" smtClean="0">
-                <a:solidFill>
-                  <a:schemeClr val="tx1"/>
-                </a:solidFill>
-                <a:effectLst/>
-                <a:latin typeface="Segoe UI" pitchFamily="34" charset="0"/>
-                <a:ea typeface="+mn-ea"/>
-                <a:cs typeface="+mn-cs"/>
-              </a:rPr>
-              <a:t>Bypass any need</a:t>
-            </a:r>
-            <a:r>
-              <a:rPr lang="en-US" sz="900" kern="1200" baseline="0" dirty="0" smtClean="0">
-                <a:solidFill>
-                  <a:schemeClr val="tx1"/>
-                </a:solidFill>
-                <a:effectLst/>
-                <a:latin typeface="Segoe UI" pitchFamily="34" charset="0"/>
-                <a:ea typeface="+mn-ea"/>
-                <a:cs typeface="+mn-cs"/>
-              </a:rPr>
-              <a:t> for client libraries or MSIs</a:t>
+              <a:rPr lang="en-US" dirty="0" smtClean="0"/>
+              <a:t>DAC – a </a:t>
+            </a:r>
+            <a:r>
+              <a:rPr lang="en-US" baseline="0" dirty="0" smtClean="0"/>
+              <a:t>self-contained deployment entity that defines all of the objects of a SQL Server database which can be packaged into a single portable artifact.</a:t>
             </a:r>
           </a:p>
           <a:p>
@@ -1720,15 +3015,14 @@
               </a:spcAft>
               <a:defRPr/>
             </a:pPr>
-            <a:endParaRPr lang="en-US" sz="900" kern="1200" dirty="0" smtClean="0">
-              <a:solidFill>
-                <a:schemeClr val="tx1"/>
-              </a:solidFill>
-              <a:effectLst/>
-              <a:latin typeface="Segoe UI" pitchFamily="34" charset="0"/>
-              <a:ea typeface="+mn-ea"/>
-              <a:cs typeface="+mn-cs"/>
-            </a:endParaRPr>
+            <a:r>
+              <a:rPr lang="en-US" baseline="0" dirty="0" err="1" smtClean="0"/>
+              <a:t>DACFx</a:t>
+            </a:r>
+            <a:r>
+              <a:rPr lang="en-US" baseline="0" dirty="0" smtClean="0"/>
+              <a:t> – the client-side tools for building and processing DAC packages and export files</a:t>
+            </a:r>
           </a:p>
           <a:p>
             <a:pPr defTabSz="897301" fontAlgn="base">
@@ -1745,11 +3039,31 @@
             </a:pPr>
             <a:r>
               <a:rPr lang="en-US" dirty="0" smtClean="0"/>
-              <a:t>Databases exported to a BACPAC using the client side tools can be uploaded to Windows Azure BLOB storage and imported using the service. Similarly, databases exported to a BACPAC using the service can be imported using the client side tools.</a:t>
-            </a:r>
-          </a:p>
-          <a:p>
-            <a:pPr defTabSz="897301" fontAlgn="base">
+              <a:t>DACPAC – File format used by the</a:t>
+            </a:r>
+            <a:r>
+              <a:rPr lang="en-US" baseline="0" dirty="0" smtClean="0"/>
+              <a:t> </a:t>
+            </a:r>
+            <a:r>
+              <a:rPr lang="en-US" baseline="0" dirty="0" err="1" smtClean="0"/>
+              <a:t>DACFx</a:t>
+            </a:r>
+            <a:r>
+              <a:rPr lang="en-US" baseline="0" dirty="0" smtClean="0"/>
+              <a:t> to represent the full </a:t>
+            </a:r>
+            <a:r>
+              <a:rPr lang="en-US" b="1" baseline="0" dirty="0" smtClean="0"/>
+              <a:t>definition</a:t>
+            </a:r>
+            <a:r>
+              <a:rPr lang="en-US" baseline="0" dirty="0" smtClean="0"/>
+              <a:t> of an application. </a:t>
+            </a:r>
+          </a:p>
+          <a:p>
+            <a:pPr marL="0" marR="0" indent="0" algn="l" defTabSz="897301" rtl="0" eaLnBrk="1" fontAlgn="base" latinLnBrk="0" hangingPunct="1">
               <a:lnSpc>
                 <a:spcPct val="100000"/>
               </a:lnSpc>
@@ -1759,12 +3073,70 @@
               <a:spcAft>
                 <a:spcPct val="0"/>
               </a:spcAft>
+              <a:buClrTx/>
+              <a:buSzTx/>
+              <a:buFontTx/>
+              <a:buNone/>
+              <a:tabLst/>
               <a:defRPr/>
             </a:pPr>
-            <a:endParaRPr lang="en-US" dirty="0" smtClean="0"/>
-          </a:p>
-          <a:p>
-            <a:pPr defTabSz="897301" fontAlgn="base">
+            <a:r>
+              <a:rPr lang="en-US" dirty="0" smtClean="0"/>
+              <a:t>BACPAC – File format used by the</a:t>
+            </a:r>
+            <a:r>
+              <a:rPr lang="en-US" baseline="0" dirty="0" smtClean="0"/>
+              <a:t> </a:t>
+            </a:r>
+            <a:r>
+              <a:rPr lang="en-US" baseline="0" dirty="0" err="1" smtClean="0"/>
+              <a:t>DACFx</a:t>
+            </a:r>
+            <a:r>
+              <a:rPr lang="en-US" baseline="0" dirty="0" smtClean="0"/>
+              <a:t> to represent the full </a:t>
+            </a:r>
+            <a:r>
+              <a:rPr lang="en-US" b="1" baseline="0" dirty="0" smtClean="0"/>
+              <a:t>definition</a:t>
+            </a:r>
+            <a:r>
+              <a:rPr lang="en-US" baseline="0" dirty="0" smtClean="0"/>
+              <a:t> of an application </a:t>
+            </a:r>
+            <a:r>
+              <a:rPr lang="en-US" b="1" baseline="0" dirty="0" smtClean="0"/>
+              <a:t>as well as its data</a:t>
+            </a:r>
+            <a:r>
+              <a:rPr lang="en-US" baseline="0" dirty="0" smtClean="0"/>
+              <a:t>. </a:t>
+            </a:r>
+            <a:endParaRPr lang="en-US" dirty="0" smtClean="0">
+              <a:effectLst/>
+            </a:endParaRPr>
+          </a:p>
+          <a:p>
+            <a:pPr rtl="0"/>
+            <a:r>
+              <a:rPr lang="en-US" b="1" dirty="0" smtClean="0">
+                <a:effectLst/>
+                <a:latin typeface="Segoe UI" panose="020B0502040204020203" pitchFamily="34" charset="0"/>
+              </a:rPr>
+              <a:t>Notes:</a:t>
+            </a:r>
+            <a:endParaRPr lang="en-US" dirty="0" smtClean="0">
+              <a:effectLst/>
+            </a:endParaRPr>
+          </a:p>
+          <a:p>
+            <a:pPr rtl="0"/>
+            <a:endParaRPr lang="en-US" dirty="0" smtClean="0">
+              <a:effectLst/>
+            </a:endParaRPr>
+          </a:p>
+          <a:p>
+            <a:pPr marL="0" marR="0" indent="0" algn="l" defTabSz="897301" rtl="0" eaLnBrk="1" fontAlgn="base" latinLnBrk="0" hangingPunct="1">
               <a:lnSpc>
                 <a:spcPct val="100000"/>
               </a:lnSpc>
@@ -1774,87 +3146,14 @@
               <a:spcAft>
                 <a:spcPct val="0"/>
               </a:spcAft>
+              <a:buClrTx/>
+              <a:buSzTx/>
+              <a:buFontTx/>
+              <a:buNone/>
+              <a:tabLst/>
               <a:defRPr/>
             </a:pPr>
             <a:endParaRPr lang="en-US" dirty="0" smtClean="0"/>
-          </a:p>
-          <a:p>
-            <a:pPr defTabSz="897301" fontAlgn="base">
-              <a:lnSpc>
-                <a:spcPct val="100000"/>
-              </a:lnSpc>
-              <a:spcBef>
-                <a:spcPct val="30000"/>
-              </a:spcBef>
-              <a:spcAft>
-                <a:spcPct val="0"/>
-              </a:spcAft>
-              <a:defRPr/>
-            </a:pPr>
-            <a:r>
-              <a:rPr lang="en-US" dirty="0" smtClean="0"/>
-              <a:t>The DAC framework provides a set of services for database developers and administrators and is currently available in two forms:</a:t>
-            </a:r>
-          </a:p>
-          <a:p>
-            <a:pPr defTabSz="897301" fontAlgn="base">
-              <a:lnSpc>
-                <a:spcPct val="100000"/>
-              </a:lnSpc>
-              <a:spcBef>
-                <a:spcPct val="30000"/>
-              </a:spcBef>
-              <a:spcAft>
-                <a:spcPct val="0"/>
-              </a:spcAft>
-              <a:defRPr/>
-            </a:pPr>
-            <a:r>
-              <a:rPr lang="en-US" dirty="0" smtClean="0"/>
-              <a:t> Hosted services such as the new SQL Azure Import/Export Service The service tools do not require any of the DAC components to be installed on your machine (only </a:t>
-            </a:r>
-            <a:r>
-              <a:rPr lang="en-US" dirty="0" err="1" smtClean="0"/>
-              <a:t>.Net</a:t>
-            </a:r>
-            <a:r>
-              <a:rPr lang="en-US" dirty="0" smtClean="0"/>
-              <a:t> 4), and it submits jobs against a Microsoft service that is running in Windows Azure. The actual import or export is performed within the service.</a:t>
-            </a:r>
-          </a:p>
-          <a:p>
-            <a:pPr defTabSz="897301" fontAlgn="base">
-              <a:lnSpc>
-                <a:spcPct val="100000"/>
-              </a:lnSpc>
-              <a:spcBef>
-                <a:spcPct val="30000"/>
-              </a:spcBef>
-              <a:spcAft>
-                <a:spcPct val="0"/>
-              </a:spcAft>
-              <a:defRPr/>
-            </a:pPr>
-            <a:endParaRPr lang="en-US" dirty="0" smtClean="0"/>
-          </a:p>
-          <a:p>
-            <a:pPr defTabSz="897301" fontAlgn="base">
-              <a:lnSpc>
-                <a:spcPct val="100000"/>
-              </a:lnSpc>
-              <a:spcBef>
-                <a:spcPct val="30000"/>
-              </a:spcBef>
-              <a:spcAft>
-                <a:spcPct val="0"/>
-              </a:spcAft>
-              <a:defRPr/>
-            </a:pPr>
-            <a:r>
-              <a:rPr lang="en-US" dirty="0" smtClean="0"/>
-              <a:t>Redistributable client side tools such as the DAC Framework The client side tools require the DAC Framework and other components to be installed, and run on your local machine.</a:t>
-            </a:r>
-            <a:endParaRPr lang="en-US" dirty="0"/>
           </a:p>
         </p:txBody>
       </p:sp>
@@ -1876,7 +3175,7 @@
             <a:fld id="{886BBA71-14D9-419E-BD15-792793A7FA39}" type="slidenum">
               <a:rPr lang="en-US" smtClean="0"/>
               <a:pPr/>
-              <a:t>5</a:t>
+              <a:t>4</a:t>
             </a:fld>
             <a:endParaRPr lang="en-US"/>
           </a:p>
@@ -1939,6 +3238,153 @@
           <a:bodyPr/>
           <a:lstStyle/>
           <a:p>
+            <a:pPr rtl="0"/>
+            <a:r>
+              <a:rPr lang="en-US" b="1" dirty="0" smtClean="0">
+                <a:effectLst/>
+                <a:latin typeface="Segoe UI" panose="020B0502040204020203" pitchFamily="34" charset="0"/>
+              </a:rPr>
+              <a:t>Slide Objectives:</a:t>
+            </a:r>
+            <a:endParaRPr lang="en-US" dirty="0" smtClean="0">
+              <a:effectLst/>
+            </a:endParaRPr>
+          </a:p>
+          <a:p>
+            <a:pPr rtl="0"/>
+            <a:r>
+              <a:rPr lang="en-US" dirty="0" smtClean="0">
+                <a:effectLst/>
+                <a:latin typeface="Segoe UI" panose="020B0502040204020203" pitchFamily="34" charset="0"/>
+              </a:rPr>
+              <a:t>Understand the DAC Framework and how it is used to</a:t>
+            </a:r>
+            <a:r>
+              <a:rPr lang="en-US" baseline="0" dirty="0" smtClean="0">
+                <a:effectLst/>
+                <a:latin typeface="Segoe UI" panose="020B0502040204020203" pitchFamily="34" charset="0"/>
+              </a:rPr>
+              <a:t> package and deploy databases on-premises and to SQL </a:t>
+            </a:r>
+            <a:r>
+              <a:rPr lang="en-US" baseline="0" dirty="0" err="1" smtClean="0">
+                <a:effectLst/>
+                <a:latin typeface="Segoe UI" panose="020B0502040204020203" pitchFamily="34" charset="0"/>
+              </a:rPr>
+              <a:t>Dataase</a:t>
+            </a:r>
+            <a:endParaRPr lang="en-US" dirty="0" smtClean="0">
+              <a:effectLst/>
+            </a:endParaRPr>
+          </a:p>
+          <a:p>
+            <a:pPr rtl="0"/>
+            <a:r>
+              <a:rPr lang="en-US" b="1" dirty="0" smtClean="0">
+                <a:effectLst/>
+                <a:latin typeface="Segoe UI" panose="020B0502040204020203" pitchFamily="34" charset="0"/>
+              </a:rPr>
+              <a:t>Transition:</a:t>
+            </a:r>
+            <a:endParaRPr lang="en-US" dirty="0" smtClean="0">
+              <a:effectLst/>
+            </a:endParaRPr>
+          </a:p>
+          <a:p>
+            <a:pPr rtl="0"/>
+            <a:r>
+              <a:rPr lang="en-US" dirty="0" smtClean="0">
+                <a:effectLst/>
+                <a:latin typeface="Segoe UI" panose="020B0502040204020203" pitchFamily="34" charset="0"/>
+              </a:rPr>
+              <a:t>A major component of the Import/Export service and Data-Tier Applications</a:t>
+            </a:r>
+            <a:r>
+              <a:rPr lang="en-US" baseline="0" dirty="0" smtClean="0">
+                <a:effectLst/>
+                <a:latin typeface="Segoe UI" panose="020B0502040204020203" pitchFamily="34" charset="0"/>
+              </a:rPr>
+              <a:t> is the DAC Framework. </a:t>
+            </a:r>
+            <a:r>
+              <a:rPr lang="en-US" sz="900" kern="1200" dirty="0" smtClean="0">
+                <a:solidFill>
+                  <a:schemeClr val="tx1"/>
+                </a:solidFill>
+                <a:effectLst/>
+                <a:latin typeface="Segoe UI" pitchFamily="34" charset="0"/>
+                <a:ea typeface="+mn-ea"/>
+                <a:cs typeface="+mn-cs"/>
+              </a:rPr>
+              <a:t>The client side DAC Framework allows customers to export a BACPAC from their on-premise database, once exported, customers can transfer the BACPAC to their BLOB storage account and use the service to import their database to SQL Azure.  The upcoming transport service can also be used to move large (or large numbers of) BACPACs to and from BLOB storage as the service is ready to work with this pipeline as soon as it’s available.</a:t>
+            </a:r>
+            <a:endParaRPr lang="en-US" dirty="0" smtClean="0">
+              <a:effectLst/>
+            </a:endParaRPr>
+          </a:p>
+          <a:p>
+            <a:pPr rtl="0"/>
+            <a:r>
+              <a:rPr lang="en-US" b="1" dirty="0" smtClean="0">
+                <a:effectLst/>
+                <a:latin typeface="Segoe UI" panose="020B0502040204020203" pitchFamily="34" charset="0"/>
+              </a:rPr>
+              <a:t>Speaking Points:</a:t>
+            </a:r>
+            <a:endParaRPr lang="en-US" dirty="0" smtClean="0">
+              <a:effectLst/>
+            </a:endParaRPr>
+          </a:p>
+          <a:p>
+            <a:pPr rtl="0"/>
+            <a:r>
+              <a:rPr lang="en-US" dirty="0" smtClean="0">
+                <a:effectLst/>
+                <a:latin typeface="Segoe UI" panose="020B0502040204020203" pitchFamily="34" charset="0"/>
+              </a:rPr>
+              <a:t>The DAC Framework is a set of client libraries installed with SQL Server </a:t>
+            </a:r>
+          </a:p>
+          <a:p>
+            <a:pPr marL="0" marR="0" indent="0" algn="l" defTabSz="914363" rtl="0" eaLnBrk="1" fontAlgn="auto" latinLnBrk="0" hangingPunct="1">
+              <a:lnSpc>
+                <a:spcPct val="90000"/>
+              </a:lnSpc>
+              <a:spcBef>
+                <a:spcPts val="0"/>
+              </a:spcBef>
+              <a:spcAft>
+                <a:spcPts val="333"/>
+              </a:spcAft>
+              <a:buClrTx/>
+              <a:buSzTx/>
+              <a:buFontTx/>
+              <a:buNone/>
+              <a:tabLst/>
+              <a:defRPr/>
+            </a:pPr>
+            <a:r>
+              <a:rPr lang="en-US" dirty="0" smtClean="0"/>
+              <a:t>The client side tools require the DAC Framework and other components to be installed, and run on your local machine.</a:t>
+            </a:r>
+            <a:endParaRPr lang="en-US" dirty="0" smtClean="0">
+              <a:effectLst/>
+            </a:endParaRPr>
+          </a:p>
+          <a:p>
+            <a:pPr rtl="0"/>
+            <a:r>
+              <a:rPr lang="en-US" b="1" dirty="0" smtClean="0">
+                <a:effectLst/>
+                <a:latin typeface="Segoe UI" panose="020B0502040204020203" pitchFamily="34" charset="0"/>
+              </a:rPr>
+              <a:t>Notes:</a:t>
+            </a:r>
+            <a:endParaRPr lang="en-US" dirty="0" smtClean="0">
+              <a:effectLst/>
+            </a:endParaRPr>
+          </a:p>
+          <a:p>
             <a:pPr defTabSz="897301" fontAlgn="base">
               <a:lnSpc>
                 <a:spcPct val="100000"/>
@@ -1952,28 +3398,8 @@
               <a:defRPr/>
             </a:pPr>
             <a:r>
-              <a:rPr lang="en-US" sz="900" kern="1200" dirty="0" smtClean="0">
-                <a:solidFill>
-                  <a:schemeClr val="tx1"/>
-                </a:solidFill>
-                <a:effectLst/>
-                <a:latin typeface="Segoe UI" pitchFamily="34" charset="0"/>
-                <a:ea typeface="+mn-ea"/>
-                <a:cs typeface="+mn-cs"/>
-              </a:rPr>
-              <a:t>Bypass any need</a:t>
-            </a:r>
-            <a:r>
-              <a:rPr lang="en-US" sz="900" kern="1200" baseline="0" dirty="0" smtClean="0">
-                <a:solidFill>
-                  <a:schemeClr val="tx1"/>
-                </a:solidFill>
-                <a:effectLst/>
-                <a:latin typeface="Segoe UI" pitchFamily="34" charset="0"/>
-                <a:ea typeface="+mn-ea"/>
-                <a:cs typeface="+mn-cs"/>
-              </a:rPr>
-              <a:t> for client libraries or MSIs</a:t>
+              <a:rPr lang="en-US" dirty="0" smtClean="0"/>
+              <a:t>Databases exported to a BACPAC using the client side tools can be uploaded to Windows Azure BLOB storage and imported using the service. Similarly, databases exported to a BACPAC using the service can be imported using the client side tools.</a:t>
             </a:r>
           </a:p>
           <a:p>
@@ -1989,15 +3415,7 @@
               </a:spcAft>
               <a:defRPr/>
             </a:pPr>
-            <a:endParaRPr lang="en-US" sz="900" kern="1200" dirty="0" smtClean="0">
-              <a:solidFill>
-                <a:schemeClr val="tx1"/>
-              </a:solidFill>
-              <a:effectLst/>
-              <a:latin typeface="Segoe UI" pitchFamily="34" charset="0"/>
-              <a:ea typeface="+mn-ea"/>
-              <a:cs typeface="+mn-cs"/>
-            </a:endParaRPr>
+            <a:endParaRPr lang="en-US" dirty="0" smtClean="0"/>
           </a:p>
           <a:p>
             <a:pPr defTabSz="897301" fontAlgn="base">
@@ -2012,7 +3430,135 @@
               </a:spcAft>
               <a:defRPr/>
             </a:pPr>
-            <a:endParaRPr lang="en-US" dirty="0"/>
+            <a:r>
+              <a:rPr lang="en-US" dirty="0" smtClean="0"/>
+              <a:t>The DAC framework provides a set of services for database developers and administrators and is currently available in two forms:</a:t>
+            </a:r>
+          </a:p>
+          <a:p>
+            <a:pPr marL="228600" indent="-228600" defTabSz="897301" fontAlgn="base">
+              <a:lnSpc>
+                <a:spcPct val="100000"/>
+              </a:lnSpc>
+              <a:spcBef>
+                <a:spcPct val="30000"/>
+              </a:spcBef>
+              <a:spcAft>
+                <a:spcPct val="0"/>
+              </a:spcAft>
+              <a:buFont typeface="Arial" panose="020B0604020202020204" pitchFamily="34" charset="0"/>
+              <a:buChar char="•"/>
+              <a:defRPr/>
+            </a:pPr>
+            <a:r>
+              <a:rPr lang="en-US" dirty="0" smtClean="0"/>
+              <a:t>Hosted services such as the new SQL Database Import/Export Service – The</a:t>
+            </a:r>
+            <a:r>
+              <a:rPr lang="en-US" baseline="0" dirty="0" smtClean="0"/>
+              <a:t> service tools do not require any of the DAC components to be installed on your machine. Jobs are submitted against at Microsoft service running in Windows Azure. The actual Import/Export is preformed in the service.</a:t>
+            </a:r>
+            <a:endParaRPr lang="en-US" dirty="0" smtClean="0"/>
+          </a:p>
+          <a:p>
+            <a:pPr marL="228600" indent="-228600" defTabSz="897301" fontAlgn="base">
+              <a:lnSpc>
+                <a:spcPct val="100000"/>
+              </a:lnSpc>
+              <a:spcBef>
+                <a:spcPct val="30000"/>
+              </a:spcBef>
+              <a:spcAft>
+                <a:spcPct val="0"/>
+              </a:spcAft>
+              <a:buFont typeface="Arial" panose="020B0604020202020204" pitchFamily="34" charset="0"/>
+              <a:buChar char="•"/>
+              <a:defRPr/>
+            </a:pPr>
+            <a:r>
+              <a:rPr lang="en-US" dirty="0" smtClean="0"/>
+              <a:t>Redistributable client side tools such as the DAC Framework – The</a:t>
+            </a:r>
+            <a:r>
+              <a:rPr lang="en-US" baseline="0" dirty="0" smtClean="0"/>
+              <a:t> client side tools require the DAC Framework</a:t>
+            </a:r>
+            <a:endParaRPr lang="en-US" dirty="0" smtClean="0"/>
+          </a:p>
+          <a:p>
+            <a:pPr defTabSz="897301" fontAlgn="base">
+              <a:lnSpc>
+                <a:spcPct val="100000"/>
+              </a:lnSpc>
+              <a:spcBef>
+                <a:spcPct val="30000"/>
+              </a:spcBef>
+              <a:spcAft>
+                <a:spcPct val="0"/>
+              </a:spcAft>
+              <a:defRPr/>
+            </a:pPr>
+            <a:endParaRPr lang="en-US" dirty="0" smtClean="0"/>
+          </a:p>
+          <a:p>
+            <a:pPr defTabSz="897301" fontAlgn="base">
+              <a:lnSpc>
+                <a:spcPct val="100000"/>
+              </a:lnSpc>
+              <a:spcBef>
+                <a:spcPct val="30000"/>
+              </a:spcBef>
+              <a:spcAft>
+                <a:spcPct val="0"/>
+              </a:spcAft>
+              <a:defRPr/>
+            </a:pPr>
+            <a:endParaRPr lang="en-US" dirty="0" smtClean="0"/>
+          </a:p>
+          <a:p>
+            <a:pPr defTabSz="897301" fontAlgn="base">
+              <a:lnSpc>
+                <a:spcPct val="100000"/>
+              </a:lnSpc>
+              <a:spcBef>
+                <a:spcPct val="30000"/>
+              </a:spcBef>
+              <a:spcAft>
+                <a:spcPct val="0"/>
+              </a:spcAft>
+              <a:defRPr/>
+            </a:pPr>
+            <a:endParaRPr lang="en-US" dirty="0" smtClean="0"/>
+          </a:p>
+          <a:p>
+            <a:pPr defTabSz="897301" fontAlgn="base">
+              <a:lnSpc>
+                <a:spcPct val="100000"/>
+              </a:lnSpc>
+              <a:spcBef>
+                <a:spcPct val="30000"/>
+              </a:spcBef>
+              <a:spcAft>
+                <a:spcPct val="0"/>
+              </a:spcAft>
+              <a:defRPr/>
+            </a:pPr>
+            <a:endParaRPr lang="en-US" dirty="0" smtClean="0"/>
+          </a:p>
+          <a:p>
+            <a:pPr defTabSz="897301" fontAlgn="base">
+              <a:lnSpc>
+                <a:spcPct val="100000"/>
+              </a:lnSpc>
+              <a:spcBef>
+                <a:spcPct val="30000"/>
+              </a:spcBef>
+              <a:spcAft>
+                <a:spcPct val="0"/>
+              </a:spcAft>
+              <a:defRPr/>
+            </a:pPr>
+            <a:endParaRPr lang="en-US" dirty="0" smtClean="0"/>
           </a:p>
         </p:txBody>
       </p:sp>
@@ -2034,7 +3580,7 @@
             <a:fld id="{886BBA71-14D9-419E-BD15-792793A7FA39}" type="slidenum">
               <a:rPr lang="en-US" smtClean="0"/>
               <a:pPr/>
-              <a:t>6</a:t>
+              <a:t>5</a:t>
             </a:fld>
             <a:endParaRPr lang="en-US"/>
           </a:p>
@@ -2097,17 +3643,234 @@
           <a:bodyPr/>
           <a:lstStyle/>
           <a:p>
+            <a:pPr rtl="0"/>
+            <a:r>
+              <a:rPr lang="en-US" b="1" dirty="0" smtClean="0">
+                <a:effectLst/>
+                <a:latin typeface="Segoe UI" panose="020B0502040204020203" pitchFamily="34" charset="0"/>
+              </a:rPr>
+              <a:t>Slide Objectives:</a:t>
+            </a:r>
+            <a:endParaRPr lang="en-US" dirty="0" smtClean="0">
+              <a:effectLst/>
+            </a:endParaRPr>
+          </a:p>
+          <a:p>
+            <a:pPr rtl="0"/>
+            <a:r>
+              <a:rPr lang="en-US" dirty="0" smtClean="0">
+                <a:effectLst/>
+                <a:latin typeface="Segoe UI" panose="020B0502040204020203" pitchFamily="34" charset="0"/>
+              </a:rPr>
+              <a:t>Simplified</a:t>
+            </a:r>
+            <a:r>
+              <a:rPr lang="en-US" baseline="0" dirty="0" smtClean="0">
+                <a:effectLst/>
+                <a:latin typeface="Segoe UI" panose="020B0502040204020203" pitchFamily="34" charset="0"/>
+              </a:rPr>
+              <a:t> database migration using the Import/Export service</a:t>
+            </a:r>
+            <a:endParaRPr lang="en-US" dirty="0" smtClean="0">
+              <a:effectLst/>
+            </a:endParaRPr>
+          </a:p>
+          <a:p>
+            <a:pPr rtl="0"/>
+            <a:r>
+              <a:rPr lang="en-US" b="1" dirty="0" smtClean="0">
+                <a:effectLst/>
+                <a:latin typeface="Segoe UI" panose="020B0502040204020203" pitchFamily="34" charset="0"/>
+              </a:rPr>
+              <a:t>Transition:</a:t>
+            </a:r>
+            <a:endParaRPr lang="en-US" dirty="0" smtClean="0">
+              <a:effectLst/>
+            </a:endParaRPr>
+          </a:p>
+          <a:p>
+            <a:pPr rtl="0"/>
             <a:r>
               <a:rPr lang="en-US" dirty="0" smtClean="0">
                 <a:effectLst/>
               </a:rPr>
-              <a:t>The new Import/Export Service for SQL Azure is now live. The service will directly import or export between a SQL Azure database and Windows Azure BLOB storage. The service complements the client side tools already available. Databases exported to a BACPAC using the client side tools can be uploaded to Windows Azure BLOB storage and imported using the service. Similarly, databases exported to a BACPAC using the service can be imported using the client side tools.</a:t>
-            </a:r>
-            <a:br>
-              <a:rPr lang="en-US" dirty="0" smtClean="0">
+              <a:t>The new Import/Export Service for SQL Database is now live. The service will directly import or export between a SQL Database instance and Windows Azure BLOB storage. The service complements the client side tools already available. Databases exported to a BACPAC using the client side tools can be uploaded to Windows Azure BLOB storage and imported using the service. Similarly, databases exported to a BACPAC using the service can be imported using the client side tools.</a:t>
+            </a:r>
+            <a:endParaRPr lang="en-US" dirty="0" smtClean="0"/>
+          </a:p>
+          <a:p>
+            <a:pPr rtl="0"/>
+            <a:r>
+              <a:rPr lang="en-US" b="1" dirty="0" smtClean="0">
                 <a:effectLst/>
+                <a:latin typeface="Segoe UI" panose="020B0502040204020203" pitchFamily="34" charset="0"/>
               </a:rPr>
-            </a:br>
+              <a:t>Speaking Points:</a:t>
+            </a:r>
+            <a:endParaRPr lang="en-US" dirty="0" smtClean="0">
+              <a:effectLst/>
+            </a:endParaRPr>
+          </a:p>
+          <a:p>
+            <a:pPr rtl="0"/>
+            <a:r>
+              <a:rPr lang="en-US" dirty="0" smtClean="0"/>
+              <a:t>Copy databases between Windows Azure SQL Database servers, or to migrate databases between the SQL Server Database Engine and Windows Azure SQL Database.</a:t>
+            </a:r>
+          </a:p>
+          <a:p>
+            <a:pPr rtl="0"/>
+            <a:r>
+              <a:rPr lang="en-US" dirty="0" smtClean="0"/>
+              <a:t>The </a:t>
+            </a:r>
+            <a:r>
+              <a:rPr lang="en-US" b="1" dirty="0" smtClean="0"/>
+              <a:t>SQL Database Import/Export Service</a:t>
+            </a:r>
+            <a:r>
+              <a:rPr lang="en-US" dirty="0" smtClean="0"/>
+              <a:t> creates a logical backup (BACPAC) file containing the schema definition and table data of a database in Windows Azure SQL Database.</a:t>
+            </a:r>
+            <a:endParaRPr lang="en-US" dirty="0" smtClean="0">
+              <a:effectLst/>
+            </a:endParaRPr>
+          </a:p>
+          <a:p>
+            <a:pPr rtl="0"/>
+            <a:r>
+              <a:rPr lang="en-US" sz="900" kern="1200" dirty="0" smtClean="0">
+                <a:solidFill>
+                  <a:schemeClr val="tx1"/>
+                </a:solidFill>
+                <a:effectLst/>
+                <a:latin typeface="Segoe UI" pitchFamily="34" charset="0"/>
+                <a:ea typeface="+mn-ea"/>
+                <a:cs typeface="+mn-cs"/>
+              </a:rPr>
+              <a:t>Bypass any need</a:t>
+            </a:r>
+            <a:r>
+              <a:rPr lang="en-US" sz="900" kern="1200" baseline="0" dirty="0" smtClean="0">
+                <a:solidFill>
+                  <a:schemeClr val="tx1"/>
+                </a:solidFill>
+                <a:effectLst/>
+                <a:latin typeface="Segoe UI" pitchFamily="34" charset="0"/>
+                <a:ea typeface="+mn-ea"/>
+                <a:cs typeface="+mn-cs"/>
+              </a:rPr>
+              <a:t> for client libraries or MSIs</a:t>
+            </a:r>
+          </a:p>
+          <a:p>
+            <a:pPr rtl="0"/>
+            <a:r>
+              <a:rPr lang="en-US" sz="900" kern="1200" baseline="0" dirty="0" smtClean="0">
+                <a:solidFill>
+                  <a:schemeClr val="tx1"/>
+                </a:solidFill>
+                <a:effectLst/>
+                <a:latin typeface="Segoe UI" pitchFamily="34" charset="0"/>
+                <a:ea typeface="+mn-ea"/>
+                <a:cs typeface="+mn-cs"/>
+              </a:rPr>
+              <a:t>Requires you to have a Windows Azure Storage Account</a:t>
+            </a:r>
+          </a:p>
+          <a:p>
+            <a:pPr marL="0" marR="0" indent="0" algn="l" defTabSz="914363" rtl="0" eaLnBrk="1" fontAlgn="auto" latinLnBrk="0" hangingPunct="1">
+              <a:lnSpc>
+                <a:spcPct val="90000"/>
+              </a:lnSpc>
+              <a:spcBef>
+                <a:spcPts val="0"/>
+              </a:spcBef>
+              <a:spcAft>
+                <a:spcPts val="333"/>
+              </a:spcAft>
+              <a:buClrTx/>
+              <a:buSzTx/>
+              <a:buFontTx/>
+              <a:buNone/>
+              <a:tabLst/>
+              <a:defRPr/>
+            </a:pPr>
+            <a:r>
+              <a:rPr lang="en-US" dirty="0" smtClean="0"/>
+              <a:t>Database export is an asynchronous operation.</a:t>
+            </a:r>
+            <a:r>
+              <a:rPr lang="en-US" baseline="0" dirty="0" smtClean="0"/>
+              <a:t> </a:t>
+            </a:r>
+            <a:r>
+              <a:rPr lang="en-US" dirty="0" smtClean="0"/>
+              <a:t>Use the </a:t>
+            </a:r>
+            <a:r>
+              <a:rPr lang="en-US" b="1" dirty="0" smtClean="0"/>
+              <a:t>Import Export Request Status</a:t>
+            </a:r>
+            <a:r>
+              <a:rPr lang="en-US" dirty="0" smtClean="0"/>
+              <a:t> window to track the progress.</a:t>
+            </a:r>
+            <a:endParaRPr lang="en-US" dirty="0" smtClean="0">
+              <a:effectLst/>
+            </a:endParaRPr>
+          </a:p>
+          <a:p>
+            <a:pPr rtl="0"/>
+            <a:r>
+              <a:rPr lang="en-US" b="1" dirty="0" smtClean="0">
+                <a:effectLst/>
+                <a:latin typeface="Segoe UI" panose="020B0502040204020203" pitchFamily="34" charset="0"/>
+              </a:rPr>
+              <a:t>Notes:</a:t>
+            </a:r>
+            <a:endParaRPr lang="en-US" dirty="0" smtClean="0">
+              <a:effectLst/>
+            </a:endParaRPr>
+          </a:p>
+          <a:p>
+            <a:pPr rtl="0"/>
+            <a:r>
+              <a:rPr lang="en-US" dirty="0" smtClean="0"/>
+              <a:t>An export operation performs an individual bulk copy of the data from each table in the database so does not guarantee the transactional consistency of the data. You can use the Windows Azure SQL Database copy database feature to make a consistent copy of a database, and perform the export from the copy.</a:t>
+            </a:r>
+          </a:p>
+          <a:p>
+            <a:pPr rtl="0"/>
+            <a:endParaRPr lang="en-US" dirty="0" smtClean="0">
+              <a:effectLst/>
+            </a:endParaRPr>
+          </a:p>
+          <a:p>
+            <a:pPr rtl="0"/>
+            <a:endParaRPr lang="en-US" dirty="0" smtClean="0">
+              <a:effectLst/>
+            </a:endParaRPr>
+          </a:p>
+          <a:p>
+            <a:pPr rtl="0"/>
+            <a:endParaRPr lang="en-US" dirty="0" smtClean="0">
+              <a:effectLst/>
+            </a:endParaRPr>
+          </a:p>
+          <a:p>
+            <a:pPr defTabSz="897301" fontAlgn="base">
+              <a:lnSpc>
+                <a:spcPct val="100000"/>
+              </a:lnSpc>
+              <a:spcBef>
+                <a:spcPct val="30000"/>
+              </a:spcBef>
+              <a:spcAft>
+                <a:spcPct val="0"/>
+              </a:spcAft>
+              <a:defRPr/>
+            </a:pPr>
             <a:endParaRPr lang="en-US" dirty="0"/>
           </a:p>
         </p:txBody>
@@ -2127,9 +3890,10 @@
           <a:bodyPr/>
           <a:lstStyle/>
           <a:p>
-            <a:fld id="{DD18B6FB-7082-4BB2-BB97-9F21E8F3CB6D}" type="slidenum">
+            <a:fld id="{886BBA71-14D9-419E-BD15-792793A7FA39}" type="slidenum">
               <a:rPr lang="en-US" smtClean="0"/>
-              <a:t>7</a:t>
+              <a:pPr/>
+              <a:t>6</a:t>
             </a:fld>
             <a:endParaRPr lang="en-US"/>
           </a:p>
@@ -2138,7 +3902,7 @@
     </p:spTree>
     <p:extLst>
       <p:ext uri="{BB962C8B-B14F-4D97-AF65-F5344CB8AC3E}">
-        <p14:creationId xmlns:p14="http://schemas.microsoft.com/office/powerpoint/2010/main" val="4169791778"/>
+        <p14:creationId xmlns:p14="http://schemas.microsoft.com/office/powerpoint/2010/main" val="3841582719"/>
       </p:ext>
     </p:extLst>
   </p:cSld>
@@ -2192,182 +3956,175 @@
           <a:bodyPr/>
           <a:lstStyle/>
           <a:p>
-            <a:pPr defTabSz="897301" fontAlgn="base">
-              <a:lnSpc>
-                <a:spcPct val="100000"/>
-              </a:lnSpc>
-              <a:spcBef>
-                <a:spcPct val="30000"/>
-              </a:spcBef>
-              <a:spcAft>
-                <a:spcPct val="0"/>
-              </a:spcAft>
-              <a:defRPr/>
-            </a:pPr>
-            <a:r>
-              <a:rPr lang="en-US" dirty="0" err="1" smtClean="0"/>
-              <a:t>Perf</a:t>
-            </a:r>
-            <a:r>
-              <a:rPr lang="en-US" baseline="0" dirty="0" smtClean="0"/>
-              <a:t> - </a:t>
-            </a:r>
-            <a:r>
-              <a:rPr lang="en-US" dirty="0" smtClean="0">
-                <a:effectLst/>
-              </a:rPr>
-              <a:t>The service has implemented a new connection pooling and parallelization strategy to deliver significantly improved performance for all types of databases. While actual results may vary, the average import or export should now be approximately three times faster! </a:t>
-            </a:r>
+            <a:pPr rtl="0"/>
             <a:r>
               <a:rPr lang="en-US" b="1" dirty="0" smtClean="0">
                 <a:effectLst/>
+                <a:latin typeface="Segoe UI" panose="020B0502040204020203" pitchFamily="34" charset="0"/>
               </a:rPr>
-              <a:t>ALSO</a:t>
-            </a:r>
-            <a:r>
-              <a:rPr lang="en-US" dirty="0" smtClean="0">
-                <a:effectLst/>
-              </a:rPr>
-              <a:t> - </a:t>
-            </a:r>
-            <a:r>
-              <a:rPr lang="en-US" sz="900" kern="1200" dirty="0" smtClean="0">
-                <a:solidFill>
-                  <a:schemeClr val="tx1"/>
-                </a:solidFill>
-                <a:effectLst/>
-                <a:latin typeface="Segoe UI" pitchFamily="34" charset="0"/>
-                <a:ea typeface="+mn-ea"/>
-                <a:cs typeface="+mn-cs"/>
-              </a:rPr>
-              <a:t>we do all the processing, so we can handle multiple import/export requests all over the world and you don’t need to do anything other than submit some simple import/export requests</a:t>
+              <a:t>Slide Objectives:</a:t>
             </a:r>
             <a:endParaRPr lang="en-US" dirty="0" smtClean="0">
               <a:effectLst/>
             </a:endParaRPr>
           </a:p>
           <a:p>
-            <a:pPr defTabSz="897301" fontAlgn="base">
-              <a:lnSpc>
-                <a:spcPct val="100000"/>
-              </a:lnSpc>
-              <a:spcBef>
-                <a:spcPct val="30000"/>
-              </a:spcBef>
-              <a:spcAft>
-                <a:spcPct val="0"/>
-              </a:spcAft>
-              <a:defRPr/>
-            </a:pPr>
+            <a:pPr rtl="0"/>
+            <a:r>
+              <a:rPr lang="en-US" dirty="0" smtClean="0">
+                <a:effectLst/>
+                <a:latin typeface="Segoe UI" panose="020B0502040204020203" pitchFamily="34" charset="0"/>
+              </a:rPr>
+              <a:t>Understand</a:t>
+            </a:r>
+            <a:r>
+              <a:rPr lang="en-US" baseline="0" dirty="0" smtClean="0">
+                <a:effectLst/>
+                <a:latin typeface="Segoe UI" panose="020B0502040204020203" pitchFamily="34" charset="0"/>
+              </a:rPr>
+              <a:t> the underlying architecture used for the Import / Export service and BACPAC</a:t>
+            </a:r>
             <a:endParaRPr lang="en-US" dirty="0" smtClean="0">
               <a:effectLst/>
             </a:endParaRPr>
           </a:p>
           <a:p>
-            <a:pPr defTabSz="897301" fontAlgn="base">
-              <a:lnSpc>
-                <a:spcPct val="100000"/>
-              </a:lnSpc>
-              <a:spcBef>
-                <a:spcPct val="30000"/>
-              </a:spcBef>
-              <a:spcAft>
-                <a:spcPct val="0"/>
-              </a:spcAft>
-              <a:defRPr/>
-            </a:pPr>
-            <a:r>
-              <a:rPr lang="en-US" dirty="0" smtClean="0">
+            <a:pPr rtl="0"/>
+            <a:r>
+              <a:rPr lang="en-US" b="1" dirty="0" smtClean="0">
                 <a:effectLst/>
+                <a:latin typeface="Segoe UI" panose="020B0502040204020203" pitchFamily="34" charset="0"/>
               </a:rPr>
-              <a:t>Res</a:t>
-            </a:r>
-            <a:r>
-              <a:rPr lang="en-US" baseline="0" dirty="0" smtClean="0">
-                <a:effectLst/>
-              </a:rPr>
-              <a:t> - </a:t>
-            </a:r>
-            <a:r>
-              <a:rPr lang="en-US" dirty="0" smtClean="0">
-                <a:effectLst/>
-              </a:rPr>
-              <a:t>Several connectivity issues both transient and permanent have been identified and addressed in order to provide a more reliable experience.</a:t>
-            </a:r>
-          </a:p>
-          <a:p>
-            <a:pPr defTabSz="897301" fontAlgn="base">
-              <a:lnSpc>
-                <a:spcPct val="100000"/>
-              </a:lnSpc>
-              <a:spcBef>
-                <a:spcPct val="30000"/>
-              </a:spcBef>
-              <a:spcAft>
-                <a:spcPct val="0"/>
-              </a:spcAft>
-              <a:defRPr/>
-            </a:pPr>
+              <a:t>Transition:</a:t>
+            </a:r>
             <a:endParaRPr lang="en-US" dirty="0" smtClean="0">
               <a:effectLst/>
             </a:endParaRPr>
           </a:p>
           <a:p>
-            <a:pPr defTabSz="897301" fontAlgn="base">
-              <a:lnSpc>
-                <a:spcPct val="100000"/>
-              </a:lnSpc>
-              <a:spcBef>
-                <a:spcPct val="30000"/>
-              </a:spcBef>
-              <a:spcAft>
-                <a:spcPct val="0"/>
-              </a:spcAft>
-              <a:defRPr/>
-            </a:pPr>
+            <a:pPr rtl="0"/>
             <a:r>
               <a:rPr lang="en-US" dirty="0" smtClean="0">
                 <a:effectLst/>
+                <a:latin typeface="Segoe UI" panose="020B0502040204020203" pitchFamily="34" charset="0"/>
               </a:rPr>
-              <a:t>SI - Customers who only want to export certain tables for performance reasons or because the data doesn’t change often can provide a list of tables to export. The resultant BACPAC will contain the full schema definition plus the table data only for the specified tables. The selectively exported BACPAC can be imported just like a fully exported BACPAC. For now, the sample EXE must be used to submit these types of requests. Customers using the service’s REST endpoints directly can always bypass the EXE.</a:t>
-            </a:r>
-          </a:p>
-          <a:p>
-            <a:pPr defTabSz="897301" fontAlgn="base">
-              <a:lnSpc>
-                <a:spcPct val="100000"/>
-              </a:lnSpc>
-              <a:spcBef>
-                <a:spcPct val="30000"/>
-              </a:spcBef>
-              <a:spcAft>
-                <a:spcPct val="0"/>
-              </a:spcAft>
-              <a:defRPr/>
-            </a:pPr>
+              <a:t>The architecture utilizes</a:t>
+            </a:r>
+            <a:r>
+              <a:rPr lang="en-US" baseline="0" dirty="0" smtClean="0">
+                <a:effectLst/>
+                <a:latin typeface="Segoe UI" panose="020B0502040204020203" pitchFamily="34" charset="0"/>
+              </a:rPr>
+              <a:t> many of the Windows Azure features and represents the utilization of both on-premises services as well as Windows Azure services. Both on-premises and cloud services utilize the new BACPAC format in which both schema and data are encapsulated into the artifact. </a:t>
+            </a:r>
             <a:endParaRPr lang="en-US" dirty="0" smtClean="0">
               <a:effectLst/>
             </a:endParaRPr>
           </a:p>
           <a:p>
-            <a:pPr defTabSz="897301" fontAlgn="base">
-              <a:lnSpc>
-                <a:spcPct val="100000"/>
-              </a:lnSpc>
-              <a:spcBef>
-                <a:spcPct val="30000"/>
-              </a:spcBef>
-              <a:spcAft>
-                <a:spcPct val="0"/>
-              </a:spcAft>
-              <a:defRPr/>
-            </a:pPr>
+            <a:pPr rtl="0"/>
+            <a:r>
+              <a:rPr lang="en-US" b="1" dirty="0" smtClean="0">
+                <a:effectLst/>
+                <a:latin typeface="Segoe UI" panose="020B0502040204020203" pitchFamily="34" charset="0"/>
+              </a:rPr>
+              <a:t>Speaking Points:</a:t>
+            </a:r>
+            <a:endParaRPr lang="en-US" dirty="0" smtClean="0">
+              <a:effectLst/>
+            </a:endParaRPr>
+          </a:p>
+          <a:p>
+            <a:pPr rtl="0"/>
             <a:r>
               <a:rPr lang="en-US" dirty="0" smtClean="0">
                 <a:effectLst/>
+                <a:latin typeface="Segoe UI" panose="020B0502040204020203" pitchFamily="34" charset="0"/>
               </a:rPr>
-              <a:t>PR - The current progress for a request will be shown as a percentage in order to provide better feedback on the current state of the request.</a:t>
-            </a:r>
+              <a:t>Client-side</a:t>
+            </a:r>
+            <a:r>
+              <a:rPr lang="en-US" baseline="0" dirty="0" smtClean="0">
+                <a:effectLst/>
+                <a:latin typeface="Segoe UI" panose="020B0502040204020203" pitchFamily="34" charset="0"/>
+              </a:rPr>
+              <a:t> Import/Export via DAC Framework and client-side libraries via SQL Server 2012 or Azure Import Export Service Client</a:t>
+            </a:r>
+            <a:endParaRPr lang="en-US" dirty="0" smtClean="0">
+              <a:effectLst/>
+            </a:endParaRPr>
+          </a:p>
+          <a:p>
+            <a:pPr rtl="0"/>
+            <a:r>
+              <a:rPr lang="en-US" dirty="0" smtClean="0">
+                <a:effectLst/>
+                <a:latin typeface="Segoe UI" panose="020B0502040204020203" pitchFamily="34" charset="0"/>
+              </a:rPr>
+              <a:t>Hosted Windows</a:t>
+            </a:r>
+            <a:r>
+              <a:rPr lang="en-US" baseline="0" dirty="0" smtClean="0">
+                <a:effectLst/>
+                <a:latin typeface="Segoe UI" panose="020B0502040204020203" pitchFamily="34" charset="0"/>
+              </a:rPr>
+              <a:t> Azure </a:t>
+            </a:r>
+            <a:r>
+              <a:rPr lang="en-US" dirty="0" smtClean="0">
+                <a:effectLst/>
+                <a:latin typeface="Segoe UI" panose="020B0502040204020203" pitchFamily="34" charset="0"/>
+              </a:rPr>
+              <a:t>DAC Framework Import/Export</a:t>
+            </a:r>
+            <a:r>
+              <a:rPr lang="en-US" baseline="0" dirty="0" smtClean="0">
+                <a:effectLst/>
+                <a:latin typeface="Segoe UI" panose="020B0502040204020203" pitchFamily="34" charset="0"/>
+              </a:rPr>
+              <a:t> service utilized by the Windows Azure Management Portal</a:t>
+            </a:r>
+          </a:p>
+          <a:p>
+            <a:pPr rtl="0"/>
+            <a:r>
+              <a:rPr lang="en-US" baseline="0" dirty="0" smtClean="0">
+                <a:effectLst/>
+                <a:latin typeface="Segoe UI" panose="020B0502040204020203" pitchFamily="34" charset="0"/>
+              </a:rPr>
+              <a:t>BACPAC artifact containing both Schema AND Data</a:t>
+            </a:r>
+            <a:endParaRPr lang="en-US" dirty="0" smtClean="0">
+              <a:effectLst/>
+            </a:endParaRPr>
+          </a:p>
+          <a:p>
+            <a:pPr rtl="0"/>
+            <a:r>
+              <a:rPr lang="en-US" b="1" dirty="0" smtClean="0">
+                <a:effectLst/>
+                <a:latin typeface="Segoe UI" panose="020B0502040204020203" pitchFamily="34" charset="0"/>
+              </a:rPr>
+              <a:t>Notes:</a:t>
+            </a:r>
+            <a:endParaRPr lang="en-US" dirty="0" smtClean="0">
+              <a:effectLst/>
+            </a:endParaRPr>
+          </a:p>
+          <a:p>
+            <a:pPr rtl="0"/>
+            <a:r>
+              <a:rPr lang="en-US" dirty="0" smtClean="0">
+                <a:effectLst/>
+                <a:latin typeface="Segoe UI" panose="020B0502040204020203" pitchFamily="34" charset="0"/>
+              </a:rPr>
+              <a:t>Any notes go here</a:t>
+            </a:r>
+            <a:endParaRPr lang="en-US" dirty="0" smtClean="0">
+              <a:effectLst/>
+            </a:endParaRPr>
+          </a:p>
+          <a:p>
             <a:endParaRPr lang="en-US" dirty="0"/>
           </a:p>
         </p:txBody>
@@ -2387,10 +4144,9 @@
           <a:bodyPr/>
           <a:lstStyle/>
           <a:p>
-            <a:fld id="{886BBA71-14D9-419E-BD15-792793A7FA39}" type="slidenum">
+            <a:fld id="{DD18B6FB-7082-4BB2-BB97-9F21E8F3CB6D}" type="slidenum">
               <a:rPr lang="en-US" smtClean="0"/>
-              <a:pPr/>
-              <a:t>8</a:t>
+              <a:t>7</a:t>
             </a:fld>
             <a:endParaRPr lang="en-US"/>
           </a:p>
@@ -2399,7 +4155,7 @@
     </p:spTree>
     <p:extLst>
       <p:ext uri="{BB962C8B-B14F-4D97-AF65-F5344CB8AC3E}">
-        <p14:creationId xmlns:p14="http://schemas.microsoft.com/office/powerpoint/2010/main" val="3841582719"/>
+        <p14:creationId xmlns:p14="http://schemas.microsoft.com/office/powerpoint/2010/main" val="4169791778"/>
       </p:ext>
     </p:extLst>
   </p:cSld>
@@ -2453,7 +4209,130 @@
           <a:bodyPr/>
           <a:lstStyle/>
           <a:p>
-            <a:pPr lvl="0"/>
+            <a:pPr rtl="0"/>
+            <a:r>
+              <a:rPr lang="en-US" b="1" dirty="0" smtClean="0">
+                <a:effectLst/>
+                <a:latin typeface="Segoe UI" panose="020B0502040204020203" pitchFamily="34" charset="0"/>
+              </a:rPr>
+              <a:t>Slide Objectives:</a:t>
+            </a:r>
+            <a:endParaRPr lang="en-US" dirty="0" smtClean="0">
+              <a:effectLst/>
+            </a:endParaRPr>
+          </a:p>
+          <a:p>
+            <a:pPr rtl="0"/>
+            <a:r>
+              <a:rPr lang="en-US" dirty="0" smtClean="0">
+                <a:effectLst/>
+                <a:latin typeface="Segoe UI" panose="020B0502040204020203" pitchFamily="34" charset="0"/>
+              </a:rPr>
+              <a:t>Highlight</a:t>
+            </a:r>
+            <a:r>
+              <a:rPr lang="en-US" baseline="0" dirty="0" smtClean="0">
+                <a:effectLst/>
+                <a:latin typeface="Segoe UI" panose="020B0502040204020203" pitchFamily="34" charset="0"/>
+              </a:rPr>
+              <a:t> the great built-in benefits of the service</a:t>
+            </a:r>
+            <a:endParaRPr lang="en-US" dirty="0" smtClean="0">
+              <a:effectLst/>
+            </a:endParaRPr>
+          </a:p>
+          <a:p>
+            <a:pPr rtl="0"/>
+            <a:r>
+              <a:rPr lang="en-US" b="1" dirty="0" smtClean="0">
+                <a:effectLst/>
+                <a:latin typeface="Segoe UI" panose="020B0502040204020203" pitchFamily="34" charset="0"/>
+              </a:rPr>
+              <a:t>Transition:</a:t>
+            </a:r>
+            <a:endParaRPr lang="en-US" dirty="0" smtClean="0">
+              <a:effectLst/>
+            </a:endParaRPr>
+          </a:p>
+          <a:p>
+            <a:pPr rtl="0"/>
+            <a:r>
+              <a:rPr lang="en-US" dirty="0" smtClean="0">
+                <a:effectLst/>
+                <a:latin typeface="Segoe UI" panose="020B0502040204020203" pitchFamily="34" charset="0"/>
+              </a:rPr>
+              <a:t>There are several key</a:t>
+            </a:r>
+            <a:r>
+              <a:rPr lang="en-US" baseline="0" dirty="0" smtClean="0">
+                <a:effectLst/>
+                <a:latin typeface="Segoe UI" panose="020B0502040204020203" pitchFamily="34" charset="0"/>
+              </a:rPr>
+              <a:t> </a:t>
+            </a:r>
+            <a:r>
+              <a:rPr lang="en-US" baseline="0" dirty="0" smtClean="0">
+                <a:effectLst/>
+                <a:latin typeface="Segoe UI" panose="020B0502040204020203" pitchFamily="34" charset="0"/>
+              </a:rPr>
+              <a:t>benefits included with the Import / Export service and the DAC framework that make these services viable as a migration solution.</a:t>
+            </a:r>
+            <a:endParaRPr lang="en-US" dirty="0" smtClean="0">
+              <a:effectLst/>
+            </a:endParaRPr>
+          </a:p>
+          <a:p>
+            <a:pPr rtl="0"/>
+            <a:r>
+              <a:rPr lang="en-US" b="1" dirty="0" smtClean="0">
+                <a:effectLst/>
+                <a:latin typeface="Segoe UI" panose="020B0502040204020203" pitchFamily="34" charset="0"/>
+              </a:rPr>
+              <a:t>Speaking Points:</a:t>
+            </a:r>
+            <a:endParaRPr lang="en-US" dirty="0" smtClean="0">
+              <a:effectLst/>
+            </a:endParaRPr>
+          </a:p>
+          <a:p>
+            <a:pPr defTabSz="897301" fontAlgn="base">
+              <a:lnSpc>
+                <a:spcPct val="100000"/>
+              </a:lnSpc>
+              <a:spcBef>
+                <a:spcPct val="30000"/>
+              </a:spcBef>
+              <a:spcAft>
+                <a:spcPct val="0"/>
+              </a:spcAft>
+              <a:defRPr/>
+            </a:pPr>
+            <a:r>
+              <a:rPr lang="en-US" dirty="0" smtClean="0"/>
+              <a:t>Performance</a:t>
+            </a:r>
+            <a:r>
+              <a:rPr lang="en-US" baseline="0" dirty="0" smtClean="0"/>
+              <a:t>- </a:t>
+            </a:r>
+            <a:r>
+              <a:rPr lang="en-US" dirty="0" smtClean="0">
+                <a:effectLst/>
+              </a:rPr>
+              <a:t>The service has implemented a new connection pooling and parallelization strategy to deliver significantly improved performance for all types of databases. While actual results may vary, the average import or export should now be approximately three times faster! </a:t>
+            </a:r>
+            <a:r>
+              <a:rPr lang="en-US" b="1" dirty="0" smtClean="0">
+                <a:effectLst/>
+              </a:rPr>
+              <a:t>ALSO</a:t>
+            </a:r>
+            <a:r>
+              <a:rPr lang="en-US" dirty="0" smtClean="0">
+                <a:effectLst/>
+              </a:rPr>
+              <a:t> - </a:t>
+            </a:r>
             <a:r>
               <a:rPr lang="en-US" sz="900" kern="1200" dirty="0" smtClean="0">
                 <a:solidFill>
@@ -2464,33 +4343,14 @@
                 <a:ea typeface="+mn-ea"/>
                 <a:cs typeface="+mn-cs"/>
               </a:rPr>
-              <a:t>You can either install SSMS and get all the components for free –or- install the specific dependencies and call the APIs directly and/or use the reference CLI which is here: </a:t>
-            </a:r>
-            <a:r>
-              <a:rPr lang="en-US" sz="900" u="sng" kern="1200" dirty="0" smtClean="0">
-                <a:solidFill>
-                  <a:schemeClr val="tx1"/>
-                </a:solidFill>
-                <a:effectLst/>
-                <a:latin typeface="Segoe UI" pitchFamily="34" charset="0"/>
-                <a:ea typeface="+mn-ea"/>
-                <a:cs typeface="+mn-cs"/>
-                <a:hlinkClick r:id="rId3"/>
-              </a:rPr>
-              <a:t>http://sqldacexamples.codeplex.com/releases/view/80705</a:t>
-            </a:r>
-            <a:endParaRPr lang="en-US" sz="900" kern="1200" dirty="0" smtClean="0">
-              <a:solidFill>
-                <a:schemeClr val="tx1"/>
-              </a:solidFill>
+              <a:t>we do all the processing, so we can handle multiple import/export requests all over the world and you don’t need to do anything other than submit some simple import/export requests</a:t>
+            </a:r>
+            <a:endParaRPr lang="en-US" dirty="0" smtClean="0">
               <a:effectLst/>
-              <a:latin typeface="Segoe UI" pitchFamily="34" charset="0"/>
-              <a:ea typeface="+mn-ea"/>
-              <a:cs typeface="+mn-cs"/>
             </a:endParaRPr>
           </a:p>
           <a:p>
-            <a:pPr marL="0" marR="0" lvl="0" indent="0" algn="l" defTabSz="897301" rtl="0" eaLnBrk="1" fontAlgn="base" latinLnBrk="0" hangingPunct="1">
+            <a:pPr defTabSz="897301" fontAlgn="base">
               <a:lnSpc>
                 <a:spcPct val="100000"/>
               </a:lnSpc>
@@ -2500,25 +4360,14 @@
               <a:spcAft>
                 <a:spcPct val="0"/>
               </a:spcAft>
-              <a:buClrTx/>
-              <a:buSzTx/>
-              <a:buFontTx/>
-              <a:buNone/>
-              <a:tabLst/>
               <a:defRPr/>
             </a:pPr>
-            <a:endParaRPr lang="en-US" sz="900" kern="1200" dirty="0" smtClean="0">
-              <a:solidFill>
-                <a:schemeClr val="tx1"/>
-              </a:solidFill>
+            <a:endParaRPr lang="en-US" dirty="0" smtClean="0">
               <a:effectLst/>
-              <a:latin typeface="Segoe UI" pitchFamily="34" charset="0"/>
-              <a:ea typeface="+mn-ea"/>
-              <a:cs typeface="+mn-cs"/>
             </a:endParaRPr>
           </a:p>
           <a:p>
-            <a:pPr marL="0" marR="0" lvl="0" indent="0" algn="l" defTabSz="897301" rtl="0" eaLnBrk="1" fontAlgn="base" latinLnBrk="0" hangingPunct="1">
+            <a:pPr defTabSz="897301" fontAlgn="base">
               <a:lnSpc>
                 <a:spcPct val="100000"/>
               </a:lnSpc>
@@ -2528,28 +4377,29 @@
               <a:spcAft>
                 <a:spcPct val="0"/>
               </a:spcAft>
-              <a:buClrTx/>
-              <a:buSzTx/>
-              <a:buFontTx/>
-              <a:buNone/>
-              <a:tabLst/>
               <a:defRPr/>
             </a:pPr>
             <a:r>
-              <a:rPr lang="en-US" sz="900" kern="1200" dirty="0" smtClean="0">
-                <a:solidFill>
-                  <a:schemeClr val="tx1"/>
-                </a:solidFill>
+              <a:rPr lang="en-US" dirty="0" smtClean="0">
                 <a:effectLst/>
-                <a:latin typeface="Segoe UI" pitchFamily="34" charset="0"/>
-                <a:ea typeface="+mn-ea"/>
-                <a:cs typeface="+mn-cs"/>
               </a:rPr>
-              <a:t>2012 – All necessary component installed</a:t>
-            </a:r>
-          </a:p>
-          <a:p>
-            <a:pPr marL="0" marR="0" lvl="0" indent="0" algn="l" defTabSz="897301" rtl="0" eaLnBrk="1" fontAlgn="base" latinLnBrk="0" hangingPunct="1">
+              <a:t>Resiliency</a:t>
+            </a:r>
+            <a:r>
+              <a:rPr lang="en-US" baseline="0" dirty="0" smtClean="0">
+                <a:effectLst/>
+              </a:rPr>
+              <a:t> - </a:t>
+            </a:r>
+            <a:r>
+              <a:rPr lang="en-US" dirty="0" smtClean="0">
+                <a:effectLst/>
+              </a:rPr>
+              <a:t>Several connectivity issues both transient and permanent have been identified and addressed in order to provide a more reliable experience.</a:t>
+            </a:r>
+          </a:p>
+          <a:p>
+            <a:pPr defTabSz="897301" fontAlgn="base">
               <a:lnSpc>
                 <a:spcPct val="100000"/>
               </a:lnSpc>
@@ -2559,112 +4409,14 @@
               <a:spcAft>
                 <a:spcPct val="0"/>
               </a:spcAft>
-              <a:buClrTx/>
-              <a:buSzTx/>
-              <a:buFontTx/>
-              <a:buNone/>
-              <a:tabLst/>
               <a:defRPr/>
             </a:pPr>
-            <a:r>
-              <a:rPr lang="en-US" sz="900" kern="1200" dirty="0" smtClean="0">
-                <a:solidFill>
-                  <a:schemeClr val="tx1"/>
-                </a:solidFill>
-                <a:effectLst/>
-                <a:latin typeface="Segoe UI" pitchFamily="34" charset="0"/>
-                <a:ea typeface="+mn-ea"/>
-                <a:cs typeface="+mn-cs"/>
-              </a:rPr>
-              <a:t>2008</a:t>
-            </a:r>
-            <a:r>
-              <a:rPr lang="en-US" sz="900" kern="1200" baseline="0" dirty="0" smtClean="0">
-                <a:solidFill>
-                  <a:schemeClr val="tx1"/>
-                </a:solidFill>
-                <a:effectLst/>
-                <a:latin typeface="Segoe UI" pitchFamily="34" charset="0"/>
-                <a:ea typeface="+mn-ea"/>
-                <a:cs typeface="+mn-cs"/>
-              </a:rPr>
-              <a:t> R2 to 2000 – </a:t>
-            </a:r>
-            <a:r>
-              <a:rPr lang="en-US" sz="900" kern="1200" baseline="0" dirty="0" err="1" smtClean="0">
-                <a:solidFill>
-                  <a:schemeClr val="tx1"/>
-                </a:solidFill>
-                <a:effectLst/>
-                <a:latin typeface="Segoe UI" pitchFamily="34" charset="0"/>
-                <a:ea typeface="+mn-ea"/>
-                <a:cs typeface="+mn-cs"/>
-              </a:rPr>
-              <a:t>DACFx</a:t>
-            </a:r>
-            <a:r>
-              <a:rPr lang="en-US" sz="900" kern="1200" baseline="0" dirty="0" smtClean="0">
-                <a:solidFill>
-                  <a:schemeClr val="tx1"/>
-                </a:solidFill>
-                <a:effectLst/>
-                <a:latin typeface="Segoe UI" pitchFamily="34" charset="0"/>
-                <a:ea typeface="+mn-ea"/>
-                <a:cs typeface="+mn-cs"/>
-              </a:rPr>
-              <a:t>, T-SQL Language Service, </a:t>
-            </a:r>
-            <a:r>
-              <a:rPr lang="en-US" sz="900" kern="1200" baseline="0" dirty="0" err="1" smtClean="0">
-                <a:solidFill>
-                  <a:schemeClr val="tx1"/>
-                </a:solidFill>
-                <a:effectLst/>
-                <a:latin typeface="Segoe UI" pitchFamily="34" charset="0"/>
-                <a:ea typeface="+mn-ea"/>
-                <a:cs typeface="+mn-cs"/>
-              </a:rPr>
-              <a:t>ScriptDOM</a:t>
-            </a:r>
-            <a:r>
-              <a:rPr lang="en-US" sz="900" kern="1200" baseline="0" dirty="0" smtClean="0">
-                <a:solidFill>
-                  <a:schemeClr val="tx1"/>
-                </a:solidFill>
-                <a:effectLst/>
-                <a:latin typeface="Segoe UI" pitchFamily="34" charset="0"/>
-                <a:ea typeface="+mn-ea"/>
-                <a:cs typeface="+mn-cs"/>
-              </a:rPr>
-              <a:t>, SMO, System CLR Types, DAC </a:t>
-            </a:r>
-            <a:r>
-              <a:rPr lang="en-US" sz="900" kern="1200" baseline="0" dirty="0" err="1" smtClean="0">
-                <a:solidFill>
-                  <a:schemeClr val="tx1"/>
-                </a:solidFill>
-                <a:effectLst/>
-                <a:latin typeface="Segoe UI" pitchFamily="34" charset="0"/>
-                <a:ea typeface="+mn-ea"/>
-                <a:cs typeface="+mn-cs"/>
-              </a:rPr>
-              <a:t>ImportExport</a:t>
-            </a:r>
-            <a:r>
-              <a:rPr lang="en-US" sz="900" kern="1200" baseline="0" dirty="0" smtClean="0">
-                <a:solidFill>
-                  <a:schemeClr val="tx1"/>
-                </a:solidFill>
-                <a:effectLst/>
-                <a:latin typeface="Segoe UI" pitchFamily="34" charset="0"/>
-                <a:ea typeface="+mn-ea"/>
-                <a:cs typeface="+mn-cs"/>
-              </a:rPr>
-              <a:t> Service Client Executable (1.4.1)</a:t>
-            </a:r>
-          </a:p>
-          <a:p>
-            <a:pPr marL="0" marR="0" lvl="0" indent="0" algn="l" defTabSz="897301" rtl="0" eaLnBrk="1" fontAlgn="base" latinLnBrk="0" hangingPunct="1">
+            <a:endParaRPr lang="en-US" dirty="0" smtClean="0">
+              <a:effectLst/>
+            </a:endParaRPr>
+          </a:p>
+          <a:p>
+            <a:pPr defTabSz="897301" fontAlgn="base">
               <a:lnSpc>
                 <a:spcPct val="100000"/>
               </a:lnSpc>
@@ -2674,25 +4426,17 @@
               <a:spcAft>
                 <a:spcPct val="0"/>
               </a:spcAft>
-              <a:buClrTx/>
-              <a:buSzTx/>
-              <a:buFontTx/>
-              <a:buNone/>
-              <a:tabLst/>
               <a:defRPr/>
             </a:pPr>
-            <a:endParaRPr lang="en-US" sz="900" kern="1200" dirty="0" smtClean="0">
-              <a:solidFill>
-                <a:schemeClr val="tx1"/>
-              </a:solidFill>
-              <a:effectLst/>
-              <a:latin typeface="Segoe UI" pitchFamily="34" charset="0"/>
-              <a:ea typeface="+mn-ea"/>
-              <a:cs typeface="+mn-cs"/>
-            </a:endParaRPr>
-          </a:p>
-          <a:p>
-            <a:pPr marL="0" marR="0" lvl="0" indent="0" algn="l" defTabSz="897301" rtl="0" eaLnBrk="1" fontAlgn="base" latinLnBrk="0" hangingPunct="1">
+            <a:r>
+              <a:rPr lang="en-US" dirty="0" smtClean="0">
+                <a:effectLst/>
+              </a:rPr>
+              <a:t>Selective Export - Customers who only want to export certain tables for performance reasons or because the data doesn’t change often can provide a list of tables to export. The resultant BACPAC will contain the full schema definition plus the table data only for the specified tables. The selectively exported BACPAC can be imported just like a fully exported BACPAC. For now, the sample EXE must be used to submit these types of requests. Customers using the service’s REST endpoints directly can always bypass the EXE.</a:t>
+            </a:r>
+          </a:p>
+          <a:p>
+            <a:pPr defTabSz="897301" fontAlgn="base">
               <a:lnSpc>
                 <a:spcPct val="100000"/>
               </a:lnSpc>
@@ -2702,25 +4446,14 @@
               <a:spcAft>
                 <a:spcPct val="0"/>
               </a:spcAft>
-              <a:buClrTx/>
-              <a:buSzTx/>
-              <a:buFontTx/>
-              <a:buNone/>
-              <a:tabLst/>
               <a:defRPr/>
             </a:pPr>
-            <a:endParaRPr lang="en-US" sz="900" kern="1200" dirty="0" smtClean="0">
-              <a:solidFill>
-                <a:schemeClr val="tx1"/>
-              </a:solidFill>
+            <a:endParaRPr lang="en-US" dirty="0" smtClean="0">
               <a:effectLst/>
-              <a:latin typeface="Segoe UI" pitchFamily="34" charset="0"/>
-              <a:ea typeface="+mn-ea"/>
-              <a:cs typeface="+mn-cs"/>
             </a:endParaRPr>
           </a:p>
           <a:p>
-            <a:pPr marL="0" marR="0" lvl="0" indent="0" algn="l" defTabSz="897301" rtl="0" eaLnBrk="1" fontAlgn="base" latinLnBrk="0" hangingPunct="1">
+            <a:pPr defTabSz="897301" fontAlgn="base">
               <a:lnSpc>
                 <a:spcPct val="100000"/>
               </a:lnSpc>
@@ -2730,125 +4463,40 @@
               <a:spcAft>
                 <a:spcPct val="0"/>
               </a:spcAft>
-              <a:buClrTx/>
-              <a:buSzTx/>
-              <a:buFontTx/>
-              <a:buNone/>
-              <a:tabLst/>
               <a:defRPr/>
             </a:pPr>
-            <a:endParaRPr lang="en-US" sz="900" kern="1200" dirty="0" smtClean="0">
-              <a:solidFill>
-                <a:schemeClr val="tx1"/>
-              </a:solidFill>
+            <a:r>
+              <a:rPr lang="en-US" dirty="0" smtClean="0">
+                <a:effectLst/>
+              </a:rPr>
+              <a:t>Progressive Reporting - The current progress for a request will be shown as a percentage in order to provide better feedback on the current state of the request.</a:t>
+            </a:r>
+          </a:p>
+          <a:p>
+            <a:pPr rtl="0"/>
+            <a:r>
+              <a:rPr lang="en-US" b="1" dirty="0" smtClean="0">
+                <a:effectLst/>
+                <a:latin typeface="Segoe UI" panose="020B0502040204020203" pitchFamily="34" charset="0"/>
+              </a:rPr>
+              <a:t>Notes:</a:t>
+            </a:r>
+            <a:endParaRPr lang="en-US" dirty="0" smtClean="0">
               <a:effectLst/>
-              <a:latin typeface="Segoe UI" pitchFamily="34" charset="0"/>
-              <a:ea typeface="+mn-ea"/>
-              <a:cs typeface="+mn-cs"/>
             </a:endParaRPr>
           </a:p>
           <a:p>
-            <a:pPr marL="0" marR="0" lvl="0" indent="0" algn="l" defTabSz="897301" rtl="0" eaLnBrk="1" fontAlgn="base" latinLnBrk="0" hangingPunct="1">
-              <a:lnSpc>
-                <a:spcPct val="100000"/>
-              </a:lnSpc>
-              <a:spcBef>
-                <a:spcPct val="30000"/>
-              </a:spcBef>
-              <a:spcAft>
-                <a:spcPct val="0"/>
-              </a:spcAft>
-              <a:buClrTx/>
-              <a:buSzTx/>
-              <a:buFontTx/>
-              <a:buNone/>
-              <a:tabLst/>
-              <a:defRPr/>
-            </a:pPr>
-            <a:r>
-              <a:rPr lang="en-US" sz="900" kern="1200" dirty="0" smtClean="0">
-                <a:solidFill>
-                  <a:schemeClr val="tx1"/>
-                </a:solidFill>
+            <a:pPr rtl="0"/>
+            <a:r>
+              <a:rPr lang="en-US" dirty="0" smtClean="0">
                 <a:effectLst/>
-                <a:latin typeface="Segoe UI" pitchFamily="34" charset="0"/>
-                <a:ea typeface="+mn-ea"/>
-                <a:cs typeface="+mn-cs"/>
+                <a:latin typeface="Segoe UI" panose="020B0502040204020203" pitchFamily="34" charset="0"/>
               </a:rPr>
-              <a:t>To use the service you need to have a blob and </a:t>
-            </a:r>
-            <a:r>
-              <a:rPr lang="en-US" sz="900" kern="1200" dirty="0" err="1" smtClean="0">
-                <a:solidFill>
-                  <a:schemeClr val="tx1"/>
-                </a:solidFill>
-                <a:effectLst/>
-                <a:latin typeface="Segoe UI" pitchFamily="34" charset="0"/>
-                <a:ea typeface="+mn-ea"/>
-                <a:cs typeface="+mn-cs"/>
-              </a:rPr>
-              <a:t>sql</a:t>
-            </a:r>
-            <a:r>
-              <a:rPr lang="en-US" sz="900" kern="1200" dirty="0" smtClean="0">
-                <a:solidFill>
-                  <a:schemeClr val="tx1"/>
-                </a:solidFill>
-                <a:effectLst/>
-                <a:latin typeface="Segoe UI" pitchFamily="34" charset="0"/>
-                <a:ea typeface="+mn-ea"/>
-                <a:cs typeface="+mn-cs"/>
-              </a:rPr>
-              <a:t> azure account/server setup already and you only need to use the EXE or the wizard in the </a:t>
-            </a:r>
-            <a:r>
-              <a:rPr lang="en-US" sz="900" kern="1200" dirty="0" err="1" smtClean="0">
-                <a:solidFill>
-                  <a:schemeClr val="tx1"/>
-                </a:solidFill>
-                <a:effectLst/>
-                <a:latin typeface="Segoe UI" pitchFamily="34" charset="0"/>
-                <a:ea typeface="+mn-ea"/>
-                <a:cs typeface="+mn-cs"/>
-              </a:rPr>
-              <a:t>sql</a:t>
-            </a:r>
-            <a:r>
-              <a:rPr lang="en-US" sz="900" kern="1200" dirty="0" smtClean="0">
-                <a:solidFill>
-                  <a:schemeClr val="tx1"/>
-                </a:solidFill>
-                <a:effectLst/>
-                <a:latin typeface="Segoe UI" pitchFamily="34" charset="0"/>
-                <a:ea typeface="+mn-ea"/>
-                <a:cs typeface="+mn-cs"/>
-              </a:rPr>
-              <a:t> azure portal to perform the import/export.  You don’t need all the dependencies if you plan on </a:t>
-            </a:r>
-            <a:r>
-              <a:rPr lang="en-US" sz="900" b="1" kern="1200" dirty="0" smtClean="0">
-                <a:solidFill>
-                  <a:schemeClr val="tx1"/>
-                </a:solidFill>
-                <a:effectLst/>
-                <a:latin typeface="Segoe UI" pitchFamily="34" charset="0"/>
-                <a:ea typeface="+mn-ea"/>
-                <a:cs typeface="+mn-cs"/>
-              </a:rPr>
-              <a:t>only </a:t>
-            </a:r>
-            <a:r>
-              <a:rPr lang="en-US" sz="900" kern="1200" dirty="0" smtClean="0">
-                <a:solidFill>
-                  <a:schemeClr val="tx1"/>
-                </a:solidFill>
-                <a:effectLst/>
-                <a:latin typeface="Segoe UI" pitchFamily="34" charset="0"/>
-                <a:ea typeface="+mn-ea"/>
-                <a:cs typeface="+mn-cs"/>
-              </a:rPr>
-              <a:t>using the service</a:t>
-            </a:r>
+              <a:t>Any notes go here</a:t>
+            </a:r>
+            <a:endParaRPr lang="en-US" dirty="0" smtClean="0">
+              <a:effectLst/>
+            </a:endParaRPr>
           </a:p>
           <a:p>
             <a:pPr defTabSz="897301" fontAlgn="base">
@@ -2885,7 +4533,7 @@
             <a:fld id="{886BBA71-14D9-419E-BD15-792793A7FA39}" type="slidenum">
               <a:rPr lang="en-US" smtClean="0"/>
               <a:pPr/>
-              <a:t>9</a:t>
+              <a:t>8</a:t>
             </a:fld>
             <a:endParaRPr lang="en-US"/>
           </a:p>
@@ -2948,6 +4596,501 @@
           <a:bodyPr/>
           <a:lstStyle/>
           <a:p>
+            <a:pPr rtl="0"/>
+            <a:r>
+              <a:rPr lang="en-US" b="1" dirty="0" smtClean="0">
+                <a:effectLst/>
+                <a:latin typeface="Segoe UI" panose="020B0502040204020203" pitchFamily="34" charset="0"/>
+              </a:rPr>
+              <a:t>Slide Objectives:</a:t>
+            </a:r>
+            <a:endParaRPr lang="en-US" dirty="0" smtClean="0">
+              <a:effectLst/>
+            </a:endParaRPr>
+          </a:p>
+          <a:p>
+            <a:pPr rtl="0"/>
+            <a:r>
+              <a:rPr lang="en-US" dirty="0" smtClean="0">
+                <a:effectLst/>
+                <a:latin typeface="Segoe UI" panose="020B0502040204020203" pitchFamily="34" charset="0"/>
+              </a:rPr>
+              <a:t>Highligh</a:t>
+            </a:r>
+            <a:r>
+              <a:rPr lang="en-US" baseline="0" dirty="0" smtClean="0">
+                <a:effectLst/>
+                <a:latin typeface="Segoe UI" panose="020B0502040204020203" pitchFamily="34" charset="0"/>
+              </a:rPr>
+              <a:t>t the requirements for using the Import/Export service and the DAC Framework</a:t>
+            </a:r>
+            <a:endParaRPr lang="en-US" dirty="0" smtClean="0">
+              <a:effectLst/>
+            </a:endParaRPr>
+          </a:p>
+          <a:p>
+            <a:pPr rtl="0"/>
+            <a:r>
+              <a:rPr lang="en-US" b="1" dirty="0" smtClean="0">
+                <a:effectLst/>
+                <a:latin typeface="Segoe UI" panose="020B0502040204020203" pitchFamily="34" charset="0"/>
+              </a:rPr>
+              <a:t>Transition:</a:t>
+            </a:r>
+            <a:endParaRPr lang="en-US" dirty="0" smtClean="0">
+              <a:effectLst/>
+            </a:endParaRPr>
+          </a:p>
+          <a:p>
+            <a:pPr rtl="0"/>
+            <a:r>
+              <a:rPr lang="en-US" dirty="0" smtClean="0">
+                <a:effectLst/>
+                <a:latin typeface="Segoe UI" panose="020B0502040204020203" pitchFamily="34" charset="0"/>
+              </a:rPr>
+              <a:t>There are specific</a:t>
+            </a:r>
+            <a:r>
+              <a:rPr lang="en-US" baseline="0" dirty="0" smtClean="0">
+                <a:effectLst/>
+                <a:latin typeface="Segoe UI" panose="020B0502040204020203" pitchFamily="34" charset="0"/>
+              </a:rPr>
+              <a:t> requirements depending on if you are using only using the Import/Export service, or if you plan on using any of the client libraries. </a:t>
+            </a:r>
+            <a:endParaRPr lang="en-US" dirty="0" smtClean="0">
+              <a:effectLst/>
+            </a:endParaRPr>
+          </a:p>
+          <a:p>
+            <a:pPr rtl="0"/>
+            <a:r>
+              <a:rPr lang="en-US" b="1" dirty="0" smtClean="0">
+                <a:effectLst/>
+                <a:latin typeface="Segoe UI" panose="020B0502040204020203" pitchFamily="34" charset="0"/>
+              </a:rPr>
+              <a:t>Speaking Points:</a:t>
+            </a:r>
+            <a:endParaRPr lang="en-US" dirty="0" smtClean="0">
+              <a:effectLst/>
+            </a:endParaRPr>
+          </a:p>
+          <a:p>
+            <a:pPr lvl="0"/>
+            <a:r>
+              <a:rPr lang="en-US" sz="900" kern="1200" dirty="0" smtClean="0">
+                <a:solidFill>
+                  <a:schemeClr val="tx1"/>
+                </a:solidFill>
+                <a:effectLst/>
+                <a:latin typeface="Segoe UI" pitchFamily="34" charset="0"/>
+                <a:ea typeface="+mn-ea"/>
+                <a:cs typeface="+mn-cs"/>
+              </a:rPr>
+              <a:t>You can either install SSMS and get all the components for free –or- install the specific dependencies and call the APIs directly and/or use the reference CLI which is here: </a:t>
+            </a:r>
+            <a:r>
+              <a:rPr lang="en-US" sz="900" u="sng" kern="1200" dirty="0" smtClean="0">
+                <a:solidFill>
+                  <a:schemeClr val="tx1"/>
+                </a:solidFill>
+                <a:effectLst/>
+                <a:latin typeface="Segoe UI" pitchFamily="34" charset="0"/>
+                <a:ea typeface="+mn-ea"/>
+                <a:cs typeface="+mn-cs"/>
+                <a:hlinkClick r:id="rId3"/>
+              </a:rPr>
+              <a:t>http://sqldacexamples.codeplex.com/releases/view/80705</a:t>
+            </a:r>
+            <a:endParaRPr lang="en-US" sz="900" kern="1200" dirty="0" smtClean="0">
+              <a:solidFill>
+                <a:schemeClr val="tx1"/>
+              </a:solidFill>
+              <a:effectLst/>
+              <a:latin typeface="Segoe UI" pitchFamily="34" charset="0"/>
+              <a:ea typeface="+mn-ea"/>
+              <a:cs typeface="+mn-cs"/>
+            </a:endParaRPr>
+          </a:p>
+          <a:p>
+            <a:pPr marL="0" marR="0" lvl="0" indent="0" algn="l" defTabSz="897301" rtl="0" eaLnBrk="1" fontAlgn="base" latinLnBrk="0" hangingPunct="1">
+              <a:lnSpc>
+                <a:spcPct val="100000"/>
+              </a:lnSpc>
+              <a:spcBef>
+                <a:spcPct val="30000"/>
+              </a:spcBef>
+              <a:spcAft>
+                <a:spcPct val="0"/>
+              </a:spcAft>
+              <a:buClrTx/>
+              <a:buSzTx/>
+              <a:buFontTx/>
+              <a:buNone/>
+              <a:tabLst/>
+              <a:defRPr/>
+            </a:pPr>
+            <a:endParaRPr lang="en-US" sz="900" kern="1200" dirty="0" smtClean="0">
+              <a:solidFill>
+                <a:schemeClr val="tx1"/>
+              </a:solidFill>
+              <a:effectLst/>
+              <a:latin typeface="Segoe UI" pitchFamily="34" charset="0"/>
+              <a:ea typeface="+mn-ea"/>
+              <a:cs typeface="+mn-cs"/>
+            </a:endParaRPr>
+          </a:p>
+          <a:p>
+            <a:pPr marL="0" marR="0" lvl="0" indent="0" algn="l" defTabSz="897301" rtl="0" eaLnBrk="1" fontAlgn="base" latinLnBrk="0" hangingPunct="1">
+              <a:lnSpc>
+                <a:spcPct val="100000"/>
+              </a:lnSpc>
+              <a:spcBef>
+                <a:spcPct val="30000"/>
+              </a:spcBef>
+              <a:spcAft>
+                <a:spcPct val="0"/>
+              </a:spcAft>
+              <a:buClrTx/>
+              <a:buSzTx/>
+              <a:buFontTx/>
+              <a:buNone/>
+              <a:tabLst/>
+              <a:defRPr/>
+            </a:pPr>
+            <a:r>
+              <a:rPr lang="en-US" sz="900" kern="1200" dirty="0" smtClean="0">
+                <a:solidFill>
+                  <a:schemeClr val="tx1"/>
+                </a:solidFill>
+                <a:effectLst/>
+                <a:latin typeface="Segoe UI" pitchFamily="34" charset="0"/>
+                <a:ea typeface="+mn-ea"/>
+                <a:cs typeface="+mn-cs"/>
+              </a:rPr>
+              <a:t>2012 – All necessary component installed</a:t>
+            </a:r>
+          </a:p>
+          <a:p>
+            <a:pPr marL="0" marR="0" lvl="0" indent="0" algn="l" defTabSz="897301" rtl="0" eaLnBrk="1" fontAlgn="base" latinLnBrk="0" hangingPunct="1">
+              <a:lnSpc>
+                <a:spcPct val="100000"/>
+              </a:lnSpc>
+              <a:spcBef>
+                <a:spcPct val="30000"/>
+              </a:spcBef>
+              <a:spcAft>
+                <a:spcPct val="0"/>
+              </a:spcAft>
+              <a:buClrTx/>
+              <a:buSzTx/>
+              <a:buFontTx/>
+              <a:buNone/>
+              <a:tabLst/>
+              <a:defRPr/>
+            </a:pPr>
+            <a:r>
+              <a:rPr lang="en-US" sz="900" kern="1200" dirty="0" smtClean="0">
+                <a:solidFill>
+                  <a:schemeClr val="tx1"/>
+                </a:solidFill>
+                <a:effectLst/>
+                <a:latin typeface="Segoe UI" pitchFamily="34" charset="0"/>
+                <a:ea typeface="+mn-ea"/>
+                <a:cs typeface="+mn-cs"/>
+              </a:rPr>
+              <a:t>2008</a:t>
+            </a:r>
+            <a:r>
+              <a:rPr lang="en-US" sz="900" kern="1200" baseline="0" dirty="0" smtClean="0">
+                <a:solidFill>
+                  <a:schemeClr val="tx1"/>
+                </a:solidFill>
+                <a:effectLst/>
+                <a:latin typeface="Segoe UI" pitchFamily="34" charset="0"/>
+                <a:ea typeface="+mn-ea"/>
+                <a:cs typeface="+mn-cs"/>
+              </a:rPr>
+              <a:t> R2 to 2000 – </a:t>
+            </a:r>
+            <a:r>
+              <a:rPr lang="en-US" sz="900" kern="1200" baseline="0" dirty="0" err="1" smtClean="0">
+                <a:solidFill>
+                  <a:schemeClr val="tx1"/>
+                </a:solidFill>
+                <a:effectLst/>
+                <a:latin typeface="Segoe UI" pitchFamily="34" charset="0"/>
+                <a:ea typeface="+mn-ea"/>
+                <a:cs typeface="+mn-cs"/>
+              </a:rPr>
+              <a:t>DACFx</a:t>
+            </a:r>
+            <a:r>
+              <a:rPr lang="en-US" sz="900" kern="1200" baseline="0" dirty="0" smtClean="0">
+                <a:solidFill>
+                  <a:schemeClr val="tx1"/>
+                </a:solidFill>
+                <a:effectLst/>
+                <a:latin typeface="Segoe UI" pitchFamily="34" charset="0"/>
+                <a:ea typeface="+mn-ea"/>
+                <a:cs typeface="+mn-cs"/>
+              </a:rPr>
+              <a:t>, T-SQL Language Service, </a:t>
+            </a:r>
+            <a:r>
+              <a:rPr lang="en-US" sz="900" kern="1200" baseline="0" dirty="0" err="1" smtClean="0">
+                <a:solidFill>
+                  <a:schemeClr val="tx1"/>
+                </a:solidFill>
+                <a:effectLst/>
+                <a:latin typeface="Segoe UI" pitchFamily="34" charset="0"/>
+                <a:ea typeface="+mn-ea"/>
+                <a:cs typeface="+mn-cs"/>
+              </a:rPr>
+              <a:t>ScriptDOM</a:t>
+            </a:r>
+            <a:r>
+              <a:rPr lang="en-US" sz="900" kern="1200" baseline="0" dirty="0" smtClean="0">
+                <a:solidFill>
+                  <a:schemeClr val="tx1"/>
+                </a:solidFill>
+                <a:effectLst/>
+                <a:latin typeface="Segoe UI" pitchFamily="34" charset="0"/>
+                <a:ea typeface="+mn-ea"/>
+                <a:cs typeface="+mn-cs"/>
+              </a:rPr>
+              <a:t>, SMO, System CLR Types, DAC </a:t>
+            </a:r>
+            <a:r>
+              <a:rPr lang="en-US" sz="900" kern="1200" baseline="0" dirty="0" err="1" smtClean="0">
+                <a:solidFill>
+                  <a:schemeClr val="tx1"/>
+                </a:solidFill>
+                <a:effectLst/>
+                <a:latin typeface="Segoe UI" pitchFamily="34" charset="0"/>
+                <a:ea typeface="+mn-ea"/>
+                <a:cs typeface="+mn-cs"/>
+              </a:rPr>
+              <a:t>ImportExport</a:t>
+            </a:r>
+            <a:r>
+              <a:rPr lang="en-US" sz="900" kern="1200" baseline="0" dirty="0" smtClean="0">
+                <a:solidFill>
+                  <a:schemeClr val="tx1"/>
+                </a:solidFill>
+                <a:effectLst/>
+                <a:latin typeface="Segoe UI" pitchFamily="34" charset="0"/>
+                <a:ea typeface="+mn-ea"/>
+                <a:cs typeface="+mn-cs"/>
+              </a:rPr>
+              <a:t> Service Client Executable (</a:t>
+            </a:r>
+            <a:r>
+              <a:rPr lang="en-US" sz="900" kern="1200" baseline="0" dirty="0" smtClean="0">
+                <a:solidFill>
+                  <a:schemeClr val="tx1"/>
+                </a:solidFill>
+                <a:effectLst/>
+                <a:latin typeface="Segoe UI" pitchFamily="34" charset="0"/>
+                <a:ea typeface="+mn-ea"/>
+                <a:cs typeface="+mn-cs"/>
+              </a:rPr>
+              <a:t>1.6)</a:t>
+            </a:r>
+            <a:endParaRPr lang="en-US" sz="900" kern="1200" baseline="0" dirty="0" smtClean="0">
+              <a:solidFill>
+                <a:schemeClr val="tx1"/>
+              </a:solidFill>
+              <a:effectLst/>
+              <a:latin typeface="Segoe UI" pitchFamily="34" charset="0"/>
+              <a:ea typeface="+mn-ea"/>
+              <a:cs typeface="+mn-cs"/>
+            </a:endParaRPr>
+          </a:p>
+          <a:p>
+            <a:pPr marL="0" marR="0" lvl="0" indent="0" algn="l" defTabSz="897301" rtl="0" eaLnBrk="1" fontAlgn="base" latinLnBrk="0" hangingPunct="1">
+              <a:lnSpc>
+                <a:spcPct val="100000"/>
+              </a:lnSpc>
+              <a:spcBef>
+                <a:spcPct val="30000"/>
+              </a:spcBef>
+              <a:spcAft>
+                <a:spcPct val="0"/>
+              </a:spcAft>
+              <a:buClrTx/>
+              <a:buSzTx/>
+              <a:buFontTx/>
+              <a:buNone/>
+              <a:tabLst/>
+              <a:defRPr/>
+            </a:pPr>
+            <a:endParaRPr lang="en-US" sz="900" kern="1200" dirty="0" smtClean="0">
+              <a:solidFill>
+                <a:schemeClr val="tx1"/>
+              </a:solidFill>
+              <a:effectLst/>
+              <a:latin typeface="Segoe UI" pitchFamily="34" charset="0"/>
+              <a:ea typeface="+mn-ea"/>
+              <a:cs typeface="+mn-cs"/>
+            </a:endParaRPr>
+          </a:p>
+          <a:p>
+            <a:pPr marL="0" marR="0" lvl="0" indent="0" algn="l" defTabSz="897301" rtl="0" eaLnBrk="1" fontAlgn="base" latinLnBrk="0" hangingPunct="1">
+              <a:lnSpc>
+                <a:spcPct val="100000"/>
+              </a:lnSpc>
+              <a:spcBef>
+                <a:spcPct val="30000"/>
+              </a:spcBef>
+              <a:spcAft>
+                <a:spcPct val="0"/>
+              </a:spcAft>
+              <a:buClrTx/>
+              <a:buSzTx/>
+              <a:buFontTx/>
+              <a:buNone/>
+              <a:tabLst/>
+              <a:defRPr/>
+            </a:pPr>
+            <a:r>
+              <a:rPr lang="en-US" sz="900" kern="1200" dirty="0" smtClean="0">
+                <a:solidFill>
+                  <a:schemeClr val="tx1"/>
+                </a:solidFill>
+                <a:effectLst/>
+                <a:latin typeface="Segoe UI" pitchFamily="34" charset="0"/>
+                <a:ea typeface="+mn-ea"/>
+                <a:cs typeface="+mn-cs"/>
+              </a:rPr>
+              <a:t>To use the service you need to have a </a:t>
+            </a:r>
+            <a:r>
+              <a:rPr lang="en-US" sz="900" kern="1200" dirty="0" smtClean="0">
+                <a:solidFill>
+                  <a:schemeClr val="tx1"/>
+                </a:solidFill>
+                <a:effectLst/>
+                <a:latin typeface="Segoe UI" pitchFamily="34" charset="0"/>
+                <a:ea typeface="+mn-ea"/>
+                <a:cs typeface="+mn-cs"/>
+              </a:rPr>
+              <a:t>Windows</a:t>
+            </a:r>
+            <a:r>
+              <a:rPr lang="en-US" sz="900" kern="1200" baseline="0" dirty="0" smtClean="0">
+                <a:solidFill>
+                  <a:schemeClr val="tx1"/>
+                </a:solidFill>
+                <a:effectLst/>
+                <a:latin typeface="Segoe UI" pitchFamily="34" charset="0"/>
+                <a:ea typeface="+mn-ea"/>
+                <a:cs typeface="+mn-cs"/>
+              </a:rPr>
+              <a:t> Azure storage account </a:t>
+            </a:r>
+            <a:r>
+              <a:rPr lang="en-US" sz="900" kern="1200" dirty="0" smtClean="0">
+                <a:solidFill>
+                  <a:schemeClr val="tx1"/>
+                </a:solidFill>
+                <a:effectLst/>
+                <a:latin typeface="Segoe UI" pitchFamily="34" charset="0"/>
+                <a:ea typeface="+mn-ea"/>
+                <a:cs typeface="+mn-cs"/>
+              </a:rPr>
+              <a:t>and SQL Database server </a:t>
+            </a:r>
+            <a:r>
+              <a:rPr lang="en-US" sz="900" kern="1200" dirty="0" smtClean="0">
+                <a:solidFill>
+                  <a:schemeClr val="tx1"/>
+                </a:solidFill>
+                <a:effectLst/>
+                <a:latin typeface="Segoe UI" pitchFamily="34" charset="0"/>
+                <a:ea typeface="+mn-ea"/>
+                <a:cs typeface="+mn-cs"/>
+              </a:rPr>
+              <a:t>setup </a:t>
+            </a:r>
+            <a:r>
+              <a:rPr lang="en-US" sz="900" kern="1200" dirty="0" smtClean="0">
+                <a:solidFill>
+                  <a:schemeClr val="tx1"/>
+                </a:solidFill>
+                <a:effectLst/>
+                <a:latin typeface="Segoe UI" pitchFamily="34" charset="0"/>
+                <a:ea typeface="+mn-ea"/>
+                <a:cs typeface="+mn-cs"/>
+              </a:rPr>
+              <a:t>already. You </a:t>
+            </a:r>
+            <a:r>
+              <a:rPr lang="en-US" sz="900" kern="1200" dirty="0" smtClean="0">
+                <a:solidFill>
+                  <a:schemeClr val="tx1"/>
+                </a:solidFill>
+                <a:effectLst/>
+                <a:latin typeface="Segoe UI" pitchFamily="34" charset="0"/>
+                <a:ea typeface="+mn-ea"/>
+                <a:cs typeface="+mn-cs"/>
+              </a:rPr>
+              <a:t>only need to use the EXE or the wizard in the Windows Azure Management portal to perform the import/export.  You don’t need all the dependencies if you plan on </a:t>
+            </a:r>
+            <a:r>
+              <a:rPr lang="en-US" sz="900" b="1" kern="1200" dirty="0" smtClean="0">
+                <a:solidFill>
+                  <a:schemeClr val="tx1"/>
+                </a:solidFill>
+                <a:effectLst/>
+                <a:latin typeface="Segoe UI" pitchFamily="34" charset="0"/>
+                <a:ea typeface="+mn-ea"/>
+                <a:cs typeface="+mn-cs"/>
+              </a:rPr>
+              <a:t>only </a:t>
+            </a:r>
+            <a:r>
+              <a:rPr lang="en-US" sz="900" kern="1200" dirty="0" smtClean="0">
+                <a:solidFill>
+                  <a:schemeClr val="tx1"/>
+                </a:solidFill>
+                <a:effectLst/>
+                <a:latin typeface="Segoe UI" pitchFamily="34" charset="0"/>
+                <a:ea typeface="+mn-ea"/>
+                <a:cs typeface="+mn-cs"/>
+              </a:rPr>
+              <a:t>using the service</a:t>
+            </a:r>
+            <a:endParaRPr lang="en-US" dirty="0" smtClean="0">
+              <a:effectLst/>
+            </a:endParaRPr>
+          </a:p>
+          <a:p>
+            <a:pPr rtl="0"/>
+            <a:r>
+              <a:rPr lang="en-US" b="1" dirty="0" smtClean="0">
+                <a:effectLst/>
+                <a:latin typeface="Segoe UI" panose="020B0502040204020203" pitchFamily="34" charset="0"/>
+              </a:rPr>
+              <a:t>Notes:</a:t>
+            </a:r>
+            <a:endParaRPr lang="en-US" dirty="0" smtClean="0">
+              <a:effectLst/>
+            </a:endParaRPr>
+          </a:p>
+          <a:p>
+            <a:pPr rtl="0"/>
+            <a:r>
+              <a:rPr lang="en-US" dirty="0" smtClean="0">
+                <a:effectLst/>
+                <a:latin typeface="Segoe UI" panose="020B0502040204020203" pitchFamily="34" charset="0"/>
+              </a:rPr>
+              <a:t>Any notes go here</a:t>
+            </a:r>
+            <a:endParaRPr lang="en-US" dirty="0" smtClean="0">
+              <a:effectLst/>
+            </a:endParaRPr>
+          </a:p>
+          <a:p>
             <a:pPr defTabSz="897301" fontAlgn="base">
               <a:lnSpc>
                 <a:spcPct val="100000"/>
@@ -2960,14 +5103,6 @@
               </a:spcAft>
               <a:defRPr/>
             </a:pPr>
-            <a:r>
-              <a:rPr lang="en-US" dirty="0" smtClean="0"/>
-              <a:t>Source database should be in Read-Only mode while export occurs</a:t>
-            </a:r>
-            <a:r>
-              <a:rPr lang="en-US" baseline="0" dirty="0" smtClean="0"/>
-              <a:t> (or have no write activity against it)</a:t>
-            </a:r>
             <a:endParaRPr lang="en-US" dirty="0"/>
           </a:p>
         </p:txBody>
@@ -2990,7 +5125,7 @@
             <a:fld id="{886BBA71-14D9-419E-BD15-792793A7FA39}" type="slidenum">
               <a:rPr lang="en-US" smtClean="0"/>
               <a:pPr/>
-              <a:t>10</a:t>
+              <a:t>9</a:t>
             </a:fld>
             <a:endParaRPr lang="en-US"/>
           </a:p>
@@ -3053,11 +5188,194 @@
           <a:bodyPr/>
           <a:lstStyle/>
           <a:p>
+            <a:pPr rtl="0"/>
+            <a:r>
+              <a:rPr lang="en-US" b="1" dirty="0" smtClean="0">
+                <a:effectLst/>
+                <a:latin typeface="Segoe UI" panose="020B0502040204020203" pitchFamily="34" charset="0"/>
+              </a:rPr>
+              <a:t>Slide Objectives:</a:t>
+            </a:r>
+            <a:endParaRPr lang="en-US" dirty="0" smtClean="0">
+              <a:effectLst/>
+            </a:endParaRPr>
+          </a:p>
+          <a:p>
+            <a:pPr rtl="0"/>
+            <a:r>
+              <a:rPr lang="en-US" dirty="0" smtClean="0">
+                <a:effectLst/>
+                <a:latin typeface="Segoe UI" panose="020B0502040204020203" pitchFamily="34" charset="0"/>
+              </a:rPr>
+              <a:t>Point</a:t>
+            </a:r>
+            <a:r>
+              <a:rPr lang="en-US" baseline="0" dirty="0" smtClean="0">
+                <a:effectLst/>
+                <a:latin typeface="Segoe UI" panose="020B0502040204020203" pitchFamily="34" charset="0"/>
+              </a:rPr>
+              <a:t> out some of the current limitations of the Import/Export service and the DAC Framework.</a:t>
+            </a:r>
+            <a:endParaRPr lang="en-US" dirty="0" smtClean="0">
+              <a:effectLst/>
+            </a:endParaRPr>
+          </a:p>
+          <a:p>
+            <a:pPr rtl="0"/>
+            <a:r>
+              <a:rPr lang="en-US" b="1" dirty="0" smtClean="0">
+                <a:effectLst/>
+                <a:latin typeface="Segoe UI" panose="020B0502040204020203" pitchFamily="34" charset="0"/>
+              </a:rPr>
+              <a:t>Transition:</a:t>
+            </a:r>
+            <a:endParaRPr lang="en-US" dirty="0" smtClean="0">
+              <a:effectLst/>
+            </a:endParaRPr>
+          </a:p>
+          <a:p>
+            <a:pPr rtl="0"/>
+            <a:r>
+              <a:rPr lang="en-US" dirty="0" smtClean="0">
+                <a:effectLst/>
+              </a:rPr>
+              <a:t>While the DAC Framework and Import/Export service provide the most</a:t>
+            </a:r>
+            <a:r>
+              <a:rPr lang="en-US" baseline="0" dirty="0" smtClean="0">
+                <a:effectLst/>
+              </a:rPr>
+              <a:t> comprehensive and efficient method for database migration, there are some limitations in the service.</a:t>
+            </a:r>
+            <a:endParaRPr lang="en-US" dirty="0" smtClean="0">
+              <a:effectLst/>
+            </a:endParaRPr>
+          </a:p>
+          <a:p>
+            <a:pPr rtl="0"/>
+            <a:r>
+              <a:rPr lang="en-US" b="1" dirty="0" smtClean="0">
+                <a:effectLst/>
+                <a:latin typeface="Segoe UI" panose="020B0502040204020203" pitchFamily="34" charset="0"/>
+              </a:rPr>
+              <a:t>Speaking Points:</a:t>
+            </a:r>
+            <a:endParaRPr lang="en-US" dirty="0" smtClean="0">
+              <a:effectLst/>
+            </a:endParaRPr>
+          </a:p>
+          <a:p>
+            <a:pPr marL="0" marR="0" indent="0" algn="l" defTabSz="914363" rtl="0" eaLnBrk="1" fontAlgn="auto" latinLnBrk="0" hangingPunct="1">
+              <a:lnSpc>
+                <a:spcPct val="90000"/>
+              </a:lnSpc>
+              <a:spcBef>
+                <a:spcPts val="0"/>
+              </a:spcBef>
+              <a:spcAft>
+                <a:spcPts val="333"/>
+              </a:spcAft>
+              <a:buClrTx/>
+              <a:buSzTx/>
+              <a:buFontTx/>
+              <a:buNone/>
+              <a:tabLst/>
+              <a:defRPr/>
+            </a:pPr>
             <a:r>
               <a:rPr lang="en-US" dirty="0" smtClean="0"/>
-              <a:t>Demo – Creating a SQL Azure DB through the Management Portal</a:t>
-            </a:r>
-            <a:endParaRPr lang="en-US" dirty="0"/>
+              <a:t>Source database should be in Read-Only mode while export occurs</a:t>
+            </a:r>
+            <a:r>
+              <a:rPr lang="en-US" baseline="0" dirty="0" smtClean="0"/>
+              <a:t> (or have no write activity against it)</a:t>
+            </a:r>
+            <a:endParaRPr lang="en-US" dirty="0" smtClean="0">
+              <a:effectLst/>
+            </a:endParaRPr>
+          </a:p>
+          <a:p>
+            <a:pPr rtl="0"/>
+            <a:r>
+              <a:rPr lang="en-US" dirty="0" smtClean="0">
+                <a:effectLst/>
+                <a:latin typeface="Segoe UI" panose="020B0502040204020203" pitchFamily="34" charset="0"/>
+              </a:rPr>
+              <a:t>No Transactional Consistency</a:t>
+            </a:r>
+          </a:p>
+          <a:p>
+            <a:pPr rtl="0"/>
+            <a:r>
+              <a:rPr lang="en-US" dirty="0" smtClean="0">
+                <a:effectLst/>
+                <a:latin typeface="Segoe UI" panose="020B0502040204020203" pitchFamily="34" charset="0"/>
+              </a:rPr>
+              <a:t>Database must be SQL Database compatible</a:t>
+            </a:r>
+          </a:p>
+          <a:p>
+            <a:pPr rtl="0"/>
+            <a:r>
+              <a:rPr lang="en-US" dirty="0" smtClean="0">
+                <a:effectLst/>
+                <a:latin typeface="Segoe UI" panose="020B0502040204020203" pitchFamily="34" charset="0"/>
+              </a:rPr>
+              <a:t>No Support</a:t>
+            </a:r>
+            <a:r>
+              <a:rPr lang="en-US" baseline="0" dirty="0" smtClean="0">
+                <a:effectLst/>
+                <a:latin typeface="Segoe UI" panose="020B0502040204020203" pitchFamily="34" charset="0"/>
+              </a:rPr>
+              <a:t> for SQL Server 2000</a:t>
+            </a:r>
+          </a:p>
+          <a:p>
+            <a:pPr rtl="0"/>
+            <a:r>
+              <a:rPr lang="en-US" baseline="0" dirty="0" smtClean="0">
+                <a:effectLst/>
+                <a:latin typeface="Segoe UI" panose="020B0502040204020203" pitchFamily="34" charset="0"/>
+              </a:rPr>
+              <a:t>Encrypted objects, password, etc. not migrated</a:t>
+            </a:r>
+            <a:endParaRPr lang="en-US" dirty="0" smtClean="0">
+              <a:effectLst/>
+            </a:endParaRPr>
+          </a:p>
+          <a:p>
+            <a:pPr rtl="0"/>
+            <a:r>
+              <a:rPr lang="en-US" b="1" dirty="0" smtClean="0">
+                <a:effectLst/>
+                <a:latin typeface="Segoe UI" panose="020B0502040204020203" pitchFamily="34" charset="0"/>
+              </a:rPr>
+              <a:t>Notes:</a:t>
+            </a:r>
+            <a:endParaRPr lang="en-US" dirty="0" smtClean="0">
+              <a:effectLst/>
+            </a:endParaRPr>
+          </a:p>
+          <a:p>
+            <a:pPr rtl="0"/>
+            <a:r>
+              <a:rPr lang="en-US" dirty="0" smtClean="0">
+                <a:effectLst/>
+                <a:latin typeface="Segoe UI" panose="020B0502040204020203" pitchFamily="34" charset="0"/>
+              </a:rPr>
+              <a:t>The key to</a:t>
+            </a:r>
+            <a:r>
+              <a:rPr lang="en-US" baseline="0" dirty="0" smtClean="0">
+                <a:effectLst/>
+                <a:latin typeface="Segoe UI" panose="020B0502040204020203" pitchFamily="34" charset="0"/>
+              </a:rPr>
+              <a:t> this slide is that the database MUST be SQL Database “ready”. Neither the DAC Framework (via the client assemblies) or the Import/Export service will be able to migrate if the database is not in the appropriate format for SQL Database. SQL Server Data Tools is the most efficient in prepping a database for SQL Database.</a:t>
+            </a:r>
+            <a:endParaRPr lang="en-US" dirty="0" smtClean="0">
+              <a:effectLst/>
+            </a:endParaRPr>
           </a:p>
         </p:txBody>
       </p:sp>
@@ -3076,18 +5394,19 @@
           <a:bodyPr/>
           <a:lstStyle/>
           <a:p>
-            <a:fld id="{6A737CDB-F497-4071-88DB-C233CAC28117}" type="slidenum">
+            <a:fld id="{886BBA71-14D9-419E-BD15-792793A7FA39}" type="slidenum">
               <a:rPr lang="en-US" smtClean="0"/>
-              <a:t>11</a:t>
+              <a:pPr/>
+              <a:t>10</a:t>
             </a:fld>
-            <a:endParaRPr lang="en-US" dirty="0"/>
+            <a:endParaRPr lang="en-US"/>
           </a:p>
         </p:txBody>
       </p:sp>
     </p:spTree>
     <p:extLst>
       <p:ext uri="{BB962C8B-B14F-4D97-AF65-F5344CB8AC3E}">
-        <p14:creationId xmlns:p14="http://schemas.microsoft.com/office/powerpoint/2010/main" val="3946970834"/>
+        <p14:creationId xmlns:p14="http://schemas.microsoft.com/office/powerpoint/2010/main" val="3841582719"/>
       </p:ext>
     </p:extLst>
   </p:cSld>
@@ -3143,52 +5462,56 @@
           <a:p>
             <a:r>
               <a:rPr lang="en-US" dirty="0" smtClean="0"/>
-              <a:t>Fast</a:t>
-            </a:r>
-          </a:p>
-          <a:p>
+              <a:t>Demo </a:t>
+            </a:r>
             <a:r>
               <a:rPr lang="en-US" dirty="0" smtClean="0"/>
-              <a:t>Maintain – even</a:t>
+              <a:t>– Using the Import / Export Service</a:t>
+            </a:r>
+          </a:p>
+          <a:p>
+            <a:pPr marL="171450" indent="-171450">
+              <a:buFont typeface="Arial" panose="020B0604020202020204" pitchFamily="34" charset="0"/>
+              <a:buChar char="•"/>
+            </a:pPr>
+            <a:r>
+              <a:rPr lang="en-US" dirty="0" smtClean="0"/>
+              <a:t>Use the Import/Export service to export a SQL Database instance to BLOB storage</a:t>
+            </a:r>
+          </a:p>
+          <a:p>
+            <a:pPr marL="171450" indent="-171450">
+              <a:buFont typeface="Arial" panose="020B0604020202020204" pitchFamily="34" charset="0"/>
+              <a:buChar char="•"/>
+            </a:pPr>
+            <a:r>
+              <a:rPr lang="en-US" dirty="0" smtClean="0"/>
+              <a:t>Use the</a:t>
             </a:r>
             <a:r>
               <a:rPr lang="en-US" baseline="0" dirty="0" smtClean="0"/>
-              <a:t> if schema changes</a:t>
-            </a:r>
-          </a:p>
-          <a:p>
+              <a:t> Export Data-Tier Application option in SQL Server 2012 to export a database to a BACPAC.</a:t>
+            </a:r>
+          </a:p>
+          <a:p>
+            <a:pPr marL="384431" lvl="1" indent="-171450">
+              <a:buFont typeface="Arial" panose="020B0604020202020204" pitchFamily="34" charset="0"/>
+              <a:buChar char="•"/>
+            </a:pPr>
             <a:r>
               <a:rPr lang="en-US" baseline="0" dirty="0" smtClean="0"/>
-              <a:t>Flexible – can specify batch size, packet size</a:t>
-            </a:r>
-          </a:p>
-          <a:p>
-            <a:endParaRPr lang="en-US" baseline="0" dirty="0" smtClean="0"/>
-          </a:p>
-          <a:p>
+              <a:t>Use the Import Data-Tier Application to import the BACPAC into SQL Database</a:t>
+            </a:r>
+          </a:p>
+          <a:p>
+            <a:pPr marL="171450" indent="-171450">
+              <a:buFont typeface="Arial" panose="020B0604020202020204" pitchFamily="34" charset="0"/>
+              <a:buChar char="•"/>
+            </a:pPr>
             <a:r>
               <a:rPr lang="en-US" baseline="0" dirty="0" smtClean="0"/>
-              <a:t>Limitations:</a:t>
-            </a:r>
-          </a:p>
-          <a:p>
-            <a:r>
-              <a:rPr lang="en-US" baseline="0" dirty="0" smtClean="0"/>
-              <a:t>Schema must already exist</a:t>
-            </a:r>
-          </a:p>
-          <a:p>
-            <a:r>
-              <a:rPr lang="en-US" baseline="0" dirty="0" smtClean="0"/>
-              <a:t>Syntax – many options…hard to figure out if new to </a:t>
-            </a:r>
-            <a:r>
-              <a:rPr lang="en-US" baseline="0" dirty="0" err="1" smtClean="0"/>
-              <a:t>bcp</a:t>
-            </a:r>
-            <a:endParaRPr lang="en-US" baseline="0" dirty="0" smtClean="0"/>
-          </a:p>
-          <a:p>
+              <a:t>Optional: </a:t>
+            </a:r>
             <a:endParaRPr lang="en-US" dirty="0"/>
           </a:p>
         </p:txBody>
@@ -3208,10 +5531,9 @@
           <a:bodyPr/>
           <a:lstStyle/>
           <a:p>
-            <a:fld id="{8B263312-38AA-4E1E-B2B5-0F8F122B24FE}" type="slidenum">
+            <a:fld id="{6A737CDB-F497-4071-88DB-C233CAC28117}" type="slidenum">
               <a:rPr lang="en-US" smtClean="0"/>
-              <a:pPr/>
-              <a:t>13</a:t>
+              <a:t>11</a:t>
             </a:fld>
             <a:endParaRPr lang="en-US" dirty="0"/>
           </a:p>
@@ -3220,7 +5542,7 @@
     </p:spTree>
     <p:extLst>
       <p:ext uri="{BB962C8B-B14F-4D97-AF65-F5344CB8AC3E}">
-        <p14:creationId xmlns:p14="http://schemas.microsoft.com/office/powerpoint/2010/main" val="2806718332"/>
+        <p14:creationId xmlns:p14="http://schemas.microsoft.com/office/powerpoint/2010/main" val="3946970834"/>
       </p:ext>
     </p:extLst>
   </p:cSld>
@@ -21628,14 +23950,19 @@
             <p:ph type="body" sz="quarter" idx="10"/>
           </p:nvPr>
         </p:nvSpPr>
-        <p:spPr/>
+        <p:spPr>
+          <a:xfrm>
+            <a:off x="478678" y="2925416"/>
+            <a:ext cx="11461685" cy="1378644"/>
+          </a:xfrm>
+        </p:spPr>
         <p:txBody>
           <a:bodyPr/>
           <a:lstStyle/>
           <a:p>
             <a:r>
               <a:rPr lang="en-US" dirty="0" smtClean="0"/>
-              <a:t>Other Migration Tools</a:t>
+              <a:t>SQL Server Data Tools</a:t>
             </a:r>
             <a:endParaRPr lang="en-US" dirty="0"/>
           </a:p>
@@ -21644,7 +23971,7 @@
     </p:spTree>
     <p:extLst>
       <p:ext uri="{BB962C8B-B14F-4D97-AF65-F5344CB8AC3E}">
-        <p14:creationId xmlns:p14="http://schemas.microsoft.com/office/powerpoint/2010/main" val="123156627"/>
+        <p14:creationId xmlns:p14="http://schemas.microsoft.com/office/powerpoint/2010/main" val="183590874"/>
       </p:ext>
     </p:extLst>
   </p:cSld>
@@ -21703,23 +24030,103 @@
           <a:p>
             <a:r>
               <a:rPr lang="en-US" dirty="0" smtClean="0"/>
-              <a:t>BCP</a:t>
-            </a:r>
-            <a:r>
-              <a:rPr lang="en-US" dirty="0"/>
-              <a:t> </a:t>
-            </a:r>
-            <a:r>
-              <a:rPr lang="en-US" dirty="0" smtClean="0"/>
-              <a:t>Utility</a:t>
+              <a:t>SQL Server Data Tools</a:t>
             </a:r>
             <a:endParaRPr lang="en-US" dirty="0"/>
+          </a:p>
+        </p:txBody>
+      </p:sp>
+      <p:sp>
+        <p:nvSpPr>
+          <p:cNvPr id="944131" name="Rectangle 3"/>
+          <p:cNvSpPr>
+            <a:spLocks noGrp="1" noChangeArrowheads="1"/>
+          </p:cNvSpPr>
+          <p:nvPr>
+            <p:ph type="body" sz="quarter" idx="10"/>
+          </p:nvPr>
+        </p:nvSpPr>
+        <p:spPr>
+          <a:xfrm>
+            <a:off x="519112" y="1767660"/>
+            <a:ext cx="5183045" cy="3462486"/>
+          </a:xfrm>
+        </p:spPr>
+        <p:txBody>
+          <a:bodyPr/>
+          <a:lstStyle/>
+          <a:p>
+            <a:r>
+              <a:rPr lang="en-US" sz="3200" dirty="0" smtClean="0">
+                <a:gradFill>
+                  <a:gsLst>
+                    <a:gs pos="0">
+                      <a:schemeClr val="accent2"/>
+                    </a:gs>
+                    <a:gs pos="100000">
+                      <a:schemeClr val="accent2"/>
+                    </a:gs>
+                  </a:gsLst>
+                  <a:lin ang="5400000" scaled="0"/>
+                </a:gradFill>
+              </a:rPr>
+              <a:t>Foundation</a:t>
+            </a:r>
+            <a:endParaRPr lang="en-US" sz="3200" spc="-50" dirty="0" smtClean="0"/>
+          </a:p>
+          <a:p>
+            <a:r>
+              <a:rPr lang="en-US" sz="2400" spc="-50" dirty="0" smtClean="0">
+                <a:latin typeface="+mn-lt"/>
+              </a:rPr>
+              <a:t>Declarative, model based database development</a:t>
+            </a:r>
+          </a:p>
+          <a:p>
+            <a:r>
+              <a:rPr lang="en-US" sz="2400" spc="-50" dirty="0" smtClean="0">
+                <a:latin typeface="+mn-lt"/>
+              </a:rPr>
+              <a:t>Integrated Tools</a:t>
+            </a:r>
+          </a:p>
+          <a:p>
+            <a:r>
+              <a:rPr lang="en-US" sz="2400" spc="-50" dirty="0" smtClean="0">
+                <a:latin typeface="+mn-lt"/>
+              </a:rPr>
+              <a:t>Application development integration</a:t>
+            </a:r>
+          </a:p>
+          <a:p>
+            <a:r>
+              <a:rPr lang="en-US" sz="2400" spc="-50" dirty="0" smtClean="0">
+                <a:latin typeface="+mn-lt"/>
+              </a:rPr>
+              <a:t>SQL Server and SQL Database Support</a:t>
+            </a:r>
+          </a:p>
+          <a:p>
+            <a:r>
+              <a:rPr lang="en-US" sz="2400" spc="-50" dirty="0" smtClean="0">
+                <a:latin typeface="+mn-lt"/>
+              </a:rPr>
+              <a:t>Connected and offline with local testing</a:t>
+            </a:r>
+          </a:p>
+          <a:p>
+            <a:r>
+              <a:rPr lang="en-US" sz="2400" spc="-50" dirty="0" smtClean="0">
+                <a:latin typeface="+mn-lt"/>
+              </a:rPr>
+              <a:t>Change Detection</a:t>
+            </a:r>
           </a:p>
         </p:txBody>
       </p:sp>
       <p:pic>
         <p:nvPicPr>
-          <p:cNvPr id="5" name="Picture 4"/>
+          <p:cNvPr id="7" name="Content Placeholder 4"/>
           <p:cNvPicPr>
             <a:picLocks noChangeAspect="1"/>
           </p:cNvPicPr>
@@ -21739,368 +24146,18 @@
         </p:blipFill>
         <p:spPr>
           <a:xfrm>
-            <a:off x="6110612" y="4283155"/>
-            <a:ext cx="5434278" cy="1781992"/>
+            <a:off x="5846025" y="2036375"/>
+            <a:ext cx="5532028" cy="3244541"/>
           </a:xfrm>
           <a:prstGeom prst="rect">
             <a:avLst/>
           </a:prstGeom>
         </p:spPr>
       </p:pic>
-      <p:pic>
-        <p:nvPicPr>
-          <p:cNvPr id="2050" name="Picture 2" descr="C:\Users\scottkl\AppData\Local\Temp\SNAGHTML16d53c1.PNG"/>
-          <p:cNvPicPr>
-            <a:picLocks noChangeAspect="1" noChangeArrowheads="1"/>
-          </p:cNvPicPr>
-          <p:nvPr/>
-        </p:nvPicPr>
-        <p:blipFill>
-          <a:blip r:embed="rId4">
-            <a:extLst>
-              <a:ext uri="{28A0092B-C50C-407E-A947-70E740481C1C}">
-                <a14:useLocalDpi xmlns:a14="http://schemas.microsoft.com/office/drawing/2010/main" val="0"/>
-              </a:ext>
-            </a:extLst>
-          </a:blip>
-          <a:srcRect/>
-          <a:stretch>
-            <a:fillRect/>
-          </a:stretch>
-        </p:blipFill>
-        <p:spPr bwMode="auto">
-          <a:xfrm>
-            <a:off x="5246125" y="1461950"/>
-            <a:ext cx="6571963" cy="2693614"/>
-          </a:xfrm>
-          <a:prstGeom prst="rect">
-            <a:avLst/>
-          </a:prstGeom>
-          <a:noFill/>
-          <a:extLst>
-            <a:ext uri="{909E8E84-426E-40DD-AFC4-6F175D3DCCD1}">
-              <a14:hiddenFill xmlns:a14="http://schemas.microsoft.com/office/drawing/2010/main">
-                <a:solidFill>
-                  <a:srgbClr val="FFFFFF"/>
-                </a:solidFill>
-              </a14:hiddenFill>
-            </a:ext>
-          </a:extLst>
-        </p:spPr>
-      </p:pic>
-      <p:sp>
-        <p:nvSpPr>
-          <p:cNvPr id="6" name="Rectangle 3"/>
-          <p:cNvSpPr txBox="1">
-            <a:spLocks noChangeArrowheads="1"/>
-          </p:cNvSpPr>
-          <p:nvPr/>
-        </p:nvSpPr>
-        <p:spPr>
-          <a:xfrm>
-            <a:off x="519112" y="1461950"/>
-            <a:ext cx="8623005" cy="2349874"/>
-          </a:xfrm>
-          <a:prstGeom prst="rect">
-            <a:avLst/>
-          </a:prstGeom>
-        </p:spPr>
-        <p:txBody>
-          <a:bodyPr vert="horz" wrap="square" lIns="0" tIns="0" rIns="0" bIns="0" rtlCol="0">
-            <a:spAutoFit/>
-          </a:bodyPr>
-          <a:lstStyle>
-            <a:lvl1pPr marL="3175" indent="0" algn="l" defTabSz="914363" rtl="0" eaLnBrk="1" latinLnBrk="0" hangingPunct="1">
-              <a:lnSpc>
-                <a:spcPct val="90000"/>
-              </a:lnSpc>
-              <a:spcBef>
-                <a:spcPts val="0"/>
-              </a:spcBef>
-              <a:spcAft>
-                <a:spcPts val="900"/>
-              </a:spcAft>
-              <a:buSzPct val="80000"/>
-              <a:buFont typeface="Arial" pitchFamily="34" charset="0"/>
-              <a:buNone/>
-              <a:defRPr sz="4000" kern="1200" spc="-100" baseline="0">
-                <a:gradFill>
-                  <a:gsLst>
-                    <a:gs pos="0">
-                      <a:srgbClr val="595959"/>
-                    </a:gs>
-                    <a:gs pos="86000">
-                      <a:srgbClr val="595959"/>
-                    </a:gs>
-                  </a:gsLst>
-                  <a:lin ang="5400000" scaled="0"/>
-                </a:gradFill>
-                <a:latin typeface="Segoe UI Light" pitchFamily="34" charset="0"/>
-                <a:ea typeface="+mn-ea"/>
-                <a:cs typeface="+mn-cs"/>
-              </a:defRPr>
-            </a:lvl1pPr>
-            <a:lvl2pPr marL="3175" indent="0" algn="l" defTabSz="914363" rtl="0" eaLnBrk="1" latinLnBrk="0" hangingPunct="1">
-              <a:lnSpc>
-                <a:spcPct val="90000"/>
-              </a:lnSpc>
-              <a:spcBef>
-                <a:spcPts val="0"/>
-              </a:spcBef>
-              <a:buSzPct val="80000"/>
-              <a:buFont typeface="Arial" pitchFamily="34" charset="0"/>
-              <a:buNone/>
-              <a:defRPr sz="2000" kern="1200" spc="-50" baseline="0">
-                <a:gradFill>
-                  <a:gsLst>
-                    <a:gs pos="0">
-                      <a:srgbClr val="595959"/>
-                    </a:gs>
-                    <a:gs pos="86000">
-                      <a:srgbClr val="595959"/>
-                    </a:gs>
-                  </a:gsLst>
-                  <a:lin ang="5400000" scaled="0"/>
-                </a:gradFill>
-                <a:latin typeface="+mn-lt"/>
-                <a:ea typeface="+mn-ea"/>
-                <a:cs typeface="+mn-cs"/>
-              </a:defRPr>
-            </a:lvl2pPr>
-            <a:lvl3pPr marL="1258888" indent="-403225" algn="l" defTabSz="914363" rtl="0" eaLnBrk="1" latinLnBrk="0" hangingPunct="1">
-              <a:lnSpc>
-                <a:spcPct val="90000"/>
-              </a:lnSpc>
-              <a:spcBef>
-                <a:spcPct val="20000"/>
-              </a:spcBef>
-              <a:buSzPct val="80000"/>
-              <a:buFontTx/>
-              <a:buBlip>
-                <a:blip r:embed="rId5"/>
-              </a:buBlip>
-              <a:defRPr sz="2400" kern="1200">
-                <a:gradFill>
-                  <a:gsLst>
-                    <a:gs pos="0">
-                      <a:schemeClr val="tx1">
-                        <a:lumMod val="90000"/>
-                        <a:lumOff val="10000"/>
-                      </a:schemeClr>
-                    </a:gs>
-                    <a:gs pos="86000">
-                      <a:schemeClr val="tx1">
-                        <a:lumMod val="90000"/>
-                        <a:lumOff val="10000"/>
-                      </a:schemeClr>
-                    </a:gs>
-                  </a:gsLst>
-                  <a:lin ang="5400000" scaled="0"/>
-                </a:gradFill>
-                <a:latin typeface="+mn-lt"/>
-                <a:ea typeface="+mn-ea"/>
-                <a:cs typeface="+mn-cs"/>
-              </a:defRPr>
-            </a:lvl3pPr>
-            <a:lvl4pPr marL="1604963" indent="-346075" algn="l" defTabSz="914363" rtl="0" eaLnBrk="1" latinLnBrk="0" hangingPunct="1">
-              <a:lnSpc>
-                <a:spcPct val="90000"/>
-              </a:lnSpc>
-              <a:spcBef>
-                <a:spcPct val="20000"/>
-              </a:spcBef>
-              <a:buSzPct val="80000"/>
-              <a:buFontTx/>
-              <a:buBlip>
-                <a:blip r:embed="rId5"/>
-              </a:buBlip>
-              <a:defRPr sz="2000" kern="1200">
-                <a:gradFill>
-                  <a:gsLst>
-                    <a:gs pos="0">
-                      <a:schemeClr val="tx1">
-                        <a:lumMod val="90000"/>
-                        <a:lumOff val="10000"/>
-                      </a:schemeClr>
-                    </a:gs>
-                    <a:gs pos="86000">
-                      <a:schemeClr val="tx1">
-                        <a:lumMod val="90000"/>
-                        <a:lumOff val="10000"/>
-                      </a:schemeClr>
-                    </a:gs>
-                  </a:gsLst>
-                  <a:lin ang="5400000" scaled="0"/>
-                </a:gradFill>
-                <a:latin typeface="+mn-lt"/>
-                <a:ea typeface="+mn-ea"/>
-                <a:cs typeface="+mn-cs"/>
-              </a:defRPr>
-            </a:lvl4pPr>
-            <a:lvl5pPr marL="1941513" indent="-336550" algn="l" defTabSz="914363" rtl="0" eaLnBrk="1" latinLnBrk="0" hangingPunct="1">
-              <a:lnSpc>
-                <a:spcPct val="90000"/>
-              </a:lnSpc>
-              <a:spcBef>
-                <a:spcPct val="20000"/>
-              </a:spcBef>
-              <a:buSzPct val="80000"/>
-              <a:buFontTx/>
-              <a:buBlip>
-                <a:blip r:embed="rId5"/>
-              </a:buBlip>
-              <a:defRPr sz="2000" kern="1200">
-                <a:gradFill>
-                  <a:gsLst>
-                    <a:gs pos="0">
-                      <a:schemeClr val="tx1">
-                        <a:lumMod val="90000"/>
-                        <a:lumOff val="10000"/>
-                      </a:schemeClr>
-                    </a:gs>
-                    <a:gs pos="86000">
-                      <a:schemeClr val="tx1">
-                        <a:lumMod val="90000"/>
-                        <a:lumOff val="10000"/>
-                      </a:schemeClr>
-                    </a:gs>
-                  </a:gsLst>
-                  <a:lin ang="5400000" scaled="0"/>
-                </a:gradFill>
-                <a:latin typeface="+mn-lt"/>
-                <a:ea typeface="+mn-ea"/>
-                <a:cs typeface="+mn-cs"/>
-              </a:defRPr>
-            </a:lvl5pPr>
-            <a:lvl6pPr marL="2514499" indent="-228591" algn="l" defTabSz="914363" rtl="0" eaLnBrk="1" latinLnBrk="0" hangingPunct="1">
-              <a:spcBef>
-                <a:spcPct val="20000"/>
-              </a:spcBef>
-              <a:buFont typeface="Arial" pitchFamily="34" charset="0"/>
-              <a:buChar char="•"/>
-              <a:defRPr sz="2000" kern="1200">
-                <a:solidFill>
-                  <a:schemeClr val="tx1"/>
-                </a:solidFill>
-                <a:latin typeface="+mn-lt"/>
-                <a:ea typeface="+mn-ea"/>
-                <a:cs typeface="+mn-cs"/>
-              </a:defRPr>
-            </a:lvl6pPr>
-            <a:lvl7pPr marL="2971681" indent="-228591" algn="l" defTabSz="914363" rtl="0" eaLnBrk="1" latinLnBrk="0" hangingPunct="1">
-              <a:spcBef>
-                <a:spcPct val="20000"/>
-              </a:spcBef>
-              <a:buFont typeface="Arial" pitchFamily="34" charset="0"/>
-              <a:buChar char="•"/>
-              <a:defRPr sz="2000" kern="1200">
-                <a:solidFill>
-                  <a:schemeClr val="tx1"/>
-                </a:solidFill>
-                <a:latin typeface="+mn-lt"/>
-                <a:ea typeface="+mn-ea"/>
-                <a:cs typeface="+mn-cs"/>
-              </a:defRPr>
-            </a:lvl7pPr>
-            <a:lvl8pPr marL="3428863" indent="-228591" algn="l" defTabSz="914363" rtl="0" eaLnBrk="1" latinLnBrk="0" hangingPunct="1">
-              <a:spcBef>
-                <a:spcPct val="20000"/>
-              </a:spcBef>
-              <a:buFont typeface="Arial" pitchFamily="34" charset="0"/>
-              <a:buChar char="•"/>
-              <a:defRPr sz="2000" kern="1200">
-                <a:solidFill>
-                  <a:schemeClr val="tx1"/>
-                </a:solidFill>
-                <a:latin typeface="+mn-lt"/>
-                <a:ea typeface="+mn-ea"/>
-                <a:cs typeface="+mn-cs"/>
-              </a:defRPr>
-            </a:lvl8pPr>
-            <a:lvl9pPr marL="3886045" indent="-228591" algn="l" defTabSz="914363" rtl="0" eaLnBrk="1" latinLnBrk="0" hangingPunct="1">
-              <a:spcBef>
-                <a:spcPct val="20000"/>
-              </a:spcBef>
-              <a:buFont typeface="Arial" pitchFamily="34" charset="0"/>
-              <a:buChar char="•"/>
-              <a:defRPr sz="2000" kern="1200">
-                <a:solidFill>
-                  <a:schemeClr val="tx1"/>
-                </a:solidFill>
-                <a:latin typeface="+mn-lt"/>
-                <a:ea typeface="+mn-ea"/>
-                <a:cs typeface="+mn-cs"/>
-              </a:defRPr>
-            </a:lvl9pPr>
-          </a:lstStyle>
-          <a:p>
-            <a:r>
-              <a:rPr lang="en-US" sz="2800" dirty="0" smtClean="0">
-                <a:gradFill>
-                  <a:gsLst>
-                    <a:gs pos="0">
-                      <a:schemeClr val="accent2"/>
-                    </a:gs>
-                    <a:gs pos="100000">
-                      <a:schemeClr val="accent2"/>
-                    </a:gs>
-                  </a:gsLst>
-                  <a:lin ang="5400000" scaled="0"/>
-                </a:gradFill>
-              </a:rPr>
-              <a:t>Bulk Copy</a:t>
-            </a:r>
-            <a:endParaRPr lang="en-US" sz="2800" spc="-50" dirty="0" smtClean="0"/>
-          </a:p>
-          <a:p>
-            <a:r>
-              <a:rPr lang="en-US" sz="2000" spc="-50" dirty="0" smtClean="0">
-                <a:latin typeface="+mn-lt"/>
-              </a:rPr>
-              <a:t>Quick and Efficient</a:t>
-            </a:r>
-          </a:p>
-          <a:p>
-            <a:r>
-              <a:rPr lang="en-US" sz="2000" spc="-50" dirty="0" smtClean="0">
-                <a:latin typeface="+mn-lt"/>
-              </a:rPr>
-              <a:t>Built-in Retry</a:t>
-            </a:r>
-          </a:p>
-          <a:p>
-            <a:r>
-              <a:rPr lang="en-US" sz="2000" spc="-50" dirty="0" smtClean="0">
-                <a:latin typeface="+mn-lt"/>
-              </a:rPr>
-              <a:t>Easy to Maintain</a:t>
-            </a:r>
-            <a:endParaRPr lang="en-US" sz="2000" spc="-50" dirty="0">
-              <a:latin typeface="+mn-lt"/>
-            </a:endParaRPr>
-          </a:p>
-          <a:p>
-            <a:r>
-              <a:rPr lang="en-US" sz="2000" spc="-50" dirty="0" smtClean="0">
-                <a:latin typeface="+mn-lt"/>
-              </a:rPr>
-              <a:t>Flexible</a:t>
-            </a:r>
-          </a:p>
-          <a:p>
-            <a:r>
-              <a:rPr lang="en-US" sz="2000" spc="-50" dirty="0" smtClean="0">
-                <a:latin typeface="+mn-lt"/>
-              </a:rPr>
-              <a:t>Logging</a:t>
-            </a:r>
-          </a:p>
-        </p:txBody>
-      </p:sp>
     </p:spTree>
     <p:extLst>
       <p:ext uri="{BB962C8B-B14F-4D97-AF65-F5344CB8AC3E}">
-        <p14:creationId xmlns:p14="http://schemas.microsoft.com/office/powerpoint/2010/main" val="3105442166"/>
+        <p14:creationId xmlns:p14="http://schemas.microsoft.com/office/powerpoint/2010/main" val="4278837180"/>
       </p:ext>
     </p:extLst>
   </p:cSld>
@@ -22113,7 +24170,86 @@
   <p:timing>
     <p:tnLst>
       <p:par>
-        <p:cTn id="1" dur="indefinite" restart="never" nodeType="tmRoot"/>
+        <p:cTn id="1" dur="indefinite" restart="never" nodeType="tmRoot">
+          <p:childTnLst>
+            <p:seq concurrent="1" nextAc="seek">
+              <p:cTn id="2" dur="indefinite" nodeType="mainSeq">
+                <p:childTnLst>
+                  <p:par>
+                    <p:cTn id="3" fill="hold">
+                      <p:stCondLst>
+                        <p:cond delay="indefinite"/>
+                        <p:cond evt="onBegin" delay="0">
+                          <p:tn val="2"/>
+                        </p:cond>
+                      </p:stCondLst>
+                      <p:childTnLst>
+                        <p:par>
+                          <p:cTn id="4" fill="hold">
+                            <p:stCondLst>
+                              <p:cond delay="0"/>
+                            </p:stCondLst>
+                            <p:childTnLst>
+                              <p:par>
+                                <p:cTn id="5" presetID="10" presetClass="entr" presetSubtype="0" fill="hold" nodeType="withEffect">
+                                  <p:stCondLst>
+                                    <p:cond delay="0"/>
+                                  </p:stCondLst>
+                                  <p:childTnLst>
+                                    <p:set>
+                                      <p:cBhvr>
+                                        <p:cTn id="6" dur="1" fill="hold">
+                                          <p:stCondLst>
+                                            <p:cond delay="0"/>
+                                          </p:stCondLst>
+                                        </p:cTn>
+                                        <p:tgtEl>
+                                          <p:spTgt spid="7"/>
+                                        </p:tgtEl>
+                                        <p:attrNameLst>
+                                          <p:attrName>style.visibility</p:attrName>
+                                        </p:attrNameLst>
+                                      </p:cBhvr>
+                                      <p:to>
+                                        <p:strVal val="visible"/>
+                                      </p:to>
+                                    </p:set>
+                                    <p:animEffect transition="in" filter="fade">
+                                      <p:cBhvr>
+                                        <p:cTn id="7" dur="500"/>
+                                        <p:tgtEl>
+                                          <p:spTgt spid="7"/>
+                                        </p:tgtEl>
+                                      </p:cBhvr>
+                                    </p:animEffect>
+                                  </p:childTnLst>
+                                </p:cTn>
+                              </p:par>
+                            </p:childTnLst>
+                          </p:cTn>
+                        </p:par>
+                      </p:childTnLst>
+                    </p:cTn>
+                  </p:par>
+                </p:childTnLst>
+              </p:cTn>
+              <p:prevCondLst>
+                <p:cond evt="onPrev" delay="0">
+                  <p:tgtEl>
+                    <p:sldTgt/>
+                  </p:tgtEl>
+                </p:cond>
+              </p:prevCondLst>
+              <p:nextCondLst>
+                <p:cond evt="onNext" delay="0">
+                  <p:tgtEl>
+                    <p:sldTgt/>
+                  </p:tgtEl>
+                </p:cond>
+              </p:nextCondLst>
+            </p:seq>
+          </p:childTnLst>
+        </p:cTn>
       </p:par>
     </p:tnLst>
   </p:timing>
@@ -22158,79 +24294,155 @@
           <a:lstStyle/>
           <a:p>
             <a:r>
-              <a:rPr lang="en-US" dirty="0"/>
-              <a:t>SQL Server Integration Services</a:t>
-            </a:r>
+              <a:rPr lang="en-US" dirty="0" smtClean="0"/>
+              <a:t>SQL Server Data Tools</a:t>
+            </a:r>
+            <a:endParaRPr lang="en-US" dirty="0"/>
+          </a:p>
+        </p:txBody>
+      </p:sp>
+      <p:sp>
+        <p:nvSpPr>
+          <p:cNvPr id="944131" name="Rectangle 3"/>
+          <p:cNvSpPr>
+            <a:spLocks noGrp="1" noChangeArrowheads="1"/>
+          </p:cNvSpPr>
+          <p:nvPr>
+            <p:ph type="body" sz="quarter" idx="10"/>
+          </p:nvPr>
+        </p:nvSpPr>
+        <p:spPr>
+          <a:xfrm>
+            <a:off x="519112" y="1767660"/>
+            <a:ext cx="5326913" cy="1786643"/>
+          </a:xfrm>
+        </p:spPr>
+        <p:txBody>
+          <a:bodyPr/>
+          <a:lstStyle/>
+          <a:p>
+            <a:r>
+              <a:rPr lang="en-US" sz="3200" dirty="0" smtClean="0">
+                <a:gradFill>
+                  <a:gsLst>
+                    <a:gs pos="0">
+                      <a:schemeClr val="accent2"/>
+                    </a:gs>
+                    <a:gs pos="100000">
+                      <a:schemeClr val="accent2"/>
+                    </a:gs>
+                  </a:gsLst>
+                  <a:lin ang="5400000" scaled="0"/>
+                </a:gradFill>
+              </a:rPr>
+              <a:t>Key Benefits</a:t>
+            </a:r>
+            <a:endParaRPr lang="en-US" sz="3200" spc="-50" dirty="0" smtClean="0"/>
+          </a:p>
+          <a:p>
+            <a:r>
+              <a:rPr lang="en-US" sz="2400" spc="-50" dirty="0" smtClean="0">
+                <a:latin typeface="+mn-lt"/>
+              </a:rPr>
+              <a:t>Connected Development</a:t>
+            </a:r>
+          </a:p>
+          <a:p>
+            <a:r>
+              <a:rPr lang="en-US" sz="2400" spc="-50" dirty="0" smtClean="0">
+                <a:latin typeface="+mn-lt"/>
+              </a:rPr>
+              <a:t>Project Based Development</a:t>
+            </a:r>
+          </a:p>
+          <a:p>
+            <a:r>
+              <a:rPr lang="en-US" sz="2400" spc="-50" dirty="0" smtClean="0">
+                <a:latin typeface="+mn-lt"/>
+              </a:rPr>
+              <a:t>Schema Deployment</a:t>
+            </a:r>
+          </a:p>
+        </p:txBody>
+      </p:sp>
+      <p:sp>
+        <p:nvSpPr>
+          <p:cNvPr id="3" name="Rectangle 2"/>
+          <p:cNvSpPr/>
+          <p:nvPr>
+            <p:custDataLst>
+              <p:tags r:id="rId1"/>
+            </p:custDataLst>
+          </p:nvPr>
+        </p:nvSpPr>
+        <p:spPr bwMode="auto">
+          <a:xfrm>
+            <a:off x="7425069" y="1889469"/>
+            <a:ext cx="3139440" cy="3139440"/>
+          </a:xfrm>
+          <a:prstGeom prst="rect">
+            <a:avLst/>
+          </a:prstGeom>
+          <a:solidFill>
+            <a:schemeClr val="accent2"/>
+          </a:solidFill>
+          <a:ln>
+            <a:noFill/>
+            <a:headEnd type="none" w="med" len="med"/>
+            <a:tailEnd type="none" w="med" len="med"/>
+          </a:ln>
+          <a:effectLst/>
+        </p:spPr>
+        <p:style>
+          <a:lnRef idx="1">
+            <a:schemeClr val="accent2"/>
+          </a:lnRef>
+          <a:fillRef idx="3">
+            <a:schemeClr val="accent2"/>
+          </a:fillRef>
+          <a:effectRef idx="2">
+            <a:schemeClr val="accent2"/>
+          </a:effectRef>
+          <a:fontRef idx="minor">
+            <a:schemeClr val="lt1"/>
+          </a:fontRef>
+        </p:style>
+        <p:txBody>
+          <a:bodyPr vert="horz" wrap="square" lIns="140970" tIns="93980" rIns="140970" bIns="93980" numCol="1" rtlCol="0" anchor="b" anchorCtr="0" compatLnSpc="1">
+            <a:prstTxWarp prst="textNoShape">
+              <a:avLst/>
+            </a:prstTxWarp>
+          </a:bodyPr>
+          <a:lstStyle/>
+          <a:p>
+            <a:pPr defTabSz="914099" fontAlgn="base">
+              <a:spcBef>
+                <a:spcPct val="0"/>
+              </a:spcBef>
+              <a:spcAft>
+                <a:spcPct val="0"/>
+              </a:spcAft>
+            </a:pPr>
+            <a:endParaRPr lang="en-US" sz="3000" dirty="0" smtClean="0">
+              <a:gradFill flip="none" rotWithShape="1">
+                <a:gsLst>
+                  <a:gs pos="0">
+                    <a:srgbClr val="FFFFFF"/>
+                  </a:gs>
+                  <a:gs pos="100000">
+                    <a:srgbClr val="FFFFFF"/>
+                  </a:gs>
+                </a:gsLst>
+                <a:lin ang="5400000" scaled="0"/>
+                <a:tileRect/>
+              </a:gradFill>
+            </a:endParaRPr>
           </a:p>
         </p:txBody>
       </p:sp>
       <p:pic>
         <p:nvPicPr>
-          <p:cNvPr id="6" name="Picture 2"/>
-          <p:cNvPicPr>
-            <a:picLocks noChangeAspect="1" noChangeArrowheads="1"/>
-          </p:cNvPicPr>
-          <p:nvPr/>
-        </p:nvPicPr>
-        <p:blipFill>
-          <a:blip r:embed="rId3">
-            <a:extLst>
-              <a:ext uri="{28A0092B-C50C-407E-A947-70E740481C1C}">
-                <a14:useLocalDpi xmlns:a14="http://schemas.microsoft.com/office/drawing/2010/main" val="0"/>
-              </a:ext>
-            </a:extLst>
-          </a:blip>
-          <a:srcRect/>
-          <a:stretch>
-            <a:fillRect/>
-          </a:stretch>
-        </p:blipFill>
-        <p:spPr bwMode="auto">
-          <a:xfrm>
-            <a:off x="6916369" y="1461950"/>
-            <a:ext cx="4803959" cy="1906571"/>
-          </a:xfrm>
-          <a:prstGeom prst="rect">
-            <a:avLst/>
-          </a:prstGeom>
-          <a:noFill/>
-          <a:ln>
-            <a:noFill/>
-          </a:ln>
-          <a:effectLst/>
-          <a:extLst>
-            <a:ext uri="{909E8E84-426E-40DD-AFC4-6F175D3DCCD1}">
-              <a14:hiddenFill xmlns:a14="http://schemas.microsoft.com/office/drawing/2010/main">
-                <a:solidFill>
-                  <a:schemeClr val="accent1"/>
-                </a:solidFill>
-              </a14:hiddenFill>
-            </a:ext>
-            <a:ext uri="{91240B29-F687-4F45-9708-019B960494DF}">
-              <a14:hiddenLine xmlns:a14="http://schemas.microsoft.com/office/drawing/2010/main" w="9525">
-                <a:solidFill>
-                  <a:schemeClr val="tx1"/>
-                </a:solidFill>
-                <a:miter lim="800000"/>
-                <a:headEnd/>
-                <a:tailEnd/>
-              </a14:hiddenLine>
-            </a:ext>
-            <a:ext uri="{AF507438-7753-43E0-B8FC-AC1667EBCBE1}">
-              <a14:hiddenEffects xmlns:a14="http://schemas.microsoft.com/office/drawing/2010/main">
-                <a:effectLst>
-                  <a:outerShdw dist="35921" dir="2700000" algn="ctr" rotWithShape="0">
-                    <a:schemeClr val="bg2"/>
-                  </a:outerShdw>
-                </a:effectLst>
-              </a14:hiddenEffects>
-            </a:ext>
-          </a:extLst>
-        </p:spPr>
-      </p:pic>
-      <p:pic>
-        <p:nvPicPr>
-          <p:cNvPr id="7" name="Picture 3"/>
+          <p:cNvPr id="6" name="Picture 3" descr="C:\Users\scottkl\AppData\Local\MetroStyleAddIn\Icons\Capabilities, Tools.wmf"/>
           <p:cNvPicPr>
             <a:picLocks noChangeAspect="1" noChangeArrowheads="1"/>
           </p:cNvPicPr>
@@ -22251,363 +24463,28 @@
         </p:blipFill>
         <p:spPr bwMode="auto">
           <a:xfrm>
-            <a:off x="9620213" y="3543079"/>
-            <a:ext cx="2100115" cy="1463306"/>
+            <a:off x="7562512" y="2124413"/>
+            <a:ext cx="2864554" cy="2669551"/>
           </a:xfrm>
           <a:prstGeom prst="rect">
             <a:avLst/>
           </a:prstGeom>
           <a:noFill/>
-          <a:ln>
-            <a:noFill/>
-          </a:ln>
-          <a:effectLst/>
           <a:extLst>
             <a:ext uri="{909E8E84-426E-40DD-AFC4-6F175D3DCCD1}">
               <a14:hiddenFill xmlns:a14="http://schemas.microsoft.com/office/drawing/2010/main">
                 <a:solidFill>
-                  <a:schemeClr val="accent1"/>
+                  <a:srgbClr val="FFFFFF"/>
                 </a:solidFill>
               </a14:hiddenFill>
-            </a:ext>
-            <a:ext uri="{91240B29-F687-4F45-9708-019B960494DF}">
-              <a14:hiddenLine xmlns:a14="http://schemas.microsoft.com/office/drawing/2010/main" w="9525">
-                <a:solidFill>
-                  <a:schemeClr val="tx1"/>
-                </a:solidFill>
-                <a:miter lim="800000"/>
-                <a:headEnd/>
-                <a:tailEnd/>
-              </a14:hiddenLine>
-            </a:ext>
-            <a:ext uri="{AF507438-7753-43E0-B8FC-AC1667EBCBE1}">
-              <a14:hiddenEffects xmlns:a14="http://schemas.microsoft.com/office/drawing/2010/main">
-                <a:effectLst>
-                  <a:outerShdw dist="35921" dir="2700000" algn="ctr" rotWithShape="0">
-                    <a:schemeClr val="bg2"/>
-                  </a:outerShdw>
-                </a:effectLst>
-              </a14:hiddenEffects>
             </a:ext>
           </a:extLst>
         </p:spPr>
       </p:pic>
-      <p:sp>
-        <p:nvSpPr>
-          <p:cNvPr id="8" name="Rectangle 3"/>
-          <p:cNvSpPr txBox="1">
-            <a:spLocks noChangeArrowheads="1"/>
-          </p:cNvSpPr>
-          <p:nvPr/>
-        </p:nvSpPr>
-        <p:spPr>
-          <a:xfrm>
-            <a:off x="519112" y="1461950"/>
-            <a:ext cx="8623005" cy="2349874"/>
-          </a:xfrm>
-          <a:prstGeom prst="rect">
-            <a:avLst/>
-          </a:prstGeom>
-        </p:spPr>
-        <p:txBody>
-          <a:bodyPr vert="horz" wrap="square" lIns="0" tIns="0" rIns="0" bIns="0" rtlCol="0">
-            <a:spAutoFit/>
-          </a:bodyPr>
-          <a:lstStyle>
-            <a:lvl1pPr marL="3175" indent="0" algn="l" defTabSz="914363" rtl="0" eaLnBrk="1" latinLnBrk="0" hangingPunct="1">
-              <a:lnSpc>
-                <a:spcPct val="90000"/>
-              </a:lnSpc>
-              <a:spcBef>
-                <a:spcPts val="0"/>
-              </a:spcBef>
-              <a:spcAft>
-                <a:spcPts val="900"/>
-              </a:spcAft>
-              <a:buSzPct val="80000"/>
-              <a:buFont typeface="Arial" pitchFamily="34" charset="0"/>
-              <a:buNone/>
-              <a:defRPr sz="4000" kern="1200" spc="-100" baseline="0">
-                <a:gradFill>
-                  <a:gsLst>
-                    <a:gs pos="0">
-                      <a:srgbClr val="595959"/>
-                    </a:gs>
-                    <a:gs pos="86000">
-                      <a:srgbClr val="595959"/>
-                    </a:gs>
-                  </a:gsLst>
-                  <a:lin ang="5400000" scaled="0"/>
-                </a:gradFill>
-                <a:latin typeface="Segoe UI Light" pitchFamily="34" charset="0"/>
-                <a:ea typeface="+mn-ea"/>
-                <a:cs typeface="+mn-cs"/>
-              </a:defRPr>
-            </a:lvl1pPr>
-            <a:lvl2pPr marL="3175" indent="0" algn="l" defTabSz="914363" rtl="0" eaLnBrk="1" latinLnBrk="0" hangingPunct="1">
-              <a:lnSpc>
-                <a:spcPct val="90000"/>
-              </a:lnSpc>
-              <a:spcBef>
-                <a:spcPts val="0"/>
-              </a:spcBef>
-              <a:buSzPct val="80000"/>
-              <a:buFont typeface="Arial" pitchFamily="34" charset="0"/>
-              <a:buNone/>
-              <a:defRPr sz="2000" kern="1200" spc="-50" baseline="0">
-                <a:gradFill>
-                  <a:gsLst>
-                    <a:gs pos="0">
-                      <a:srgbClr val="595959"/>
-                    </a:gs>
-                    <a:gs pos="86000">
-                      <a:srgbClr val="595959"/>
-                    </a:gs>
-                  </a:gsLst>
-                  <a:lin ang="5400000" scaled="0"/>
-                </a:gradFill>
-                <a:latin typeface="+mn-lt"/>
-                <a:ea typeface="+mn-ea"/>
-                <a:cs typeface="+mn-cs"/>
-              </a:defRPr>
-            </a:lvl2pPr>
-            <a:lvl3pPr marL="1258888" indent="-403225" algn="l" defTabSz="914363" rtl="0" eaLnBrk="1" latinLnBrk="0" hangingPunct="1">
-              <a:lnSpc>
-                <a:spcPct val="90000"/>
-              </a:lnSpc>
-              <a:spcBef>
-                <a:spcPct val="20000"/>
-              </a:spcBef>
-              <a:buSzPct val="80000"/>
-              <a:buFontTx/>
-              <a:buBlip>
-                <a:blip r:embed="rId5"/>
-              </a:buBlip>
-              <a:defRPr sz="2400" kern="1200">
-                <a:gradFill>
-                  <a:gsLst>
-                    <a:gs pos="0">
-                      <a:schemeClr val="tx1">
-                        <a:lumMod val="90000"/>
-                        <a:lumOff val="10000"/>
-                      </a:schemeClr>
-                    </a:gs>
-                    <a:gs pos="86000">
-                      <a:schemeClr val="tx1">
-                        <a:lumMod val="90000"/>
-                        <a:lumOff val="10000"/>
-                      </a:schemeClr>
-                    </a:gs>
-                  </a:gsLst>
-                  <a:lin ang="5400000" scaled="0"/>
-                </a:gradFill>
-                <a:latin typeface="+mn-lt"/>
-                <a:ea typeface="+mn-ea"/>
-                <a:cs typeface="+mn-cs"/>
-              </a:defRPr>
-            </a:lvl3pPr>
-            <a:lvl4pPr marL="1604963" indent="-346075" algn="l" defTabSz="914363" rtl="0" eaLnBrk="1" latinLnBrk="0" hangingPunct="1">
-              <a:lnSpc>
-                <a:spcPct val="90000"/>
-              </a:lnSpc>
-              <a:spcBef>
-                <a:spcPct val="20000"/>
-              </a:spcBef>
-              <a:buSzPct val="80000"/>
-              <a:buFontTx/>
-              <a:buBlip>
-                <a:blip r:embed="rId5"/>
-              </a:buBlip>
-              <a:defRPr sz="2000" kern="1200">
-                <a:gradFill>
-                  <a:gsLst>
-                    <a:gs pos="0">
-                      <a:schemeClr val="tx1">
-                        <a:lumMod val="90000"/>
-                        <a:lumOff val="10000"/>
-                      </a:schemeClr>
-                    </a:gs>
-                    <a:gs pos="86000">
-                      <a:schemeClr val="tx1">
-                        <a:lumMod val="90000"/>
-                        <a:lumOff val="10000"/>
-                      </a:schemeClr>
-                    </a:gs>
-                  </a:gsLst>
-                  <a:lin ang="5400000" scaled="0"/>
-                </a:gradFill>
-                <a:latin typeface="+mn-lt"/>
-                <a:ea typeface="+mn-ea"/>
-                <a:cs typeface="+mn-cs"/>
-              </a:defRPr>
-            </a:lvl4pPr>
-            <a:lvl5pPr marL="1941513" indent="-336550" algn="l" defTabSz="914363" rtl="0" eaLnBrk="1" latinLnBrk="0" hangingPunct="1">
-              <a:lnSpc>
-                <a:spcPct val="90000"/>
-              </a:lnSpc>
-              <a:spcBef>
-                <a:spcPct val="20000"/>
-              </a:spcBef>
-              <a:buSzPct val="80000"/>
-              <a:buFontTx/>
-              <a:buBlip>
-                <a:blip r:embed="rId5"/>
-              </a:buBlip>
-              <a:defRPr sz="2000" kern="1200">
-                <a:gradFill>
-                  <a:gsLst>
-                    <a:gs pos="0">
-                      <a:schemeClr val="tx1">
-                        <a:lumMod val="90000"/>
-                        <a:lumOff val="10000"/>
-                      </a:schemeClr>
-                    </a:gs>
-                    <a:gs pos="86000">
-                      <a:schemeClr val="tx1">
-                        <a:lumMod val="90000"/>
-                        <a:lumOff val="10000"/>
-                      </a:schemeClr>
-                    </a:gs>
-                  </a:gsLst>
-                  <a:lin ang="5400000" scaled="0"/>
-                </a:gradFill>
-                <a:latin typeface="+mn-lt"/>
-                <a:ea typeface="+mn-ea"/>
-                <a:cs typeface="+mn-cs"/>
-              </a:defRPr>
-            </a:lvl5pPr>
-            <a:lvl6pPr marL="2514499" indent="-228591" algn="l" defTabSz="914363" rtl="0" eaLnBrk="1" latinLnBrk="0" hangingPunct="1">
-              <a:spcBef>
-                <a:spcPct val="20000"/>
-              </a:spcBef>
-              <a:buFont typeface="Arial" pitchFamily="34" charset="0"/>
-              <a:buChar char="•"/>
-              <a:defRPr sz="2000" kern="1200">
-                <a:solidFill>
-                  <a:schemeClr val="tx1"/>
-                </a:solidFill>
-                <a:latin typeface="+mn-lt"/>
-                <a:ea typeface="+mn-ea"/>
-                <a:cs typeface="+mn-cs"/>
-              </a:defRPr>
-            </a:lvl6pPr>
-            <a:lvl7pPr marL="2971681" indent="-228591" algn="l" defTabSz="914363" rtl="0" eaLnBrk="1" latinLnBrk="0" hangingPunct="1">
-              <a:spcBef>
-                <a:spcPct val="20000"/>
-              </a:spcBef>
-              <a:buFont typeface="Arial" pitchFamily="34" charset="0"/>
-              <a:buChar char="•"/>
-              <a:defRPr sz="2000" kern="1200">
-                <a:solidFill>
-                  <a:schemeClr val="tx1"/>
-                </a:solidFill>
-                <a:latin typeface="+mn-lt"/>
-                <a:ea typeface="+mn-ea"/>
-                <a:cs typeface="+mn-cs"/>
-              </a:defRPr>
-            </a:lvl7pPr>
-            <a:lvl8pPr marL="3428863" indent="-228591" algn="l" defTabSz="914363" rtl="0" eaLnBrk="1" latinLnBrk="0" hangingPunct="1">
-              <a:spcBef>
-                <a:spcPct val="20000"/>
-              </a:spcBef>
-              <a:buFont typeface="Arial" pitchFamily="34" charset="0"/>
-              <a:buChar char="•"/>
-              <a:defRPr sz="2000" kern="1200">
-                <a:solidFill>
-                  <a:schemeClr val="tx1"/>
-                </a:solidFill>
-                <a:latin typeface="+mn-lt"/>
-                <a:ea typeface="+mn-ea"/>
-                <a:cs typeface="+mn-cs"/>
-              </a:defRPr>
-            </a:lvl8pPr>
-            <a:lvl9pPr marL="3886045" indent="-228591" algn="l" defTabSz="914363" rtl="0" eaLnBrk="1" latinLnBrk="0" hangingPunct="1">
-              <a:spcBef>
-                <a:spcPct val="20000"/>
-              </a:spcBef>
-              <a:buFont typeface="Arial" pitchFamily="34" charset="0"/>
-              <a:buChar char="•"/>
-              <a:defRPr sz="2000" kern="1200">
-                <a:solidFill>
-                  <a:schemeClr val="tx1"/>
-                </a:solidFill>
-                <a:latin typeface="+mn-lt"/>
-                <a:ea typeface="+mn-ea"/>
-                <a:cs typeface="+mn-cs"/>
-              </a:defRPr>
-            </a:lvl9pPr>
-          </a:lstStyle>
-          <a:p>
-            <a:r>
-              <a:rPr lang="en-US" sz="2800" dirty="0" smtClean="0">
-                <a:gradFill>
-                  <a:gsLst>
-                    <a:gs pos="0">
-                      <a:schemeClr val="accent2"/>
-                    </a:gs>
-                    <a:gs pos="100000">
-                      <a:schemeClr val="accent2"/>
-                    </a:gs>
-                  </a:gsLst>
-                  <a:lin ang="5400000" scaled="0"/>
-                </a:gradFill>
-              </a:rPr>
-              <a:t>Data Integration and Transformation</a:t>
-            </a:r>
-            <a:endParaRPr lang="en-US" sz="2800" spc="-50" dirty="0" smtClean="0"/>
-          </a:p>
-          <a:p>
-            <a:r>
-              <a:rPr lang="en-US" sz="2000" spc="-50" dirty="0" smtClean="0">
-                <a:latin typeface="+mn-lt"/>
-              </a:rPr>
-              <a:t>Graphical UI</a:t>
-            </a:r>
-          </a:p>
-          <a:p>
-            <a:r>
-              <a:rPr lang="en-US" sz="2000" spc="-50" dirty="0" smtClean="0">
-                <a:latin typeface="+mn-lt"/>
-              </a:rPr>
-              <a:t>Easy to Maintain</a:t>
-            </a:r>
-            <a:endParaRPr lang="en-US" sz="2000" spc="-50" dirty="0">
-              <a:latin typeface="+mn-lt"/>
-            </a:endParaRPr>
-          </a:p>
-          <a:p>
-            <a:r>
-              <a:rPr lang="en-US" sz="2000" spc="-50" dirty="0" smtClean="0">
-                <a:latin typeface="+mn-lt"/>
-              </a:rPr>
-              <a:t>Built-in Logging</a:t>
-            </a:r>
-          </a:p>
-          <a:p>
-            <a:r>
-              <a:rPr lang="en-US" sz="2000" spc="-50" dirty="0" smtClean="0">
-                <a:latin typeface="+mn-lt"/>
-              </a:rPr>
-              <a:t>No  Code</a:t>
-            </a:r>
-          </a:p>
-          <a:p>
-            <a:r>
-              <a:rPr lang="en-US" sz="2000" spc="-50" dirty="0" smtClean="0">
-                <a:latin typeface="+mn-lt"/>
-              </a:rPr>
-              <a:t>Create Custom Tasks</a:t>
-            </a:r>
-            <a:endParaRPr lang="en-US" sz="2000" spc="-50" dirty="0" smtClean="0">
-              <a:latin typeface="+mn-lt"/>
-            </a:endParaRPr>
-          </a:p>
-        </p:txBody>
-      </p:sp>
     </p:spTree>
     <p:extLst>
       <p:ext uri="{BB962C8B-B14F-4D97-AF65-F5344CB8AC3E}">
-        <p14:creationId xmlns:p14="http://schemas.microsoft.com/office/powerpoint/2010/main" val="2529553805"/>
+        <p14:creationId xmlns:p14="http://schemas.microsoft.com/office/powerpoint/2010/main" val="516995793"/>
       </p:ext>
     </p:extLst>
   </p:cSld>
@@ -22630,6 +24507,16 @@
 <file path=ppt/slides/slide15.xml><?xml version="1.0" encoding="utf-8"?>
 <p:sld xmlns:a="http://schemas.openxmlformats.org/drawingml/2006/main" xmlns:r="http://schemas.openxmlformats.org/officeDocument/2006/relationships" xmlns:p="http://schemas.openxmlformats.org/presentationml/2006/main">
   <p:cSld>
+    <p:bg>
+      <p:bgPr>
+        <a:solidFill>
+          <a:schemeClr val="accent2">
+            <a:alpha val="99000"/>
+          </a:schemeClr>
+        </a:solidFill>
+        <a:effectLst/>
+      </p:bgPr>
+    </p:bg>
     <p:spTree>
       <p:nvGrpSpPr>
         <p:cNvPr id="1" name=""/>
@@ -22646,18 +24533,18 @@
       </p:grpSpPr>
       <p:sp>
         <p:nvSpPr>
-          <p:cNvPr id="944130" name="Rectangle 2"/>
+          <p:cNvPr id="2" name="Title 1"/>
           <p:cNvSpPr>
-            <a:spLocks noGrp="1" noChangeArrowheads="1"/>
+            <a:spLocks noGrp="1"/>
           </p:cNvSpPr>
           <p:nvPr>
-            <p:ph type="title"/>
+            <p:ph type="ctrTitle"/>
           </p:nvPr>
         </p:nvSpPr>
         <p:spPr>
           <a:xfrm>
-            <a:off x="519112" y="228600"/>
-            <a:ext cx="11149013" cy="747897"/>
+            <a:off x="1889125" y="1447800"/>
+            <a:ext cx="6935898" cy="1523494"/>
           </a:xfrm>
         </p:spPr>
         <p:txBody>
@@ -22665,392 +24552,40 @@
           <a:lstStyle/>
           <a:p>
             <a:r>
-              <a:rPr lang="en-US" dirty="0"/>
-              <a:t>Generate Scripts Wizard</a:t>
-            </a:r>
+              <a:rPr lang="en-US" sz="4800" dirty="0" smtClean="0"/>
+              <a:t>SSDT</a:t>
+            </a:r>
+            <a:endParaRPr lang="en-US" sz="4800" dirty="0"/>
           </a:p>
         </p:txBody>
       </p:sp>
-      <p:pic>
-        <p:nvPicPr>
-          <p:cNvPr id="8" name="Picture 2"/>
-          <p:cNvPicPr>
-            <a:picLocks noChangeAspect="1" noChangeArrowheads="1"/>
-          </p:cNvPicPr>
-          <p:nvPr/>
-        </p:nvPicPr>
-        <p:blipFill>
-          <a:blip r:embed="rId3">
-            <a:extLst>
-              <a:ext uri="{28A0092B-C50C-407E-A947-70E740481C1C}">
-                <a14:useLocalDpi xmlns:a14="http://schemas.microsoft.com/office/drawing/2010/main" val="0"/>
-              </a:ext>
-            </a:extLst>
-          </a:blip>
-          <a:srcRect/>
-          <a:stretch>
-            <a:fillRect/>
-          </a:stretch>
-        </p:blipFill>
-        <p:spPr bwMode="auto">
-          <a:xfrm>
-            <a:off x="7176902" y="2631531"/>
-            <a:ext cx="4543425" cy="1695450"/>
-          </a:xfrm>
-          <a:prstGeom prst="rect">
-            <a:avLst/>
-          </a:prstGeom>
-          <a:noFill/>
-          <a:ln>
-            <a:noFill/>
-          </a:ln>
-          <a:effectLst/>
-          <a:extLst>
-            <a:ext uri="{909E8E84-426E-40DD-AFC4-6F175D3DCCD1}">
-              <a14:hiddenFill xmlns:a14="http://schemas.microsoft.com/office/drawing/2010/main">
-                <a:solidFill>
-                  <a:schemeClr val="accent1"/>
-                </a:solidFill>
-              </a14:hiddenFill>
-            </a:ext>
-            <a:ext uri="{91240B29-F687-4F45-9708-019B960494DF}">
-              <a14:hiddenLine xmlns:a14="http://schemas.microsoft.com/office/drawing/2010/main" w="9525">
-                <a:solidFill>
-                  <a:schemeClr val="tx1"/>
-                </a:solidFill>
-                <a:miter lim="800000"/>
-                <a:headEnd/>
-                <a:tailEnd/>
-              </a14:hiddenLine>
-            </a:ext>
-            <a:ext uri="{AF507438-7753-43E0-B8FC-AC1667EBCBE1}">
-              <a14:hiddenEffects xmlns:a14="http://schemas.microsoft.com/office/drawing/2010/main">
-                <a:effectLst>
-                  <a:outerShdw dist="35921" dir="2700000" algn="ctr" rotWithShape="0">
-                    <a:schemeClr val="bg2"/>
-                  </a:outerShdw>
-                </a:effectLst>
-              </a14:hiddenEffects>
-            </a:ext>
-          </a:extLst>
-        </p:spPr>
-      </p:pic>
       <p:sp>
         <p:nvSpPr>
-          <p:cNvPr id="5" name="Rectangle 3"/>
-          <p:cNvSpPr txBox="1">
-            <a:spLocks noChangeArrowheads="1"/>
+          <p:cNvPr id="4" name="Text Placeholder 3"/>
+          <p:cNvSpPr>
+            <a:spLocks noGrp="1"/>
           </p:cNvSpPr>
-          <p:nvPr/>
+          <p:nvPr>
+            <p:ph type="body" sz="quarter" idx="10"/>
+          </p:nvPr>
         </p:nvSpPr>
-        <p:spPr>
-          <a:xfrm>
-            <a:off x="519112" y="1477872"/>
-            <a:ext cx="8623005" cy="2349874"/>
-          </a:xfrm>
-          <a:prstGeom prst="rect">
-            <a:avLst/>
-          </a:prstGeom>
-        </p:spPr>
+        <p:spPr/>
         <p:txBody>
-          <a:bodyPr vert="horz" wrap="square" lIns="0" tIns="0" rIns="0" bIns="0" rtlCol="0">
-            <a:spAutoFit/>
-          </a:bodyPr>
-          <a:lstStyle>
-            <a:lvl1pPr marL="3175" indent="0" algn="l" defTabSz="914363" rtl="0" eaLnBrk="1" latinLnBrk="0" hangingPunct="1">
-              <a:lnSpc>
-                <a:spcPct val="90000"/>
-              </a:lnSpc>
-              <a:spcBef>
-                <a:spcPts val="0"/>
-              </a:spcBef>
-              <a:spcAft>
-                <a:spcPts val="900"/>
-              </a:spcAft>
-              <a:buSzPct val="80000"/>
-              <a:buFont typeface="Arial" pitchFamily="34" charset="0"/>
-              <a:buNone/>
-              <a:defRPr sz="4000" kern="1200" spc="-100" baseline="0">
-                <a:gradFill>
-                  <a:gsLst>
-                    <a:gs pos="0">
-                      <a:srgbClr val="595959"/>
-                    </a:gs>
-                    <a:gs pos="86000">
-                      <a:srgbClr val="595959"/>
-                    </a:gs>
-                  </a:gsLst>
-                  <a:lin ang="5400000" scaled="0"/>
-                </a:gradFill>
-                <a:latin typeface="Segoe UI Light" pitchFamily="34" charset="0"/>
-                <a:ea typeface="+mn-ea"/>
-                <a:cs typeface="+mn-cs"/>
-              </a:defRPr>
-            </a:lvl1pPr>
-            <a:lvl2pPr marL="3175" indent="0" algn="l" defTabSz="914363" rtl="0" eaLnBrk="1" latinLnBrk="0" hangingPunct="1">
-              <a:lnSpc>
-                <a:spcPct val="90000"/>
-              </a:lnSpc>
-              <a:spcBef>
-                <a:spcPts val="0"/>
-              </a:spcBef>
-              <a:buSzPct val="80000"/>
-              <a:buFont typeface="Arial" pitchFamily="34" charset="0"/>
-              <a:buNone/>
-              <a:defRPr sz="2000" kern="1200" spc="-50" baseline="0">
-                <a:gradFill>
-                  <a:gsLst>
-                    <a:gs pos="0">
-                      <a:srgbClr val="595959"/>
-                    </a:gs>
-                    <a:gs pos="86000">
-                      <a:srgbClr val="595959"/>
-                    </a:gs>
-                  </a:gsLst>
-                  <a:lin ang="5400000" scaled="0"/>
-                </a:gradFill>
-                <a:latin typeface="+mn-lt"/>
-                <a:ea typeface="+mn-ea"/>
-                <a:cs typeface="+mn-cs"/>
-              </a:defRPr>
-            </a:lvl2pPr>
-            <a:lvl3pPr marL="1258888" indent="-403225" algn="l" defTabSz="914363" rtl="0" eaLnBrk="1" latinLnBrk="0" hangingPunct="1">
-              <a:lnSpc>
-                <a:spcPct val="90000"/>
-              </a:lnSpc>
-              <a:spcBef>
-                <a:spcPct val="20000"/>
-              </a:spcBef>
-              <a:buSzPct val="80000"/>
-              <a:buFontTx/>
-              <a:buBlip>
-                <a:blip r:embed="rId4"/>
-              </a:buBlip>
-              <a:defRPr sz="2400" kern="1200">
-                <a:gradFill>
-                  <a:gsLst>
-                    <a:gs pos="0">
-                      <a:schemeClr val="tx1">
-                        <a:lumMod val="90000"/>
-                        <a:lumOff val="10000"/>
-                      </a:schemeClr>
-                    </a:gs>
-                    <a:gs pos="86000">
-                      <a:schemeClr val="tx1">
-                        <a:lumMod val="90000"/>
-                        <a:lumOff val="10000"/>
-                      </a:schemeClr>
-                    </a:gs>
-                  </a:gsLst>
-                  <a:lin ang="5400000" scaled="0"/>
-                </a:gradFill>
-                <a:latin typeface="+mn-lt"/>
-                <a:ea typeface="+mn-ea"/>
-                <a:cs typeface="+mn-cs"/>
-              </a:defRPr>
-            </a:lvl3pPr>
-            <a:lvl4pPr marL="1604963" indent="-346075" algn="l" defTabSz="914363" rtl="0" eaLnBrk="1" latinLnBrk="0" hangingPunct="1">
-              <a:lnSpc>
-                <a:spcPct val="90000"/>
-              </a:lnSpc>
-              <a:spcBef>
-                <a:spcPct val="20000"/>
-              </a:spcBef>
-              <a:buSzPct val="80000"/>
-              <a:buFontTx/>
-              <a:buBlip>
-                <a:blip r:embed="rId4"/>
-              </a:buBlip>
-              <a:defRPr sz="2000" kern="1200">
-                <a:gradFill>
-                  <a:gsLst>
-                    <a:gs pos="0">
-                      <a:schemeClr val="tx1">
-                        <a:lumMod val="90000"/>
-                        <a:lumOff val="10000"/>
-                      </a:schemeClr>
-                    </a:gs>
-                    <a:gs pos="86000">
-                      <a:schemeClr val="tx1">
-                        <a:lumMod val="90000"/>
-                        <a:lumOff val="10000"/>
-                      </a:schemeClr>
-                    </a:gs>
-                  </a:gsLst>
-                  <a:lin ang="5400000" scaled="0"/>
-                </a:gradFill>
-                <a:latin typeface="+mn-lt"/>
-                <a:ea typeface="+mn-ea"/>
-                <a:cs typeface="+mn-cs"/>
-              </a:defRPr>
-            </a:lvl4pPr>
-            <a:lvl5pPr marL="1941513" indent="-336550" algn="l" defTabSz="914363" rtl="0" eaLnBrk="1" latinLnBrk="0" hangingPunct="1">
-              <a:lnSpc>
-                <a:spcPct val="90000"/>
-              </a:lnSpc>
-              <a:spcBef>
-                <a:spcPct val="20000"/>
-              </a:spcBef>
-              <a:buSzPct val="80000"/>
-              <a:buFontTx/>
-              <a:buBlip>
-                <a:blip r:embed="rId4"/>
-              </a:buBlip>
-              <a:defRPr sz="2000" kern="1200">
-                <a:gradFill>
-                  <a:gsLst>
-                    <a:gs pos="0">
-                      <a:schemeClr val="tx1">
-                        <a:lumMod val="90000"/>
-                        <a:lumOff val="10000"/>
-                      </a:schemeClr>
-                    </a:gs>
-                    <a:gs pos="86000">
-                      <a:schemeClr val="tx1">
-                        <a:lumMod val="90000"/>
-                        <a:lumOff val="10000"/>
-                      </a:schemeClr>
-                    </a:gs>
-                  </a:gsLst>
-                  <a:lin ang="5400000" scaled="0"/>
-                </a:gradFill>
-                <a:latin typeface="+mn-lt"/>
-                <a:ea typeface="+mn-ea"/>
-                <a:cs typeface="+mn-cs"/>
-              </a:defRPr>
-            </a:lvl5pPr>
-            <a:lvl6pPr marL="2514499" indent="-228591" algn="l" defTabSz="914363" rtl="0" eaLnBrk="1" latinLnBrk="0" hangingPunct="1">
-              <a:spcBef>
-                <a:spcPct val="20000"/>
-              </a:spcBef>
-              <a:buFont typeface="Arial" pitchFamily="34" charset="0"/>
-              <a:buChar char="•"/>
-              <a:defRPr sz="2000" kern="1200">
-                <a:solidFill>
-                  <a:schemeClr val="tx1"/>
-                </a:solidFill>
-                <a:latin typeface="+mn-lt"/>
-                <a:ea typeface="+mn-ea"/>
-                <a:cs typeface="+mn-cs"/>
-              </a:defRPr>
-            </a:lvl6pPr>
-            <a:lvl7pPr marL="2971681" indent="-228591" algn="l" defTabSz="914363" rtl="0" eaLnBrk="1" latinLnBrk="0" hangingPunct="1">
-              <a:spcBef>
-                <a:spcPct val="20000"/>
-              </a:spcBef>
-              <a:buFont typeface="Arial" pitchFamily="34" charset="0"/>
-              <a:buChar char="•"/>
-              <a:defRPr sz="2000" kern="1200">
-                <a:solidFill>
-                  <a:schemeClr val="tx1"/>
-                </a:solidFill>
-                <a:latin typeface="+mn-lt"/>
-                <a:ea typeface="+mn-ea"/>
-                <a:cs typeface="+mn-cs"/>
-              </a:defRPr>
-            </a:lvl7pPr>
-            <a:lvl8pPr marL="3428863" indent="-228591" algn="l" defTabSz="914363" rtl="0" eaLnBrk="1" latinLnBrk="0" hangingPunct="1">
-              <a:spcBef>
-                <a:spcPct val="20000"/>
-              </a:spcBef>
-              <a:buFont typeface="Arial" pitchFamily="34" charset="0"/>
-              <a:buChar char="•"/>
-              <a:defRPr sz="2000" kern="1200">
-                <a:solidFill>
-                  <a:schemeClr val="tx1"/>
-                </a:solidFill>
-                <a:latin typeface="+mn-lt"/>
-                <a:ea typeface="+mn-ea"/>
-                <a:cs typeface="+mn-cs"/>
-              </a:defRPr>
-            </a:lvl8pPr>
-            <a:lvl9pPr marL="3886045" indent="-228591" algn="l" defTabSz="914363" rtl="0" eaLnBrk="1" latinLnBrk="0" hangingPunct="1">
-              <a:spcBef>
-                <a:spcPct val="20000"/>
-              </a:spcBef>
-              <a:buFont typeface="Arial" pitchFamily="34" charset="0"/>
-              <a:buChar char="•"/>
-              <a:defRPr sz="2000" kern="1200">
-                <a:solidFill>
-                  <a:schemeClr val="tx1"/>
-                </a:solidFill>
-                <a:latin typeface="+mn-lt"/>
-                <a:ea typeface="+mn-ea"/>
-                <a:cs typeface="+mn-cs"/>
-              </a:defRPr>
-            </a:lvl9pPr>
-          </a:lstStyle>
-          <a:p>
-            <a:r>
-              <a:rPr lang="en-US" sz="2800" dirty="0" smtClean="0">
-                <a:gradFill>
-                  <a:gsLst>
-                    <a:gs pos="0">
-                      <a:schemeClr val="accent2"/>
-                    </a:gs>
-                    <a:gs pos="100000">
-                      <a:schemeClr val="accent2"/>
-                    </a:gs>
-                  </a:gsLst>
-                  <a:lin ang="5400000" scaled="0"/>
-                </a:gradFill>
-              </a:rPr>
-              <a:t>Built-in SQL Database Scripting</a:t>
-            </a:r>
-            <a:endParaRPr lang="en-US" sz="2800" spc="-50" dirty="0" smtClean="0"/>
-          </a:p>
-          <a:p>
-            <a:r>
-              <a:rPr lang="en-US" sz="2000" spc="-50" dirty="0" smtClean="0">
-                <a:latin typeface="+mn-lt"/>
-              </a:rPr>
-              <a:t>Script for Windows Azure SQL Database</a:t>
-            </a:r>
-          </a:p>
-          <a:p>
-            <a:r>
-              <a:rPr lang="en-US" sz="2000" spc="-50" dirty="0" smtClean="0">
-                <a:latin typeface="+mn-lt"/>
-              </a:rPr>
-              <a:t>Include Schema </a:t>
-            </a:r>
-            <a:r>
-              <a:rPr lang="en-US" sz="2000" spc="-50" dirty="0" smtClean="0">
-                <a:latin typeface="+mn-lt"/>
-              </a:rPr>
-              <a:t>and Data</a:t>
-            </a:r>
-          </a:p>
-          <a:p>
-            <a:r>
-              <a:rPr lang="en-US" sz="2000" spc="-50" dirty="0" smtClean="0">
-                <a:latin typeface="+mn-lt"/>
-              </a:rPr>
-              <a:t>Included with SQL Server Management Studio</a:t>
-            </a:r>
-            <a:endParaRPr lang="en-US" sz="2000" spc="-50" dirty="0">
-              <a:latin typeface="+mn-lt"/>
-            </a:endParaRPr>
-          </a:p>
-          <a:p>
-            <a:r>
-              <a:rPr lang="en-US" sz="2000" spc="-50" dirty="0" smtClean="0">
-                <a:latin typeface="+mn-lt"/>
-              </a:rPr>
-              <a:t>Scripting accuracy</a:t>
-            </a:r>
-          </a:p>
-          <a:p>
-            <a:endParaRPr lang="en-US" sz="2000" spc="-50" dirty="0" smtClean="0">
-              <a:latin typeface="+mn-lt"/>
-            </a:endParaRPr>
+          <a:bodyPr/>
+          <a:lstStyle/>
+          <a:p>
+            <a:r>
+              <a:rPr lang="en-US" dirty="0" smtClean="0"/>
+              <a:t>demo</a:t>
+            </a:r>
+            <a:endParaRPr lang="en-US" dirty="0"/>
           </a:p>
         </p:txBody>
       </p:sp>
     </p:spTree>
     <p:extLst>
       <p:ext uri="{BB962C8B-B14F-4D97-AF65-F5344CB8AC3E}">
-        <p14:creationId xmlns:p14="http://schemas.microsoft.com/office/powerpoint/2010/main" val="2464063332"/>
+        <p14:creationId xmlns:p14="http://schemas.microsoft.com/office/powerpoint/2010/main" val="3867852686"/>
       </p:ext>
     </p:extLst>
   </p:cSld>
@@ -23089,18 +24624,18 @@
       </p:grpSpPr>
       <p:sp>
         <p:nvSpPr>
-          <p:cNvPr id="944130" name="Rectangle 2"/>
+          <p:cNvPr id="5" name="Text Placeholder 4"/>
           <p:cNvSpPr>
-            <a:spLocks noGrp="1" noChangeArrowheads="1"/>
+            <a:spLocks noGrp="1"/>
           </p:cNvSpPr>
           <p:nvPr>
-            <p:ph type="title"/>
+            <p:ph type="body" sz="quarter" idx="10"/>
           </p:nvPr>
         </p:nvSpPr>
         <p:spPr>
           <a:xfrm>
-            <a:off x="519112" y="228600"/>
-            <a:ext cx="11149013" cy="747897"/>
+            <a:off x="478678" y="2925416"/>
+            <a:ext cx="11461685" cy="1378644"/>
           </a:xfrm>
         </p:spPr>
         <p:txBody>
@@ -23108,389 +24643,17 @@
           <a:lstStyle/>
           <a:p>
             <a:r>
-              <a:rPr lang="en-US" dirty="0"/>
-              <a:t>SQL </a:t>
-            </a:r>
-            <a:r>
               <a:rPr lang="en-US" dirty="0" smtClean="0"/>
-              <a:t>Database Migration </a:t>
-            </a:r>
-            <a:r>
-              <a:rPr lang="en-US" dirty="0"/>
-              <a:t>Assistants</a:t>
-            </a:r>
-          </a:p>
-        </p:txBody>
-      </p:sp>
-      <p:pic>
-        <p:nvPicPr>
-          <p:cNvPr id="5" name="Picture 2"/>
-          <p:cNvPicPr>
-            <a:picLocks noChangeAspect="1" noChangeArrowheads="1"/>
-          </p:cNvPicPr>
-          <p:nvPr/>
-        </p:nvPicPr>
-        <p:blipFill>
-          <a:blip r:embed="rId3">
-            <a:extLst>
-              <a:ext uri="{28A0092B-C50C-407E-A947-70E740481C1C}">
-                <a14:useLocalDpi xmlns:a14="http://schemas.microsoft.com/office/drawing/2010/main" val="0"/>
-              </a:ext>
-            </a:extLst>
-          </a:blip>
-          <a:srcRect/>
-          <a:stretch>
-            <a:fillRect/>
-          </a:stretch>
-        </p:blipFill>
-        <p:spPr bwMode="auto">
-          <a:xfrm>
-            <a:off x="6148203" y="2216862"/>
-            <a:ext cx="5572125" cy="1885950"/>
-          </a:xfrm>
-          <a:prstGeom prst="rect">
-            <a:avLst/>
-          </a:prstGeom>
-          <a:noFill/>
-          <a:ln>
-            <a:noFill/>
-          </a:ln>
-          <a:effectLst/>
-          <a:extLst>
-            <a:ext uri="{909E8E84-426E-40DD-AFC4-6F175D3DCCD1}">
-              <a14:hiddenFill xmlns:a14="http://schemas.microsoft.com/office/drawing/2010/main">
-                <a:solidFill>
-                  <a:schemeClr val="accent1"/>
-                </a:solidFill>
-              </a14:hiddenFill>
-            </a:ext>
-            <a:ext uri="{91240B29-F687-4F45-9708-019B960494DF}">
-              <a14:hiddenLine xmlns:a14="http://schemas.microsoft.com/office/drawing/2010/main" w="9525">
-                <a:solidFill>
-                  <a:schemeClr val="tx1"/>
-                </a:solidFill>
-                <a:miter lim="800000"/>
-                <a:headEnd/>
-                <a:tailEnd/>
-              </a14:hiddenLine>
-            </a:ext>
-            <a:ext uri="{AF507438-7753-43E0-B8FC-AC1667EBCBE1}">
-              <a14:hiddenEffects xmlns:a14="http://schemas.microsoft.com/office/drawing/2010/main">
-                <a:effectLst>
-                  <a:outerShdw dist="35921" dir="2700000" algn="ctr" rotWithShape="0">
-                    <a:schemeClr val="bg2"/>
-                  </a:outerShdw>
-                </a:effectLst>
-              </a14:hiddenEffects>
-            </a:ext>
-          </a:extLst>
-        </p:spPr>
-      </p:pic>
-      <p:sp>
-        <p:nvSpPr>
-          <p:cNvPr id="6" name="Rectangle 3"/>
-          <p:cNvSpPr txBox="1">
-            <a:spLocks noChangeArrowheads="1"/>
-          </p:cNvSpPr>
-          <p:nvPr/>
-        </p:nvSpPr>
-        <p:spPr>
-          <a:xfrm>
-            <a:off x="519112" y="1461950"/>
-            <a:ext cx="8623005" cy="1957459"/>
-          </a:xfrm>
-          <a:prstGeom prst="rect">
-            <a:avLst/>
-          </a:prstGeom>
-        </p:spPr>
-        <p:txBody>
-          <a:bodyPr vert="horz" wrap="square" lIns="0" tIns="0" rIns="0" bIns="0" rtlCol="0">
-            <a:spAutoFit/>
-          </a:bodyPr>
-          <a:lstStyle>
-            <a:lvl1pPr marL="3175" indent="0" algn="l" defTabSz="914363" rtl="0" eaLnBrk="1" latinLnBrk="0" hangingPunct="1">
-              <a:lnSpc>
-                <a:spcPct val="90000"/>
-              </a:lnSpc>
-              <a:spcBef>
-                <a:spcPts val="0"/>
-              </a:spcBef>
-              <a:spcAft>
-                <a:spcPts val="900"/>
-              </a:spcAft>
-              <a:buSzPct val="80000"/>
-              <a:buFont typeface="Arial" pitchFamily="34" charset="0"/>
-              <a:buNone/>
-              <a:defRPr sz="4000" kern="1200" spc="-100" baseline="0">
-                <a:gradFill>
-                  <a:gsLst>
-                    <a:gs pos="0">
-                      <a:srgbClr val="595959"/>
-                    </a:gs>
-                    <a:gs pos="86000">
-                      <a:srgbClr val="595959"/>
-                    </a:gs>
-                  </a:gsLst>
-                  <a:lin ang="5400000" scaled="0"/>
-                </a:gradFill>
-                <a:latin typeface="Segoe UI Light" pitchFamily="34" charset="0"/>
-                <a:ea typeface="+mn-ea"/>
-                <a:cs typeface="+mn-cs"/>
-              </a:defRPr>
-            </a:lvl1pPr>
-            <a:lvl2pPr marL="3175" indent="0" algn="l" defTabSz="914363" rtl="0" eaLnBrk="1" latinLnBrk="0" hangingPunct="1">
-              <a:lnSpc>
-                <a:spcPct val="90000"/>
-              </a:lnSpc>
-              <a:spcBef>
-                <a:spcPts val="0"/>
-              </a:spcBef>
-              <a:buSzPct val="80000"/>
-              <a:buFont typeface="Arial" pitchFamily="34" charset="0"/>
-              <a:buNone/>
-              <a:defRPr sz="2000" kern="1200" spc="-50" baseline="0">
-                <a:gradFill>
-                  <a:gsLst>
-                    <a:gs pos="0">
-                      <a:srgbClr val="595959"/>
-                    </a:gs>
-                    <a:gs pos="86000">
-                      <a:srgbClr val="595959"/>
-                    </a:gs>
-                  </a:gsLst>
-                  <a:lin ang="5400000" scaled="0"/>
-                </a:gradFill>
-                <a:latin typeface="+mn-lt"/>
-                <a:ea typeface="+mn-ea"/>
-                <a:cs typeface="+mn-cs"/>
-              </a:defRPr>
-            </a:lvl2pPr>
-            <a:lvl3pPr marL="1258888" indent="-403225" algn="l" defTabSz="914363" rtl="0" eaLnBrk="1" latinLnBrk="0" hangingPunct="1">
-              <a:lnSpc>
-                <a:spcPct val="90000"/>
-              </a:lnSpc>
-              <a:spcBef>
-                <a:spcPct val="20000"/>
-              </a:spcBef>
-              <a:buSzPct val="80000"/>
-              <a:buFontTx/>
-              <a:buBlip>
-                <a:blip r:embed="rId4"/>
-              </a:buBlip>
-              <a:defRPr sz="2400" kern="1200">
-                <a:gradFill>
-                  <a:gsLst>
-                    <a:gs pos="0">
-                      <a:schemeClr val="tx1">
-                        <a:lumMod val="90000"/>
-                        <a:lumOff val="10000"/>
-                      </a:schemeClr>
-                    </a:gs>
-                    <a:gs pos="86000">
-                      <a:schemeClr val="tx1">
-                        <a:lumMod val="90000"/>
-                        <a:lumOff val="10000"/>
-                      </a:schemeClr>
-                    </a:gs>
-                  </a:gsLst>
-                  <a:lin ang="5400000" scaled="0"/>
-                </a:gradFill>
-                <a:latin typeface="+mn-lt"/>
-                <a:ea typeface="+mn-ea"/>
-                <a:cs typeface="+mn-cs"/>
-              </a:defRPr>
-            </a:lvl3pPr>
-            <a:lvl4pPr marL="1604963" indent="-346075" algn="l" defTabSz="914363" rtl="0" eaLnBrk="1" latinLnBrk="0" hangingPunct="1">
-              <a:lnSpc>
-                <a:spcPct val="90000"/>
-              </a:lnSpc>
-              <a:spcBef>
-                <a:spcPct val="20000"/>
-              </a:spcBef>
-              <a:buSzPct val="80000"/>
-              <a:buFontTx/>
-              <a:buBlip>
-                <a:blip r:embed="rId4"/>
-              </a:buBlip>
-              <a:defRPr sz="2000" kern="1200">
-                <a:gradFill>
-                  <a:gsLst>
-                    <a:gs pos="0">
-                      <a:schemeClr val="tx1">
-                        <a:lumMod val="90000"/>
-                        <a:lumOff val="10000"/>
-                      </a:schemeClr>
-                    </a:gs>
-                    <a:gs pos="86000">
-                      <a:schemeClr val="tx1">
-                        <a:lumMod val="90000"/>
-                        <a:lumOff val="10000"/>
-                      </a:schemeClr>
-                    </a:gs>
-                  </a:gsLst>
-                  <a:lin ang="5400000" scaled="0"/>
-                </a:gradFill>
-                <a:latin typeface="+mn-lt"/>
-                <a:ea typeface="+mn-ea"/>
-                <a:cs typeface="+mn-cs"/>
-              </a:defRPr>
-            </a:lvl4pPr>
-            <a:lvl5pPr marL="1941513" indent="-336550" algn="l" defTabSz="914363" rtl="0" eaLnBrk="1" latinLnBrk="0" hangingPunct="1">
-              <a:lnSpc>
-                <a:spcPct val="90000"/>
-              </a:lnSpc>
-              <a:spcBef>
-                <a:spcPct val="20000"/>
-              </a:spcBef>
-              <a:buSzPct val="80000"/>
-              <a:buFontTx/>
-              <a:buBlip>
-                <a:blip r:embed="rId4"/>
-              </a:buBlip>
-              <a:defRPr sz="2000" kern="1200">
-                <a:gradFill>
-                  <a:gsLst>
-                    <a:gs pos="0">
-                      <a:schemeClr val="tx1">
-                        <a:lumMod val="90000"/>
-                        <a:lumOff val="10000"/>
-                      </a:schemeClr>
-                    </a:gs>
-                    <a:gs pos="86000">
-                      <a:schemeClr val="tx1">
-                        <a:lumMod val="90000"/>
-                        <a:lumOff val="10000"/>
-                      </a:schemeClr>
-                    </a:gs>
-                  </a:gsLst>
-                  <a:lin ang="5400000" scaled="0"/>
-                </a:gradFill>
-                <a:latin typeface="+mn-lt"/>
-                <a:ea typeface="+mn-ea"/>
-                <a:cs typeface="+mn-cs"/>
-              </a:defRPr>
-            </a:lvl5pPr>
-            <a:lvl6pPr marL="2514499" indent="-228591" algn="l" defTabSz="914363" rtl="0" eaLnBrk="1" latinLnBrk="0" hangingPunct="1">
-              <a:spcBef>
-                <a:spcPct val="20000"/>
-              </a:spcBef>
-              <a:buFont typeface="Arial" pitchFamily="34" charset="0"/>
-              <a:buChar char="•"/>
-              <a:defRPr sz="2000" kern="1200">
-                <a:solidFill>
-                  <a:schemeClr val="tx1"/>
-                </a:solidFill>
-                <a:latin typeface="+mn-lt"/>
-                <a:ea typeface="+mn-ea"/>
-                <a:cs typeface="+mn-cs"/>
-              </a:defRPr>
-            </a:lvl6pPr>
-            <a:lvl7pPr marL="2971681" indent="-228591" algn="l" defTabSz="914363" rtl="0" eaLnBrk="1" latinLnBrk="0" hangingPunct="1">
-              <a:spcBef>
-                <a:spcPct val="20000"/>
-              </a:spcBef>
-              <a:buFont typeface="Arial" pitchFamily="34" charset="0"/>
-              <a:buChar char="•"/>
-              <a:defRPr sz="2000" kern="1200">
-                <a:solidFill>
-                  <a:schemeClr val="tx1"/>
-                </a:solidFill>
-                <a:latin typeface="+mn-lt"/>
-                <a:ea typeface="+mn-ea"/>
-                <a:cs typeface="+mn-cs"/>
-              </a:defRPr>
-            </a:lvl7pPr>
-            <a:lvl8pPr marL="3428863" indent="-228591" algn="l" defTabSz="914363" rtl="0" eaLnBrk="1" latinLnBrk="0" hangingPunct="1">
-              <a:spcBef>
-                <a:spcPct val="20000"/>
-              </a:spcBef>
-              <a:buFont typeface="Arial" pitchFamily="34" charset="0"/>
-              <a:buChar char="•"/>
-              <a:defRPr sz="2000" kern="1200">
-                <a:solidFill>
-                  <a:schemeClr val="tx1"/>
-                </a:solidFill>
-                <a:latin typeface="+mn-lt"/>
-                <a:ea typeface="+mn-ea"/>
-                <a:cs typeface="+mn-cs"/>
-              </a:defRPr>
-            </a:lvl8pPr>
-            <a:lvl9pPr marL="3886045" indent="-228591" algn="l" defTabSz="914363" rtl="0" eaLnBrk="1" latinLnBrk="0" hangingPunct="1">
-              <a:spcBef>
-                <a:spcPct val="20000"/>
-              </a:spcBef>
-              <a:buFont typeface="Arial" pitchFamily="34" charset="0"/>
-              <a:buChar char="•"/>
-              <a:defRPr sz="2000" kern="1200">
-                <a:solidFill>
-                  <a:schemeClr val="tx1"/>
-                </a:solidFill>
-                <a:latin typeface="+mn-lt"/>
-                <a:ea typeface="+mn-ea"/>
-                <a:cs typeface="+mn-cs"/>
-              </a:defRPr>
-            </a:lvl9pPr>
-          </a:lstStyle>
-          <a:p>
-            <a:r>
-              <a:rPr lang="en-US" sz="2800" dirty="0" smtClean="0">
-                <a:gradFill>
-                  <a:gsLst>
-                    <a:gs pos="0">
-                      <a:schemeClr val="accent2"/>
-                    </a:gs>
-                    <a:gs pos="100000">
-                      <a:schemeClr val="accent2"/>
-                    </a:gs>
-                  </a:gsLst>
-                  <a:lin ang="5400000" scaled="0"/>
-                </a:gradFill>
-              </a:rPr>
-              <a:t>Additional Platforms</a:t>
-            </a:r>
-            <a:endParaRPr lang="en-US" sz="2800" spc="-50" dirty="0" smtClean="0"/>
-          </a:p>
-          <a:p>
-            <a:r>
-              <a:rPr lang="en-US" sz="2000" spc="-50" dirty="0" smtClean="0">
-                <a:latin typeface="+mn-lt"/>
-              </a:rPr>
-              <a:t>Support for Sybase, Oracle, MySQL, Access</a:t>
-            </a:r>
-          </a:p>
-          <a:p>
-            <a:r>
-              <a:rPr lang="en-US" sz="2000" spc="-50" dirty="0" smtClean="0">
-                <a:latin typeface="+mn-lt"/>
-              </a:rPr>
-              <a:t>Reduce cost and migration risk</a:t>
-            </a:r>
-            <a:endParaRPr lang="en-US" sz="2000" spc="-50" dirty="0">
-              <a:latin typeface="+mn-lt"/>
-            </a:endParaRPr>
-          </a:p>
-          <a:p>
-            <a:r>
-              <a:rPr lang="en-US" sz="2000" spc="-50" dirty="0" smtClean="0">
-                <a:latin typeface="+mn-lt"/>
-              </a:rPr>
-              <a:t>Multi-threading and globalization support </a:t>
-            </a:r>
-          </a:p>
-          <a:p>
-            <a:r>
-              <a:rPr lang="en-US" sz="2000" spc="-50" dirty="0" smtClean="0">
-                <a:latin typeface="+mn-lt"/>
-              </a:rPr>
-              <a:t>SQL Server 2012 support</a:t>
-            </a:r>
+              <a:t>Other Migration Tools</a:t>
+            </a:r>
+            <a:endParaRPr lang="en-US" dirty="0"/>
           </a:p>
         </p:txBody>
       </p:sp>
     </p:spTree>
     <p:extLst>
       <p:ext uri="{BB962C8B-B14F-4D97-AF65-F5344CB8AC3E}">
-        <p14:creationId xmlns:p14="http://schemas.microsoft.com/office/powerpoint/2010/main" val="3104134759"/>
+        <p14:creationId xmlns:p14="http://schemas.microsoft.com/office/powerpoint/2010/main" val="1842210361"/>
       </p:ext>
     </p:extLst>
   </p:cSld>
@@ -23549,22 +24712,209 @@
           <a:p>
             <a:r>
               <a:rPr lang="en-US" dirty="0" smtClean="0"/>
-              <a:t>SQL Data Sync Service</a:t>
+              <a:t>Additional Migration Tools</a:t>
             </a:r>
             <a:endParaRPr lang="en-US" dirty="0"/>
+          </a:p>
+        </p:txBody>
+      </p:sp>
+      <p:sp>
+        <p:nvSpPr>
+          <p:cNvPr id="944131" name="Rectangle 3"/>
+          <p:cNvSpPr>
+            <a:spLocks noGrp="1" noChangeArrowheads="1"/>
+          </p:cNvSpPr>
+          <p:nvPr>
+            <p:ph type="body" sz="quarter" idx="10"/>
+          </p:nvPr>
+        </p:nvSpPr>
+        <p:spPr>
+          <a:xfrm>
+            <a:off x="519112" y="1767660"/>
+            <a:ext cx="5326913" cy="2349874"/>
+          </a:xfrm>
+        </p:spPr>
+        <p:txBody>
+          <a:bodyPr/>
+          <a:lstStyle/>
+          <a:p>
+            <a:r>
+              <a:rPr lang="en-US" sz="2800" dirty="0" smtClean="0">
+                <a:gradFill>
+                  <a:gsLst>
+                    <a:gs pos="0">
+                      <a:schemeClr val="accent2"/>
+                    </a:gs>
+                    <a:gs pos="100000">
+                      <a:schemeClr val="accent2"/>
+                    </a:gs>
+                  </a:gsLst>
+                  <a:lin ang="5400000" scaled="0"/>
+                </a:gradFill>
+              </a:rPr>
+              <a:t>Microsoft and 3</a:t>
+            </a:r>
+            <a:r>
+              <a:rPr lang="en-US" sz="2800" baseline="30000" dirty="0" smtClean="0">
+                <a:gradFill>
+                  <a:gsLst>
+                    <a:gs pos="0">
+                      <a:schemeClr val="accent2"/>
+                    </a:gs>
+                    <a:gs pos="100000">
+                      <a:schemeClr val="accent2"/>
+                    </a:gs>
+                  </a:gsLst>
+                  <a:lin ang="5400000" scaled="0"/>
+                </a:gradFill>
+              </a:rPr>
+              <a:t>rd</a:t>
+            </a:r>
+            <a:r>
+              <a:rPr lang="en-US" sz="2800" dirty="0" smtClean="0">
+                <a:gradFill>
+                  <a:gsLst>
+                    <a:gs pos="0">
+                      <a:schemeClr val="accent2"/>
+                    </a:gs>
+                    <a:gs pos="100000">
+                      <a:schemeClr val="accent2"/>
+                    </a:gs>
+                  </a:gsLst>
+                  <a:lin ang="5400000" scaled="0"/>
+                </a:gradFill>
+              </a:rPr>
+              <a:t> Party Tools</a:t>
+            </a:r>
+            <a:endParaRPr lang="en-US" sz="2800" spc="-50" dirty="0" smtClean="0"/>
+          </a:p>
+          <a:p>
+            <a:r>
+              <a:rPr lang="en-US" sz="2000" spc="-50" dirty="0" smtClean="0">
+                <a:latin typeface="+mn-lt"/>
+              </a:rPr>
+              <a:t>Generate Scripts Wizard</a:t>
+            </a:r>
+          </a:p>
+          <a:p>
+            <a:r>
+              <a:rPr lang="en-US" sz="2000" spc="-50" dirty="0" smtClean="0">
+                <a:latin typeface="+mn-lt"/>
+              </a:rPr>
+              <a:t>BCP</a:t>
+            </a:r>
+          </a:p>
+          <a:p>
+            <a:r>
+              <a:rPr lang="en-US" sz="2000" spc="-50" dirty="0" smtClean="0">
+                <a:latin typeface="+mn-lt"/>
+              </a:rPr>
+              <a:t>SSIS</a:t>
+            </a:r>
+          </a:p>
+          <a:p>
+            <a:r>
+              <a:rPr lang="en-US" sz="2000" spc="-50" dirty="0" smtClean="0">
+                <a:latin typeface="+mn-lt"/>
+              </a:rPr>
+              <a:t>SQL Database Migration Wizard</a:t>
+            </a:r>
+          </a:p>
+          <a:p>
+            <a:r>
+              <a:rPr lang="en-US" sz="2000" spc="-50" dirty="0" smtClean="0">
+                <a:latin typeface="+mn-lt"/>
+              </a:rPr>
+              <a:t>Migration Assistants</a:t>
+            </a:r>
+          </a:p>
+        </p:txBody>
+      </p:sp>
+      <p:sp>
+        <p:nvSpPr>
+          <p:cNvPr id="3" name="Rectangle 2"/>
+          <p:cNvSpPr/>
+          <p:nvPr>
+            <p:custDataLst>
+              <p:tags r:id="rId1"/>
+            </p:custDataLst>
+          </p:nvPr>
+        </p:nvSpPr>
+        <p:spPr bwMode="auto">
+          <a:xfrm>
+            <a:off x="7425069" y="1889469"/>
+            <a:ext cx="3139440" cy="3139440"/>
+          </a:xfrm>
+          <a:prstGeom prst="rect">
+            <a:avLst/>
+          </a:prstGeom>
+          <a:solidFill>
+            <a:schemeClr val="accent2"/>
+          </a:solidFill>
+          <a:ln>
+            <a:noFill/>
+            <a:headEnd type="none" w="med" len="med"/>
+            <a:tailEnd type="none" w="med" len="med"/>
+          </a:ln>
+          <a:effectLst/>
+        </p:spPr>
+        <p:style>
+          <a:lnRef idx="1">
+            <a:schemeClr val="accent2"/>
+          </a:lnRef>
+          <a:fillRef idx="3">
+            <a:schemeClr val="accent2"/>
+          </a:fillRef>
+          <a:effectRef idx="2">
+            <a:schemeClr val="accent2"/>
+          </a:effectRef>
+          <a:fontRef idx="minor">
+            <a:schemeClr val="lt1"/>
+          </a:fontRef>
+        </p:style>
+        <p:txBody>
+          <a:bodyPr vert="horz" wrap="square" lIns="140970" tIns="93980" rIns="140970" bIns="93980" numCol="1" rtlCol="0" anchor="b" anchorCtr="0" compatLnSpc="1">
+            <a:prstTxWarp prst="textNoShape">
+              <a:avLst/>
+            </a:prstTxWarp>
+          </a:bodyPr>
+          <a:lstStyle/>
+          <a:p>
+            <a:pPr defTabSz="914099" fontAlgn="base">
+              <a:spcBef>
+                <a:spcPct val="0"/>
+              </a:spcBef>
+              <a:spcAft>
+                <a:spcPct val="0"/>
+              </a:spcAft>
+            </a:pPr>
+            <a:endParaRPr lang="en-US" sz="3000" dirty="0" smtClean="0">
+              <a:gradFill flip="none" rotWithShape="1">
+                <a:gsLst>
+                  <a:gs pos="0">
+                    <a:srgbClr val="FFFFFF"/>
+                  </a:gs>
+                  <a:gs pos="100000">
+                    <a:srgbClr val="FFFFFF"/>
+                  </a:gs>
+                </a:gsLst>
+                <a:lin ang="5400000" scaled="0"/>
+                <a:tileRect/>
+              </a:gradFill>
+            </a:endParaRPr>
           </a:p>
         </p:txBody>
       </p:sp>
       <p:pic>
         <p:nvPicPr>
-          <p:cNvPr id="4098" name="Picture 2"/>
+          <p:cNvPr id="6" name="Picture 3" descr="C:\Users\scottkl\AppData\Local\MetroStyleAddIn\Icons\Capabilities, Tools.wmf"/>
           <p:cNvPicPr>
             <a:picLocks noChangeAspect="1" noChangeArrowheads="1"/>
           </p:cNvPicPr>
           <p:nvPr/>
         </p:nvPicPr>
         <p:blipFill>
-          <a:blip r:embed="rId3">
+          <a:blip r:embed="rId4">
             <a:extLst>
               <a:ext uri="{28A0092B-C50C-407E-A947-70E740481C1C}">
                 <a14:useLocalDpi xmlns:a14="http://schemas.microsoft.com/office/drawing/2010/main" val="0"/>
@@ -23578,352 +24928,28 @@
         </p:blipFill>
         <p:spPr bwMode="auto">
           <a:xfrm>
-            <a:off x="6314964" y="1461950"/>
-            <a:ext cx="5405364" cy="3509152"/>
+            <a:off x="7562512" y="2124413"/>
+            <a:ext cx="2864554" cy="2669551"/>
           </a:xfrm>
           <a:prstGeom prst="rect">
             <a:avLst/>
           </a:prstGeom>
           <a:noFill/>
-          <a:ln>
-            <a:noFill/>
-          </a:ln>
-          <a:effectLst/>
           <a:extLst>
             <a:ext uri="{909E8E84-426E-40DD-AFC4-6F175D3DCCD1}">
               <a14:hiddenFill xmlns:a14="http://schemas.microsoft.com/office/drawing/2010/main">
                 <a:solidFill>
-                  <a:schemeClr val="accent1"/>
+                  <a:srgbClr val="FFFFFF"/>
                 </a:solidFill>
               </a14:hiddenFill>
-            </a:ext>
-            <a:ext uri="{91240B29-F687-4F45-9708-019B960494DF}">
-              <a14:hiddenLine xmlns:a14="http://schemas.microsoft.com/office/drawing/2010/main" w="9525">
-                <a:solidFill>
-                  <a:schemeClr val="tx1"/>
-                </a:solidFill>
-                <a:miter lim="800000"/>
-                <a:headEnd/>
-                <a:tailEnd/>
-              </a14:hiddenLine>
-            </a:ext>
-            <a:ext uri="{AF507438-7753-43E0-B8FC-AC1667EBCBE1}">
-              <a14:hiddenEffects xmlns:a14="http://schemas.microsoft.com/office/drawing/2010/main">
-                <a:effectLst>
-                  <a:outerShdw dist="35921" dir="2700000" algn="ctr" rotWithShape="0">
-                    <a:schemeClr val="bg2"/>
-                  </a:outerShdw>
-                </a:effectLst>
-              </a14:hiddenEffects>
             </a:ext>
           </a:extLst>
         </p:spPr>
       </p:pic>
-      <p:sp>
-        <p:nvSpPr>
-          <p:cNvPr id="5" name="Rectangle 3"/>
-          <p:cNvSpPr txBox="1">
-            <a:spLocks noChangeArrowheads="1"/>
-          </p:cNvSpPr>
-          <p:nvPr/>
-        </p:nvSpPr>
-        <p:spPr>
-          <a:xfrm>
-            <a:off x="519112" y="1477873"/>
-            <a:ext cx="8623005" cy="1957459"/>
-          </a:xfrm>
-          <a:prstGeom prst="rect">
-            <a:avLst/>
-          </a:prstGeom>
-        </p:spPr>
-        <p:txBody>
-          <a:bodyPr vert="horz" wrap="square" lIns="0" tIns="0" rIns="0" bIns="0" rtlCol="0">
-            <a:spAutoFit/>
-          </a:bodyPr>
-          <a:lstStyle>
-            <a:lvl1pPr marL="3175" indent="0" algn="l" defTabSz="914363" rtl="0" eaLnBrk="1" latinLnBrk="0" hangingPunct="1">
-              <a:lnSpc>
-                <a:spcPct val="90000"/>
-              </a:lnSpc>
-              <a:spcBef>
-                <a:spcPts val="0"/>
-              </a:spcBef>
-              <a:spcAft>
-                <a:spcPts val="900"/>
-              </a:spcAft>
-              <a:buSzPct val="80000"/>
-              <a:buFont typeface="Arial" pitchFamily="34" charset="0"/>
-              <a:buNone/>
-              <a:defRPr sz="4000" kern="1200" spc="-100" baseline="0">
-                <a:gradFill>
-                  <a:gsLst>
-                    <a:gs pos="0">
-                      <a:srgbClr val="595959"/>
-                    </a:gs>
-                    <a:gs pos="86000">
-                      <a:srgbClr val="595959"/>
-                    </a:gs>
-                  </a:gsLst>
-                  <a:lin ang="5400000" scaled="0"/>
-                </a:gradFill>
-                <a:latin typeface="Segoe UI Light" pitchFamily="34" charset="0"/>
-                <a:ea typeface="+mn-ea"/>
-                <a:cs typeface="+mn-cs"/>
-              </a:defRPr>
-            </a:lvl1pPr>
-            <a:lvl2pPr marL="3175" indent="0" algn="l" defTabSz="914363" rtl="0" eaLnBrk="1" latinLnBrk="0" hangingPunct="1">
-              <a:lnSpc>
-                <a:spcPct val="90000"/>
-              </a:lnSpc>
-              <a:spcBef>
-                <a:spcPts val="0"/>
-              </a:spcBef>
-              <a:buSzPct val="80000"/>
-              <a:buFont typeface="Arial" pitchFamily="34" charset="0"/>
-              <a:buNone/>
-              <a:defRPr sz="2000" kern="1200" spc="-50" baseline="0">
-                <a:gradFill>
-                  <a:gsLst>
-                    <a:gs pos="0">
-                      <a:srgbClr val="595959"/>
-                    </a:gs>
-                    <a:gs pos="86000">
-                      <a:srgbClr val="595959"/>
-                    </a:gs>
-                  </a:gsLst>
-                  <a:lin ang="5400000" scaled="0"/>
-                </a:gradFill>
-                <a:latin typeface="+mn-lt"/>
-                <a:ea typeface="+mn-ea"/>
-                <a:cs typeface="+mn-cs"/>
-              </a:defRPr>
-            </a:lvl2pPr>
-            <a:lvl3pPr marL="1258888" indent="-403225" algn="l" defTabSz="914363" rtl="0" eaLnBrk="1" latinLnBrk="0" hangingPunct="1">
-              <a:lnSpc>
-                <a:spcPct val="90000"/>
-              </a:lnSpc>
-              <a:spcBef>
-                <a:spcPct val="20000"/>
-              </a:spcBef>
-              <a:buSzPct val="80000"/>
-              <a:buFontTx/>
-              <a:buBlip>
-                <a:blip r:embed="rId4"/>
-              </a:buBlip>
-              <a:defRPr sz="2400" kern="1200">
-                <a:gradFill>
-                  <a:gsLst>
-                    <a:gs pos="0">
-                      <a:schemeClr val="tx1">
-                        <a:lumMod val="90000"/>
-                        <a:lumOff val="10000"/>
-                      </a:schemeClr>
-                    </a:gs>
-                    <a:gs pos="86000">
-                      <a:schemeClr val="tx1">
-                        <a:lumMod val="90000"/>
-                        <a:lumOff val="10000"/>
-                      </a:schemeClr>
-                    </a:gs>
-                  </a:gsLst>
-                  <a:lin ang="5400000" scaled="0"/>
-                </a:gradFill>
-                <a:latin typeface="+mn-lt"/>
-                <a:ea typeface="+mn-ea"/>
-                <a:cs typeface="+mn-cs"/>
-              </a:defRPr>
-            </a:lvl3pPr>
-            <a:lvl4pPr marL="1604963" indent="-346075" algn="l" defTabSz="914363" rtl="0" eaLnBrk="1" latinLnBrk="0" hangingPunct="1">
-              <a:lnSpc>
-                <a:spcPct val="90000"/>
-              </a:lnSpc>
-              <a:spcBef>
-                <a:spcPct val="20000"/>
-              </a:spcBef>
-              <a:buSzPct val="80000"/>
-              <a:buFontTx/>
-              <a:buBlip>
-                <a:blip r:embed="rId4"/>
-              </a:buBlip>
-              <a:defRPr sz="2000" kern="1200">
-                <a:gradFill>
-                  <a:gsLst>
-                    <a:gs pos="0">
-                      <a:schemeClr val="tx1">
-                        <a:lumMod val="90000"/>
-                        <a:lumOff val="10000"/>
-                      </a:schemeClr>
-                    </a:gs>
-                    <a:gs pos="86000">
-                      <a:schemeClr val="tx1">
-                        <a:lumMod val="90000"/>
-                        <a:lumOff val="10000"/>
-                      </a:schemeClr>
-                    </a:gs>
-                  </a:gsLst>
-                  <a:lin ang="5400000" scaled="0"/>
-                </a:gradFill>
-                <a:latin typeface="+mn-lt"/>
-                <a:ea typeface="+mn-ea"/>
-                <a:cs typeface="+mn-cs"/>
-              </a:defRPr>
-            </a:lvl4pPr>
-            <a:lvl5pPr marL="1941513" indent="-336550" algn="l" defTabSz="914363" rtl="0" eaLnBrk="1" latinLnBrk="0" hangingPunct="1">
-              <a:lnSpc>
-                <a:spcPct val="90000"/>
-              </a:lnSpc>
-              <a:spcBef>
-                <a:spcPct val="20000"/>
-              </a:spcBef>
-              <a:buSzPct val="80000"/>
-              <a:buFontTx/>
-              <a:buBlip>
-                <a:blip r:embed="rId4"/>
-              </a:buBlip>
-              <a:defRPr sz="2000" kern="1200">
-                <a:gradFill>
-                  <a:gsLst>
-                    <a:gs pos="0">
-                      <a:schemeClr val="tx1">
-                        <a:lumMod val="90000"/>
-                        <a:lumOff val="10000"/>
-                      </a:schemeClr>
-                    </a:gs>
-                    <a:gs pos="86000">
-                      <a:schemeClr val="tx1">
-                        <a:lumMod val="90000"/>
-                        <a:lumOff val="10000"/>
-                      </a:schemeClr>
-                    </a:gs>
-                  </a:gsLst>
-                  <a:lin ang="5400000" scaled="0"/>
-                </a:gradFill>
-                <a:latin typeface="+mn-lt"/>
-                <a:ea typeface="+mn-ea"/>
-                <a:cs typeface="+mn-cs"/>
-              </a:defRPr>
-            </a:lvl5pPr>
-            <a:lvl6pPr marL="2514499" indent="-228591" algn="l" defTabSz="914363" rtl="0" eaLnBrk="1" latinLnBrk="0" hangingPunct="1">
-              <a:spcBef>
-                <a:spcPct val="20000"/>
-              </a:spcBef>
-              <a:buFont typeface="Arial" pitchFamily="34" charset="0"/>
-              <a:buChar char="•"/>
-              <a:defRPr sz="2000" kern="1200">
-                <a:solidFill>
-                  <a:schemeClr val="tx1"/>
-                </a:solidFill>
-                <a:latin typeface="+mn-lt"/>
-                <a:ea typeface="+mn-ea"/>
-                <a:cs typeface="+mn-cs"/>
-              </a:defRPr>
-            </a:lvl6pPr>
-            <a:lvl7pPr marL="2971681" indent="-228591" algn="l" defTabSz="914363" rtl="0" eaLnBrk="1" latinLnBrk="0" hangingPunct="1">
-              <a:spcBef>
-                <a:spcPct val="20000"/>
-              </a:spcBef>
-              <a:buFont typeface="Arial" pitchFamily="34" charset="0"/>
-              <a:buChar char="•"/>
-              <a:defRPr sz="2000" kern="1200">
-                <a:solidFill>
-                  <a:schemeClr val="tx1"/>
-                </a:solidFill>
-                <a:latin typeface="+mn-lt"/>
-                <a:ea typeface="+mn-ea"/>
-                <a:cs typeface="+mn-cs"/>
-              </a:defRPr>
-            </a:lvl7pPr>
-            <a:lvl8pPr marL="3428863" indent="-228591" algn="l" defTabSz="914363" rtl="0" eaLnBrk="1" latinLnBrk="0" hangingPunct="1">
-              <a:spcBef>
-                <a:spcPct val="20000"/>
-              </a:spcBef>
-              <a:buFont typeface="Arial" pitchFamily="34" charset="0"/>
-              <a:buChar char="•"/>
-              <a:defRPr sz="2000" kern="1200">
-                <a:solidFill>
-                  <a:schemeClr val="tx1"/>
-                </a:solidFill>
-                <a:latin typeface="+mn-lt"/>
-                <a:ea typeface="+mn-ea"/>
-                <a:cs typeface="+mn-cs"/>
-              </a:defRPr>
-            </a:lvl8pPr>
-            <a:lvl9pPr marL="3886045" indent="-228591" algn="l" defTabSz="914363" rtl="0" eaLnBrk="1" latinLnBrk="0" hangingPunct="1">
-              <a:spcBef>
-                <a:spcPct val="20000"/>
-              </a:spcBef>
-              <a:buFont typeface="Arial" pitchFamily="34" charset="0"/>
-              <a:buChar char="•"/>
-              <a:defRPr sz="2000" kern="1200">
-                <a:solidFill>
-                  <a:schemeClr val="tx1"/>
-                </a:solidFill>
-                <a:latin typeface="+mn-lt"/>
-                <a:ea typeface="+mn-ea"/>
-                <a:cs typeface="+mn-cs"/>
-              </a:defRPr>
-            </a:lvl9pPr>
-          </a:lstStyle>
-          <a:p>
-            <a:r>
-              <a:rPr lang="en-US" sz="2800" dirty="0" smtClean="0">
-                <a:gradFill>
-                  <a:gsLst>
-                    <a:gs pos="0">
-                      <a:schemeClr val="accent2"/>
-                    </a:gs>
-                    <a:gs pos="100000">
-                      <a:schemeClr val="accent2"/>
-                    </a:gs>
-                  </a:gsLst>
-                  <a:lin ang="5400000" scaled="0"/>
-                </a:gradFill>
-              </a:rPr>
-              <a:t>Azure-based Sync Service</a:t>
-            </a:r>
-            <a:endParaRPr lang="en-US" sz="2800" spc="-50" dirty="0" smtClean="0"/>
-          </a:p>
-          <a:p>
-            <a:r>
-              <a:rPr lang="en-US" sz="2000" spc="-50" dirty="0" smtClean="0">
-                <a:latin typeface="+mn-lt"/>
-              </a:rPr>
-              <a:t>Scale service based on need</a:t>
-            </a:r>
-          </a:p>
-          <a:p>
-            <a:r>
-              <a:rPr lang="en-US" sz="2000" spc="-50" dirty="0" smtClean="0">
-                <a:latin typeface="+mn-lt"/>
-              </a:rPr>
-              <a:t>No Code</a:t>
-            </a:r>
-            <a:endParaRPr lang="en-US" sz="2000" spc="-50" dirty="0">
-              <a:latin typeface="+mn-lt"/>
-            </a:endParaRPr>
-          </a:p>
-          <a:p>
-            <a:r>
-              <a:rPr lang="en-US" sz="2000" spc="-50" dirty="0" smtClean="0">
-                <a:latin typeface="+mn-lt"/>
-              </a:rPr>
-              <a:t>Conflict Handling</a:t>
-            </a:r>
-          </a:p>
-          <a:p>
-            <a:r>
-              <a:rPr lang="en-US" sz="2000" spc="-50" dirty="0" smtClean="0">
-                <a:latin typeface="+mn-lt"/>
-              </a:rPr>
-              <a:t>Logging and Monitoring</a:t>
-            </a:r>
-          </a:p>
-        </p:txBody>
-      </p:sp>
     </p:spTree>
     <p:extLst>
       <p:ext uri="{BB962C8B-B14F-4D97-AF65-F5344CB8AC3E}">
-        <p14:creationId xmlns:p14="http://schemas.microsoft.com/office/powerpoint/2010/main" val="2269936987"/>
+        <p14:creationId xmlns:p14="http://schemas.microsoft.com/office/powerpoint/2010/main" val="2558678915"/>
       </p:ext>
     </p:extLst>
   </p:cSld>
@@ -23962,401 +24988,31 @@
       </p:grpSpPr>
       <p:sp>
         <p:nvSpPr>
-          <p:cNvPr id="944130" name="Rectangle 2"/>
+          <p:cNvPr id="5" name="Text Placeholder 4"/>
           <p:cNvSpPr>
-            <a:spLocks noGrp="1" noChangeArrowheads="1"/>
+            <a:spLocks noGrp="1"/>
           </p:cNvSpPr>
           <p:nvPr>
-            <p:ph type="title"/>
+            <p:ph type="body" sz="quarter" idx="10"/>
           </p:nvPr>
         </p:nvSpPr>
-        <p:spPr>
-          <a:xfrm>
-            <a:off x="519112" y="228600"/>
-            <a:ext cx="11149013" cy="747897"/>
-          </a:xfrm>
-        </p:spPr>
+        <p:spPr/>
         <p:txBody>
           <a:bodyPr/>
           <a:lstStyle/>
           <a:p>
             <a:r>
               <a:rPr lang="en-US" dirty="0" smtClean="0"/>
-              <a:t>SQL Migration Wizard</a:t>
+              <a:t>Considerations and Best Practices</a:t>
             </a:r>
             <a:endParaRPr lang="en-US" dirty="0"/>
-          </a:p>
-        </p:txBody>
-      </p:sp>
-      <p:pic>
-        <p:nvPicPr>
-          <p:cNvPr id="4098" name="Picture 2"/>
-          <p:cNvPicPr>
-            <a:picLocks noChangeAspect="1" noChangeArrowheads="1"/>
-          </p:cNvPicPr>
-          <p:nvPr/>
-        </p:nvPicPr>
-        <p:blipFill>
-          <a:blip r:embed="rId3">
-            <a:extLst>
-              <a:ext uri="{28A0092B-C50C-407E-A947-70E740481C1C}">
-                <a14:useLocalDpi xmlns:a14="http://schemas.microsoft.com/office/drawing/2010/main" val="0"/>
-              </a:ext>
-            </a:extLst>
-          </a:blip>
-          <a:srcRect/>
-          <a:stretch>
-            <a:fillRect/>
-          </a:stretch>
-        </p:blipFill>
-        <p:spPr bwMode="auto">
-          <a:xfrm>
-            <a:off x="8744947" y="1461950"/>
-            <a:ext cx="2975381" cy="3463619"/>
-          </a:xfrm>
-          <a:prstGeom prst="rect">
-            <a:avLst/>
-          </a:prstGeom>
-          <a:noFill/>
-          <a:ln>
-            <a:noFill/>
-          </a:ln>
-          <a:effectLst/>
-          <a:extLst>
-            <a:ext uri="{909E8E84-426E-40DD-AFC4-6F175D3DCCD1}">
-              <a14:hiddenFill xmlns:a14="http://schemas.microsoft.com/office/drawing/2010/main">
-                <a:solidFill>
-                  <a:schemeClr val="accent1"/>
-                </a:solidFill>
-              </a14:hiddenFill>
-            </a:ext>
-            <a:ext uri="{91240B29-F687-4F45-9708-019B960494DF}">
-              <a14:hiddenLine xmlns:a14="http://schemas.microsoft.com/office/drawing/2010/main" w="9525">
-                <a:solidFill>
-                  <a:schemeClr val="tx1"/>
-                </a:solidFill>
-                <a:miter lim="800000"/>
-                <a:headEnd/>
-                <a:tailEnd/>
-              </a14:hiddenLine>
-            </a:ext>
-            <a:ext uri="{AF507438-7753-43E0-B8FC-AC1667EBCBE1}">
-              <a14:hiddenEffects xmlns:a14="http://schemas.microsoft.com/office/drawing/2010/main">
-                <a:effectLst>
-                  <a:outerShdw dist="35921" dir="2700000" algn="ctr" rotWithShape="0">
-                    <a:schemeClr val="bg2"/>
-                  </a:outerShdw>
-                </a:effectLst>
-              </a14:hiddenEffects>
-            </a:ext>
-          </a:extLst>
-        </p:spPr>
-      </p:pic>
-      <p:sp>
-        <p:nvSpPr>
-          <p:cNvPr id="5" name="Rectangle 3"/>
-          <p:cNvSpPr txBox="1">
-            <a:spLocks noChangeArrowheads="1"/>
-          </p:cNvSpPr>
-          <p:nvPr/>
-        </p:nvSpPr>
-        <p:spPr>
-          <a:xfrm>
-            <a:off x="519112" y="1504427"/>
-            <a:ext cx="8623005" cy="1957459"/>
-          </a:xfrm>
-          <a:prstGeom prst="rect">
-            <a:avLst/>
-          </a:prstGeom>
-        </p:spPr>
-        <p:txBody>
-          <a:bodyPr vert="horz" wrap="square" lIns="0" tIns="0" rIns="0" bIns="0" rtlCol="0">
-            <a:spAutoFit/>
-          </a:bodyPr>
-          <a:lstStyle>
-            <a:lvl1pPr marL="3175" indent="0" algn="l" defTabSz="914363" rtl="0" eaLnBrk="1" latinLnBrk="0" hangingPunct="1">
-              <a:lnSpc>
-                <a:spcPct val="90000"/>
-              </a:lnSpc>
-              <a:spcBef>
-                <a:spcPts val="0"/>
-              </a:spcBef>
-              <a:spcAft>
-                <a:spcPts val="900"/>
-              </a:spcAft>
-              <a:buSzPct val="80000"/>
-              <a:buFont typeface="Arial" pitchFamily="34" charset="0"/>
-              <a:buNone/>
-              <a:defRPr sz="4000" kern="1200" spc="-100" baseline="0">
-                <a:gradFill>
-                  <a:gsLst>
-                    <a:gs pos="0">
-                      <a:srgbClr val="595959"/>
-                    </a:gs>
-                    <a:gs pos="86000">
-                      <a:srgbClr val="595959"/>
-                    </a:gs>
-                  </a:gsLst>
-                  <a:lin ang="5400000" scaled="0"/>
-                </a:gradFill>
-                <a:latin typeface="Segoe UI Light" pitchFamily="34" charset="0"/>
-                <a:ea typeface="+mn-ea"/>
-                <a:cs typeface="+mn-cs"/>
-              </a:defRPr>
-            </a:lvl1pPr>
-            <a:lvl2pPr marL="3175" indent="0" algn="l" defTabSz="914363" rtl="0" eaLnBrk="1" latinLnBrk="0" hangingPunct="1">
-              <a:lnSpc>
-                <a:spcPct val="90000"/>
-              </a:lnSpc>
-              <a:spcBef>
-                <a:spcPts val="0"/>
-              </a:spcBef>
-              <a:buSzPct val="80000"/>
-              <a:buFont typeface="Arial" pitchFamily="34" charset="0"/>
-              <a:buNone/>
-              <a:defRPr sz="2000" kern="1200" spc="-50" baseline="0">
-                <a:gradFill>
-                  <a:gsLst>
-                    <a:gs pos="0">
-                      <a:srgbClr val="595959"/>
-                    </a:gs>
-                    <a:gs pos="86000">
-                      <a:srgbClr val="595959"/>
-                    </a:gs>
-                  </a:gsLst>
-                  <a:lin ang="5400000" scaled="0"/>
-                </a:gradFill>
-                <a:latin typeface="+mn-lt"/>
-                <a:ea typeface="+mn-ea"/>
-                <a:cs typeface="+mn-cs"/>
-              </a:defRPr>
-            </a:lvl2pPr>
-            <a:lvl3pPr marL="1258888" indent="-403225" algn="l" defTabSz="914363" rtl="0" eaLnBrk="1" latinLnBrk="0" hangingPunct="1">
-              <a:lnSpc>
-                <a:spcPct val="90000"/>
-              </a:lnSpc>
-              <a:spcBef>
-                <a:spcPct val="20000"/>
-              </a:spcBef>
-              <a:buSzPct val="80000"/>
-              <a:buFontTx/>
-              <a:buBlip>
-                <a:blip r:embed="rId4"/>
-              </a:buBlip>
-              <a:defRPr sz="2400" kern="1200">
-                <a:gradFill>
-                  <a:gsLst>
-                    <a:gs pos="0">
-                      <a:schemeClr val="tx1">
-                        <a:lumMod val="90000"/>
-                        <a:lumOff val="10000"/>
-                      </a:schemeClr>
-                    </a:gs>
-                    <a:gs pos="86000">
-                      <a:schemeClr val="tx1">
-                        <a:lumMod val="90000"/>
-                        <a:lumOff val="10000"/>
-                      </a:schemeClr>
-                    </a:gs>
-                  </a:gsLst>
-                  <a:lin ang="5400000" scaled="0"/>
-                </a:gradFill>
-                <a:latin typeface="+mn-lt"/>
-                <a:ea typeface="+mn-ea"/>
-                <a:cs typeface="+mn-cs"/>
-              </a:defRPr>
-            </a:lvl3pPr>
-            <a:lvl4pPr marL="1604963" indent="-346075" algn="l" defTabSz="914363" rtl="0" eaLnBrk="1" latinLnBrk="0" hangingPunct="1">
-              <a:lnSpc>
-                <a:spcPct val="90000"/>
-              </a:lnSpc>
-              <a:spcBef>
-                <a:spcPct val="20000"/>
-              </a:spcBef>
-              <a:buSzPct val="80000"/>
-              <a:buFontTx/>
-              <a:buBlip>
-                <a:blip r:embed="rId4"/>
-              </a:buBlip>
-              <a:defRPr sz="2000" kern="1200">
-                <a:gradFill>
-                  <a:gsLst>
-                    <a:gs pos="0">
-                      <a:schemeClr val="tx1">
-                        <a:lumMod val="90000"/>
-                        <a:lumOff val="10000"/>
-                      </a:schemeClr>
-                    </a:gs>
-                    <a:gs pos="86000">
-                      <a:schemeClr val="tx1">
-                        <a:lumMod val="90000"/>
-                        <a:lumOff val="10000"/>
-                      </a:schemeClr>
-                    </a:gs>
-                  </a:gsLst>
-                  <a:lin ang="5400000" scaled="0"/>
-                </a:gradFill>
-                <a:latin typeface="+mn-lt"/>
-                <a:ea typeface="+mn-ea"/>
-                <a:cs typeface="+mn-cs"/>
-              </a:defRPr>
-            </a:lvl4pPr>
-            <a:lvl5pPr marL="1941513" indent="-336550" algn="l" defTabSz="914363" rtl="0" eaLnBrk="1" latinLnBrk="0" hangingPunct="1">
-              <a:lnSpc>
-                <a:spcPct val="90000"/>
-              </a:lnSpc>
-              <a:spcBef>
-                <a:spcPct val="20000"/>
-              </a:spcBef>
-              <a:buSzPct val="80000"/>
-              <a:buFontTx/>
-              <a:buBlip>
-                <a:blip r:embed="rId4"/>
-              </a:buBlip>
-              <a:defRPr sz="2000" kern="1200">
-                <a:gradFill>
-                  <a:gsLst>
-                    <a:gs pos="0">
-                      <a:schemeClr val="tx1">
-                        <a:lumMod val="90000"/>
-                        <a:lumOff val="10000"/>
-                      </a:schemeClr>
-                    </a:gs>
-                    <a:gs pos="86000">
-                      <a:schemeClr val="tx1">
-                        <a:lumMod val="90000"/>
-                        <a:lumOff val="10000"/>
-                      </a:schemeClr>
-                    </a:gs>
-                  </a:gsLst>
-                  <a:lin ang="5400000" scaled="0"/>
-                </a:gradFill>
-                <a:latin typeface="+mn-lt"/>
-                <a:ea typeface="+mn-ea"/>
-                <a:cs typeface="+mn-cs"/>
-              </a:defRPr>
-            </a:lvl5pPr>
-            <a:lvl6pPr marL="2514499" indent="-228591" algn="l" defTabSz="914363" rtl="0" eaLnBrk="1" latinLnBrk="0" hangingPunct="1">
-              <a:spcBef>
-                <a:spcPct val="20000"/>
-              </a:spcBef>
-              <a:buFont typeface="Arial" pitchFamily="34" charset="0"/>
-              <a:buChar char="•"/>
-              <a:defRPr sz="2000" kern="1200">
-                <a:solidFill>
-                  <a:schemeClr val="tx1"/>
-                </a:solidFill>
-                <a:latin typeface="+mn-lt"/>
-                <a:ea typeface="+mn-ea"/>
-                <a:cs typeface="+mn-cs"/>
-              </a:defRPr>
-            </a:lvl6pPr>
-            <a:lvl7pPr marL="2971681" indent="-228591" algn="l" defTabSz="914363" rtl="0" eaLnBrk="1" latinLnBrk="0" hangingPunct="1">
-              <a:spcBef>
-                <a:spcPct val="20000"/>
-              </a:spcBef>
-              <a:buFont typeface="Arial" pitchFamily="34" charset="0"/>
-              <a:buChar char="•"/>
-              <a:defRPr sz="2000" kern="1200">
-                <a:solidFill>
-                  <a:schemeClr val="tx1"/>
-                </a:solidFill>
-                <a:latin typeface="+mn-lt"/>
-                <a:ea typeface="+mn-ea"/>
-                <a:cs typeface="+mn-cs"/>
-              </a:defRPr>
-            </a:lvl7pPr>
-            <a:lvl8pPr marL="3428863" indent="-228591" algn="l" defTabSz="914363" rtl="0" eaLnBrk="1" latinLnBrk="0" hangingPunct="1">
-              <a:spcBef>
-                <a:spcPct val="20000"/>
-              </a:spcBef>
-              <a:buFont typeface="Arial" pitchFamily="34" charset="0"/>
-              <a:buChar char="•"/>
-              <a:defRPr sz="2000" kern="1200">
-                <a:solidFill>
-                  <a:schemeClr val="tx1"/>
-                </a:solidFill>
-                <a:latin typeface="+mn-lt"/>
-                <a:ea typeface="+mn-ea"/>
-                <a:cs typeface="+mn-cs"/>
-              </a:defRPr>
-            </a:lvl8pPr>
-            <a:lvl9pPr marL="3886045" indent="-228591" algn="l" defTabSz="914363" rtl="0" eaLnBrk="1" latinLnBrk="0" hangingPunct="1">
-              <a:spcBef>
-                <a:spcPct val="20000"/>
-              </a:spcBef>
-              <a:buFont typeface="Arial" pitchFamily="34" charset="0"/>
-              <a:buChar char="•"/>
-              <a:defRPr sz="2000" kern="1200">
-                <a:solidFill>
-                  <a:schemeClr val="tx1"/>
-                </a:solidFill>
-                <a:latin typeface="+mn-lt"/>
-                <a:ea typeface="+mn-ea"/>
-                <a:cs typeface="+mn-cs"/>
-              </a:defRPr>
-            </a:lvl9pPr>
-          </a:lstStyle>
-          <a:p>
-            <a:r>
-              <a:rPr lang="en-US" sz="2800" dirty="0" smtClean="0">
-                <a:gradFill>
-                  <a:gsLst>
-                    <a:gs pos="0">
-                      <a:schemeClr val="accent2"/>
-                    </a:gs>
-                    <a:gs pos="100000">
-                      <a:schemeClr val="accent2"/>
-                    </a:gs>
-                  </a:gsLst>
-                  <a:lin ang="5400000" scaled="0"/>
-                </a:gradFill>
-              </a:rPr>
-              <a:t>Open-source Solution</a:t>
-            </a:r>
-            <a:endParaRPr lang="en-US" sz="2800" spc="-50" dirty="0" smtClean="0"/>
-          </a:p>
-          <a:p>
-            <a:r>
-              <a:rPr lang="en-US" sz="2000" spc="-50" dirty="0" smtClean="0">
-                <a:latin typeface="+mn-lt"/>
-              </a:rPr>
-              <a:t>Interactive Wizard</a:t>
-            </a:r>
-          </a:p>
-          <a:p>
-            <a:r>
-              <a:rPr lang="en-US" sz="2000" spc="-50" dirty="0" smtClean="0">
-                <a:latin typeface="+mn-lt"/>
-              </a:rPr>
-              <a:t>SQL Database Compatibility Analysis</a:t>
-            </a:r>
-            <a:endParaRPr lang="en-US" sz="2000" spc="-50" dirty="0">
-              <a:latin typeface="+mn-lt"/>
-            </a:endParaRPr>
-          </a:p>
-          <a:p>
-            <a:r>
-              <a:rPr lang="en-US" sz="2000" spc="-50" dirty="0" smtClean="0">
-                <a:latin typeface="+mn-lt"/>
-              </a:rPr>
-              <a:t>Schema and Data</a:t>
-            </a:r>
-          </a:p>
-          <a:p>
-            <a:r>
-              <a:rPr lang="en-US" sz="2000" spc="-50" dirty="0" smtClean="0">
-                <a:latin typeface="+mn-lt"/>
-              </a:rPr>
-              <a:t>No code</a:t>
-            </a:r>
           </a:p>
         </p:txBody>
       </p:sp>
     </p:spTree>
     <p:extLst>
       <p:ext uri="{BB962C8B-B14F-4D97-AF65-F5344CB8AC3E}">
-        <p14:creationId xmlns:p14="http://schemas.microsoft.com/office/powerpoint/2010/main" val="847510444"/>
+        <p14:creationId xmlns:p14="http://schemas.microsoft.com/office/powerpoint/2010/main" val="2621398126"/>
       </p:ext>
     </p:extLst>
   </p:cSld>
@@ -24395,7 +25051,35 @@
       </p:grpSpPr>
       <p:sp>
         <p:nvSpPr>
-          <p:cNvPr id="5" name="Text Placeholder 4"/>
+          <p:cNvPr id="2" name="Title 1"/>
+          <p:cNvSpPr>
+            <a:spLocks noGrp="1"/>
+          </p:cNvSpPr>
+          <p:nvPr>
+            <p:ph type="title"/>
+          </p:nvPr>
+        </p:nvSpPr>
+        <p:spPr>
+          <a:xfrm>
+            <a:off x="519112" y="228600"/>
+            <a:ext cx="11149013" cy="747897"/>
+          </a:xfrm>
+        </p:spPr>
+        <p:txBody>
+          <a:bodyPr/>
+          <a:lstStyle/>
+          <a:p>
+            <a:r>
+              <a:rPr lang="en-US" dirty="0" smtClean="0"/>
+              <a:t>Migration Considerations</a:t>
+            </a:r>
+            <a:endParaRPr lang="en-US" dirty="0"/>
+          </a:p>
+        </p:txBody>
+      </p:sp>
+      <p:sp>
+        <p:nvSpPr>
+          <p:cNvPr id="3" name="Text Placeholder 2"/>
           <p:cNvSpPr>
             <a:spLocks noGrp="1"/>
           </p:cNvSpPr>
@@ -24403,32 +25087,252 @@
             <p:ph type="body" sz="quarter" idx="10"/>
           </p:nvPr>
         </p:nvSpPr>
-        <p:spPr/>
+        <p:spPr>
+          <a:xfrm>
+            <a:off x="519112" y="1447799"/>
+            <a:ext cx="11149013" cy="4676554"/>
+          </a:xfrm>
+        </p:spPr>
         <p:txBody>
-          <a:bodyPr/>
+          <a:bodyPr>
+            <a:noAutofit/>
+          </a:bodyPr>
           <a:lstStyle/>
           <a:p>
-            <a:r>
-              <a:rPr lang="en-US" dirty="0" smtClean="0"/>
-              <a:t>Best Practices</a:t>
-            </a:r>
-            <a:endParaRPr lang="en-US" dirty="0"/>
+            <a:pPr marL="0" lvl="1">
+              <a:lnSpc>
+                <a:spcPct val="120000"/>
+              </a:lnSpc>
+              <a:buClr>
+                <a:schemeClr val="tx2"/>
+              </a:buClr>
+            </a:pPr>
+            <a:r>
+              <a:rPr lang="en-US" sz="2800" dirty="0" smtClean="0">
+                <a:gradFill>
+                  <a:gsLst>
+                    <a:gs pos="0">
+                      <a:schemeClr val="accent2"/>
+                    </a:gs>
+                    <a:gs pos="100000">
+                      <a:schemeClr val="accent2"/>
+                    </a:gs>
+                  </a:gsLst>
+                  <a:lin ang="5400000" scaled="0"/>
+                </a:gradFill>
+                <a:latin typeface="Segoe UI Light" panose="020B0502040204020203" pitchFamily="34" charset="0"/>
+                <a:cs typeface="Segoe UI Light" panose="020B0502040204020203" pitchFamily="34" charset="0"/>
+              </a:rPr>
+              <a:t>Things to Keep in Mind</a:t>
+            </a:r>
+            <a:endParaRPr lang="en-US" sz="2800" dirty="0">
+              <a:latin typeface="Segoe UI Light" panose="020B0502040204020203" pitchFamily="34" charset="0"/>
+              <a:cs typeface="Segoe UI Light" panose="020B0502040204020203" pitchFamily="34" charset="0"/>
+            </a:endParaRPr>
+          </a:p>
+          <a:p>
+            <a:pPr marL="0" lvl="1">
+              <a:lnSpc>
+                <a:spcPct val="120000"/>
+              </a:lnSpc>
+              <a:buClr>
+                <a:schemeClr val="tx2"/>
+              </a:buClr>
+            </a:pPr>
+            <a:r>
+              <a:rPr lang="en-US" sz="2400" dirty="0" smtClean="0">
+                <a:latin typeface="Segoe UI Light" pitchFamily="34" charset="0"/>
+              </a:rPr>
+              <a:t>Database Size</a:t>
+            </a:r>
+            <a:endParaRPr lang="en-US" sz="2400" dirty="0">
+              <a:latin typeface="Segoe UI Light" pitchFamily="34" charset="0"/>
+            </a:endParaRPr>
+          </a:p>
+          <a:p>
+            <a:pPr marL="400050" lvl="2" indent="0">
+              <a:lnSpc>
+                <a:spcPct val="120000"/>
+              </a:lnSpc>
+              <a:buClr>
+                <a:schemeClr val="tx2"/>
+              </a:buClr>
+              <a:buNone/>
+            </a:pPr>
+            <a:r>
+              <a:rPr lang="en-US" dirty="0">
+                <a:latin typeface="Segoe UI Light" pitchFamily="34" charset="0"/>
+              </a:rPr>
+              <a:t>Objects</a:t>
+            </a:r>
+          </a:p>
+          <a:p>
+            <a:pPr marL="400050" lvl="2" indent="0">
+              <a:lnSpc>
+                <a:spcPct val="120000"/>
+              </a:lnSpc>
+              <a:buClr>
+                <a:schemeClr val="tx2"/>
+              </a:buClr>
+              <a:buNone/>
+            </a:pPr>
+            <a:r>
+              <a:rPr lang="en-US" dirty="0">
+                <a:latin typeface="Segoe UI Light" pitchFamily="34" charset="0"/>
+              </a:rPr>
+              <a:t>Data</a:t>
+            </a:r>
+          </a:p>
+          <a:p>
+            <a:pPr marL="0" lvl="1">
+              <a:lnSpc>
+                <a:spcPct val="120000"/>
+              </a:lnSpc>
+              <a:buClr>
+                <a:schemeClr val="tx2"/>
+              </a:buClr>
+            </a:pPr>
+            <a:r>
+              <a:rPr lang="en-US" sz="2400" dirty="0" smtClean="0">
+                <a:latin typeface="Segoe UI Light" pitchFamily="34" charset="0"/>
+              </a:rPr>
+              <a:t>Data Types</a:t>
+            </a:r>
+          </a:p>
+          <a:p>
+            <a:pPr marL="0" lvl="1">
+              <a:lnSpc>
+                <a:spcPct val="120000"/>
+              </a:lnSpc>
+              <a:buClr>
+                <a:schemeClr val="tx2"/>
+              </a:buClr>
+            </a:pPr>
+            <a:r>
+              <a:rPr lang="en-US" sz="2400" dirty="0" smtClean="0">
+                <a:latin typeface="Segoe UI Light" pitchFamily="34" charset="0"/>
+              </a:rPr>
+              <a:t>Frequency</a:t>
+            </a:r>
+          </a:p>
+          <a:p>
+            <a:pPr marL="0" lvl="1">
+              <a:lnSpc>
+                <a:spcPct val="120000"/>
+              </a:lnSpc>
+              <a:buClr>
+                <a:schemeClr val="tx2"/>
+              </a:buClr>
+            </a:pPr>
+            <a:r>
+              <a:rPr lang="en-US" sz="2400" dirty="0" smtClean="0">
+                <a:latin typeface="Segoe UI Light" pitchFamily="34" charset="0"/>
+              </a:rPr>
+              <a:t>Transactional Consistency</a:t>
+            </a:r>
+          </a:p>
+          <a:p>
+            <a:pPr marL="0" lvl="1">
+              <a:lnSpc>
+                <a:spcPct val="120000"/>
+              </a:lnSpc>
+              <a:buClr>
+                <a:schemeClr val="tx2"/>
+              </a:buClr>
+            </a:pPr>
+            <a:r>
+              <a:rPr lang="en-US" sz="2400" dirty="0" smtClean="0">
+                <a:latin typeface="Segoe UI Light" pitchFamily="34" charset="0"/>
+              </a:rPr>
+              <a:t>Technology </a:t>
+            </a:r>
+            <a:r>
+              <a:rPr lang="en-US" sz="2400" dirty="0">
+                <a:latin typeface="Segoe UI Light" pitchFamily="34" charset="0"/>
+              </a:rPr>
+              <a:t>Proficiency</a:t>
+            </a:r>
+          </a:p>
+          <a:p>
+            <a:pPr marL="0" lvl="1">
+              <a:lnSpc>
+                <a:spcPct val="120000"/>
+              </a:lnSpc>
+              <a:buClr>
+                <a:schemeClr val="tx2"/>
+              </a:buClr>
+            </a:pPr>
+            <a:r>
+              <a:rPr lang="en-US" sz="2400" dirty="0" smtClean="0">
+                <a:latin typeface="Segoe UI Light" pitchFamily="34" charset="0"/>
+              </a:rPr>
+              <a:t>Easiest </a:t>
+            </a:r>
+            <a:r>
+              <a:rPr lang="en-US" sz="2400" dirty="0">
+                <a:latin typeface="Segoe UI Light" pitchFamily="34" charset="0"/>
+              </a:rPr>
+              <a:t>!= Best</a:t>
+            </a:r>
+          </a:p>
+          <a:p>
+            <a:pPr marL="0" lvl="1">
+              <a:lnSpc>
+                <a:spcPct val="120000"/>
+              </a:lnSpc>
+              <a:buClr>
+                <a:schemeClr val="tx2"/>
+              </a:buClr>
+            </a:pPr>
+            <a:r>
+              <a:rPr lang="en-US" sz="2400" dirty="0">
+                <a:latin typeface="Segoe UI Light" pitchFamily="34" charset="0"/>
+              </a:rPr>
+              <a:t>You can pick more than one</a:t>
+            </a:r>
+            <a:r>
+              <a:rPr lang="en-US" sz="2400" dirty="0" smtClean="0">
+                <a:latin typeface="Segoe UI Light" pitchFamily="34" charset="0"/>
+              </a:rPr>
+              <a:t>…</a:t>
+            </a:r>
+          </a:p>
+          <a:p>
+            <a:endParaRPr lang="en-US" sz="800" dirty="0" smtClean="0"/>
+          </a:p>
+          <a:p>
+            <a:endParaRPr lang="en-US" sz="800" dirty="0" smtClean="0"/>
+          </a:p>
+          <a:p>
+            <a:endParaRPr lang="en-US" sz="800" dirty="0" smtClean="0"/>
+          </a:p>
+          <a:p>
+            <a:endParaRPr lang="en-US" sz="800" dirty="0" smtClean="0"/>
           </a:p>
         </p:txBody>
       </p:sp>
     </p:spTree>
     <p:extLst>
       <p:ext uri="{BB962C8B-B14F-4D97-AF65-F5344CB8AC3E}">
-        <p14:creationId xmlns:p14="http://schemas.microsoft.com/office/powerpoint/2010/main" val="2621398126"/>
+        <p14:creationId xmlns:p14="http://schemas.microsoft.com/office/powerpoint/2010/main" val="1538304248"/>
       </p:ext>
     </p:extLst>
   </p:cSld>
   <p:clrMapOvr>
     <a:masterClrMapping/>
   </p:clrMapOvr>
-  <p:transition>
-    <p:fade/>
-  </p:transition>
+  <mc:AlternateContent xmlns:mc="http://schemas.openxmlformats.org/markup-compatibility/2006" xmlns:p14="http://schemas.microsoft.com/office/powerpoint/2010/main">
+    <mc:Choice Requires="p14">
+      <p:transition spd="med" p14:dur="700">
+        <p:fade/>
+      </p:transition>
+    </mc:Choice>
+    <mc:Fallback xmlns="">
+      <p:transition spd="med">
+        <p:fade/>
+      </p:transition>
+    </mc:Fallback>
+  </mc:AlternateContent>
   <p:timing>
     <p:tnLst>
       <p:par>
@@ -24491,8 +25395,8 @@
         </p:nvSpPr>
         <p:spPr>
           <a:xfrm>
-            <a:off x="3473804" y="2742860"/>
-            <a:ext cx="7934932" cy="2591479"/>
+            <a:off x="3473804" y="2293507"/>
+            <a:ext cx="7934932" cy="3490186"/>
           </a:xfrm>
         </p:spPr>
         <p:txBody>
@@ -24508,6 +25412,14 @@
               <a:rPr lang="en-US" dirty="0" smtClean="0"/>
               <a:t> &amp; Import / Export Service</a:t>
             </a:r>
+          </a:p>
+          <a:p>
+            <a:pPr marL="0" indent="3175"/>
+            <a:r>
+              <a:rPr lang="en-US" smtClean="0"/>
+              <a:t>SQL Server Data Tools</a:t>
+            </a:r>
+            <a:endParaRPr lang="en-US" dirty="0" smtClean="0"/>
           </a:p>
           <a:p>
             <a:pPr marL="0" indent="3175"/>
@@ -24535,7 +25447,7 @@
           <p:nvPr/>
         </p:nvPicPr>
         <p:blipFill>
-          <a:blip r:embed="rId2" cstate="print">
+          <a:blip r:embed="rId3" cstate="print">
             <a:duotone>
               <a:prstClr val="black"/>
               <a:schemeClr val="tx2">
@@ -24546,7 +25458,7 @@
             <a:extLst>
               <a:ext uri="{BEBA8EAE-BF5A-486C-A8C5-ECC9F3942E4B}">
                 <a14:imgProps xmlns:a14="http://schemas.microsoft.com/office/drawing/2010/main">
-                  <a14:imgLayer r:embed="rId3">
+                  <a14:imgLayer r:embed="rId4">
                     <a14:imgEffect>
                       <a14:brightnessContrast bright="-20000" contrast="-40000"/>
                     </a14:imgEffect>
@@ -24622,291 +25534,6 @@
             <p:ph type="title"/>
           </p:nvPr>
         </p:nvSpPr>
-        <p:spPr>
-          <a:xfrm>
-            <a:off x="519112" y="228600"/>
-            <a:ext cx="11149013" cy="747897"/>
-          </a:xfrm>
-        </p:spPr>
-        <p:txBody>
-          <a:bodyPr/>
-          <a:lstStyle/>
-          <a:p>
-            <a:r>
-              <a:rPr lang="en-US" dirty="0" smtClean="0"/>
-              <a:t>Migration Considerations</a:t>
-            </a:r>
-            <a:endParaRPr lang="en-US" dirty="0"/>
-          </a:p>
-        </p:txBody>
-      </p:sp>
-      <p:sp>
-        <p:nvSpPr>
-          <p:cNvPr id="3" name="Text Placeholder 2"/>
-          <p:cNvSpPr>
-            <a:spLocks noGrp="1"/>
-          </p:cNvSpPr>
-          <p:nvPr>
-            <p:ph type="body" sz="quarter" idx="10"/>
-          </p:nvPr>
-        </p:nvSpPr>
-        <p:spPr>
-          <a:xfrm>
-            <a:off x="519112" y="1447799"/>
-            <a:ext cx="11149013" cy="4676554"/>
-          </a:xfrm>
-        </p:spPr>
-        <p:txBody>
-          <a:bodyPr>
-            <a:normAutofit fontScale="25000" lnSpcReduction="20000"/>
-          </a:bodyPr>
-          <a:lstStyle/>
-          <a:p>
-            <a:pPr marL="0" lvl="1">
-              <a:lnSpc>
-                <a:spcPct val="120000"/>
-              </a:lnSpc>
-              <a:buClr>
-                <a:schemeClr val="tx2"/>
-              </a:buClr>
-            </a:pPr>
-            <a:r>
-              <a:rPr lang="en-US" sz="12800" dirty="0">
-                <a:latin typeface="Segoe UI Light" pitchFamily="34" charset="0"/>
-              </a:rPr>
-              <a:t>Database </a:t>
-            </a:r>
-            <a:r>
-              <a:rPr lang="en-US" sz="12800" dirty="0" smtClean="0">
-                <a:latin typeface="Segoe UI Light" pitchFamily="34" charset="0"/>
-              </a:rPr>
-              <a:t>Size</a:t>
-            </a:r>
-            <a:endParaRPr lang="en-US" sz="12800" dirty="0">
-              <a:latin typeface="Segoe UI Light" pitchFamily="34" charset="0"/>
-            </a:endParaRPr>
-          </a:p>
-          <a:p>
-            <a:pPr marL="400050" lvl="2" indent="0">
-              <a:lnSpc>
-                <a:spcPct val="120000"/>
-              </a:lnSpc>
-              <a:buClr>
-                <a:schemeClr val="tx2"/>
-              </a:buClr>
-              <a:buNone/>
-            </a:pPr>
-            <a:r>
-              <a:rPr lang="en-US" sz="12000" dirty="0">
-                <a:latin typeface="Segoe UI Light" pitchFamily="34" charset="0"/>
-              </a:rPr>
-              <a:t>Objects</a:t>
-            </a:r>
-          </a:p>
-          <a:p>
-            <a:pPr marL="400050" lvl="2" indent="0">
-              <a:lnSpc>
-                <a:spcPct val="120000"/>
-              </a:lnSpc>
-              <a:buClr>
-                <a:schemeClr val="tx2"/>
-              </a:buClr>
-              <a:buNone/>
-            </a:pPr>
-            <a:r>
-              <a:rPr lang="en-US" sz="12000" dirty="0">
-                <a:latin typeface="Segoe UI Light" pitchFamily="34" charset="0"/>
-              </a:rPr>
-              <a:t>Data</a:t>
-            </a:r>
-          </a:p>
-          <a:p>
-            <a:pPr marL="0" lvl="1">
-              <a:lnSpc>
-                <a:spcPct val="120000"/>
-              </a:lnSpc>
-              <a:buClr>
-                <a:schemeClr val="tx2"/>
-              </a:buClr>
-            </a:pPr>
-            <a:r>
-              <a:rPr lang="en-US" sz="12800" dirty="0" smtClean="0">
-                <a:latin typeface="Segoe UI Light" pitchFamily="34" charset="0"/>
-              </a:rPr>
-              <a:t>Data Types</a:t>
-            </a:r>
-          </a:p>
-          <a:p>
-            <a:pPr marL="0" lvl="1">
-              <a:lnSpc>
-                <a:spcPct val="120000"/>
-              </a:lnSpc>
-              <a:buClr>
-                <a:schemeClr val="tx2"/>
-              </a:buClr>
-            </a:pPr>
-            <a:r>
-              <a:rPr lang="en-US" sz="12800" dirty="0" smtClean="0">
-                <a:latin typeface="Segoe UI Light" pitchFamily="34" charset="0"/>
-              </a:rPr>
-              <a:t>Frequency</a:t>
-            </a:r>
-          </a:p>
-          <a:p>
-            <a:pPr marL="0" lvl="1">
-              <a:lnSpc>
-                <a:spcPct val="120000"/>
-              </a:lnSpc>
-              <a:buClr>
-                <a:schemeClr val="tx2"/>
-              </a:buClr>
-            </a:pPr>
-            <a:r>
-              <a:rPr lang="en-US" sz="12800" dirty="0" smtClean="0">
-                <a:latin typeface="Segoe UI Light" pitchFamily="34" charset="0"/>
-              </a:rPr>
-              <a:t>Transactional Consistency</a:t>
-            </a:r>
-          </a:p>
-          <a:p>
-            <a:pPr marL="0" lvl="1">
-              <a:lnSpc>
-                <a:spcPct val="120000"/>
-              </a:lnSpc>
-              <a:buClr>
-                <a:schemeClr val="tx2"/>
-              </a:buClr>
-            </a:pPr>
-            <a:r>
-              <a:rPr lang="en-US" sz="12800" dirty="0" smtClean="0">
-                <a:latin typeface="Segoe UI Light" pitchFamily="34" charset="0"/>
-              </a:rPr>
-              <a:t>Technology </a:t>
-            </a:r>
-            <a:r>
-              <a:rPr lang="en-US" sz="12800" dirty="0">
-                <a:latin typeface="Segoe UI Light" pitchFamily="34" charset="0"/>
-              </a:rPr>
-              <a:t>Proficiency</a:t>
-            </a:r>
-          </a:p>
-          <a:p>
-            <a:pPr marL="0" lvl="1">
-              <a:lnSpc>
-                <a:spcPct val="120000"/>
-              </a:lnSpc>
-              <a:buClr>
-                <a:schemeClr val="tx2"/>
-              </a:buClr>
-            </a:pPr>
-            <a:r>
-              <a:rPr lang="en-US" sz="12800" dirty="0" smtClean="0">
-                <a:latin typeface="Segoe UI Light" pitchFamily="34" charset="0"/>
-              </a:rPr>
-              <a:t>Easiest </a:t>
-            </a:r>
-            <a:r>
-              <a:rPr lang="en-US" sz="12800" dirty="0">
-                <a:latin typeface="Segoe UI Light" pitchFamily="34" charset="0"/>
-              </a:rPr>
-              <a:t>!= Best</a:t>
-            </a:r>
-          </a:p>
-          <a:p>
-            <a:pPr marL="0" lvl="1">
-              <a:lnSpc>
-                <a:spcPct val="120000"/>
-              </a:lnSpc>
-              <a:buClr>
-                <a:schemeClr val="tx2"/>
-              </a:buClr>
-            </a:pPr>
-            <a:r>
-              <a:rPr lang="en-US" sz="12800" dirty="0">
-                <a:latin typeface="Segoe UI Light" pitchFamily="34" charset="0"/>
-              </a:rPr>
-              <a:t>You can pick more than one</a:t>
-            </a:r>
-            <a:r>
-              <a:rPr lang="en-US" sz="12800" dirty="0" smtClean="0">
-                <a:latin typeface="Segoe UI Light" pitchFamily="34" charset="0"/>
-              </a:rPr>
-              <a:t>…</a:t>
-            </a:r>
-          </a:p>
-          <a:p>
-            <a:endParaRPr lang="en-US" dirty="0" smtClean="0"/>
-          </a:p>
-          <a:p>
-            <a:endParaRPr lang="en-US" dirty="0" smtClean="0"/>
-          </a:p>
-          <a:p>
-            <a:endParaRPr lang="en-US" dirty="0" smtClean="0"/>
-          </a:p>
-          <a:p>
-            <a:endParaRPr lang="en-US" dirty="0" smtClean="0"/>
-          </a:p>
-        </p:txBody>
-      </p:sp>
-    </p:spTree>
-    <p:extLst>
-      <p:ext uri="{BB962C8B-B14F-4D97-AF65-F5344CB8AC3E}">
-        <p14:creationId xmlns:p14="http://schemas.microsoft.com/office/powerpoint/2010/main" val="1538304248"/>
-      </p:ext>
-    </p:extLst>
-  </p:cSld>
-  <p:clrMapOvr>
-    <a:masterClrMapping/>
-  </p:clrMapOvr>
-  <mc:AlternateContent xmlns:mc="http://schemas.openxmlformats.org/markup-compatibility/2006" xmlns:p14="http://schemas.microsoft.com/office/powerpoint/2010/main">
-    <mc:Choice Requires="p14">
-      <p:transition spd="med" p14:dur="700">
-        <p:fade/>
-      </p:transition>
-    </mc:Choice>
-    <mc:Fallback xmlns="">
-      <p:transition spd="med">
-        <p:fade/>
-      </p:transition>
-    </mc:Fallback>
-  </mc:AlternateContent>
-  <p:timing>
-    <p:tnLst>
-      <p:par>
-        <p:cTn id="1" dur="indefinite" restart="never" nodeType="tmRoot"/>
-      </p:par>
-    </p:tnLst>
-  </p:timing>
-</p:sld>
-</file>
-
-<file path=ppt/slides/slide21.xml><?xml version="1.0" encoding="utf-8"?>
-<p:sld xmlns:a="http://schemas.openxmlformats.org/drawingml/2006/main" xmlns:r="http://schemas.openxmlformats.org/officeDocument/2006/relationships" xmlns:p="http://schemas.openxmlformats.org/presentationml/2006/main">
-  <p:cSld>
-    <p:spTree>
-      <p:nvGrpSpPr>
-        <p:cNvPr id="1" name=""/>
-        <p:cNvGrpSpPr/>
-        <p:nvPr/>
-      </p:nvGrpSpPr>
-      <p:grpSpPr>
-        <a:xfrm>
-          <a:off x="0" y="0"/>
-          <a:ext cx="0" cy="0"/>
-          <a:chOff x="0" y="0"/>
-          <a:chExt cx="0" cy="0"/>
-        </a:xfrm>
-      </p:grpSpPr>
-      <p:sp>
-        <p:nvSpPr>
-          <p:cNvPr id="2" name="Title 1"/>
-          <p:cNvSpPr>
-            <a:spLocks noGrp="1"/>
-          </p:cNvSpPr>
-          <p:nvPr>
-            <p:ph type="title"/>
-          </p:nvPr>
-        </p:nvSpPr>
         <p:spPr/>
         <p:txBody>
           <a:bodyPr/>
@@ -24948,14 +25575,14 @@
           <p:nvPr>
             <p:extLst>
               <p:ext uri="{D42A27DB-BD31-4B8C-83A1-F6EECF244321}">
-                <p14:modId xmlns:p14="http://schemas.microsoft.com/office/powerpoint/2010/main" val="1520807834"/>
+                <p14:modId xmlns:p14="http://schemas.microsoft.com/office/powerpoint/2010/main" val="2708419974"/>
               </p:ext>
             </p:extLst>
           </p:nvPr>
         </p:nvGraphicFramePr>
         <p:xfrm>
           <a:off x="563896" y="919884"/>
-          <a:ext cx="10784586" cy="5374594"/>
+          <a:ext cx="10784586" cy="5275580"/>
         </p:xfrm>
         <a:graphic>
           <a:graphicData uri="http://schemas.openxmlformats.org/drawingml/2006/table">
@@ -25337,7 +25964,7 @@
                       <a:pPr algn="ctr"/>
                       <a:r>
                         <a:rPr lang="en-US" sz="1400" dirty="0" smtClean="0"/>
-                        <a:t>SQL Azure </a:t>
+                        <a:t>SQL Database </a:t>
                       </a:r>
                       <a:r>
                         <a:rPr lang="en-US" sz="1400" dirty="0" err="1" smtClean="0"/>
@@ -27389,7 +28016,7 @@
                       </a:pPr>
                       <a:r>
                         <a:rPr lang="en-US" sz="1200" dirty="0" smtClean="0"/>
-                        <a:t>Has explicit option for SQL Azure script generation</a:t>
+                        <a:t>Has explicit option for SQL Database script generation</a:t>
                       </a:r>
                     </a:p>
                   </a:txBody>
@@ -29275,7 +29902,15 @@
                       </a:pPr>
                       <a:r>
                         <a:rPr lang="en-US" sz="1400" b="1" dirty="0" smtClean="0"/>
-                        <a:t>SQL Azure Migration Wizard</a:t>
+                        <a:t>SQL Database</a:t>
+                      </a:r>
+                      <a:r>
+                        <a:rPr lang="en-US" sz="1400" b="1" baseline="0" dirty="0" smtClean="0"/>
+                        <a:t> </a:t>
+                      </a:r>
+                      <a:r>
+                        <a:rPr lang="en-US" sz="1400" b="1" dirty="0" smtClean="0"/>
+                        <a:t>Migration Wizard</a:t>
                       </a:r>
                     </a:p>
                   </a:txBody>
@@ -30714,7 +31349,7 @@
                       </a:pPr>
                       <a:r>
                         <a:rPr lang="en-US" sz="1400" dirty="0" smtClean="0"/>
-                        <a:t>N/A</a:t>
+                        <a:t>Good</a:t>
                       </a:r>
                       <a:endParaRPr lang="en-US" sz="1400" dirty="0"/>
                     </a:p>
@@ -30868,7 +31503,7 @@
                       </a:pPr>
                       <a:r>
                         <a:rPr lang="en-US" sz="1200" dirty="0" smtClean="0"/>
-                        <a:t>Full SQL Azure support</a:t>
+                        <a:t>Full SQL Database support</a:t>
                       </a:r>
                       <a:endParaRPr lang="en-US" sz="1200" dirty="0"/>
                     </a:p>
@@ -31721,20 +32356,6 @@
                         <a:buChar char="•"/>
                       </a:pPr>
                       <a:r>
-                        <a:rPr lang="en-US" sz="1200" dirty="0" smtClean="0"/>
-                        <a:t>Preview</a:t>
-                      </a:r>
-                      <a:r>
-                        <a:rPr lang="en-US" sz="1200" baseline="0" dirty="0" smtClean="0"/>
-                        <a:t> available now on SQL Azure Labs; final release with SQL Server codenamed “Denali”</a:t>
-                      </a:r>
-                    </a:p>
-                    <a:p>
-                      <a:pPr marL="91440" indent="-91440">
-                        <a:buFont typeface="Arial" pitchFamily="34" charset="0"/>
-                        <a:buChar char="•"/>
-                      </a:pPr>
-                      <a:r>
                         <a:rPr lang="en-US" sz="1200" baseline="0" dirty="0" smtClean="0"/>
                         <a:t>Service for cloud-only support coming soon</a:t>
                       </a:r>
@@ -32592,7 +33213,7 @@
                       </a:r>
                       <a:r>
                         <a:rPr lang="en-US" sz="1200" baseline="0" dirty="0" smtClean="0"/>
-                        <a:t> copy of SQL Azure database</a:t>
+                        <a:t> copy of SQL Database instances</a:t>
                       </a:r>
                     </a:p>
                     <a:p>
@@ -32694,7 +33315,7 @@
 </p:sld>
 </file>
 
-<file path=ppt/slides/slide22.xml><?xml version="1.0" encoding="utf-8"?>
+<file path=ppt/slides/slide21.xml><?xml version="1.0" encoding="utf-8"?>
 <p:sld xmlns:a="http://schemas.openxmlformats.org/drawingml/2006/main" xmlns:r="http://schemas.openxmlformats.org/officeDocument/2006/relationships" xmlns:p="http://schemas.openxmlformats.org/presentationml/2006/main">
   <p:cSld>
     <p:spTree>
@@ -33369,7 +33990,7 @@
               <a:rPr lang="en-US" sz="2000" dirty="0" smtClean="0">
                 <a:latin typeface="+mn-lt"/>
               </a:rPr>
-              <a:t>Export and Import a logical backup file containing schema definition and data</a:t>
+              <a:t>Export and Import a logical backup file (BACPAC) containing schema definition and data</a:t>
             </a:r>
           </a:p>
           <a:p>
@@ -36630,7 +37251,7 @@
             </a:pPr>
             <a:r>
               <a:rPr lang="en-US" sz="2000" spc="-50" dirty="0" smtClean="0"/>
-              <a:t>SQL Azure Server</a:t>
+              <a:t>SQL Database Server</a:t>
             </a:r>
             <a:endParaRPr lang="en-US" sz="2000" spc="-50" dirty="0"/>
           </a:p>
@@ -36922,6 +37543,18 @@
 </file>
 
 <file path=ppt/tags/tag2.xml><?xml version="1.0" encoding="utf-8"?>
+<p:tagLst xmlns:a="http://schemas.openxmlformats.org/drawingml/2006/main" xmlns:r="http://schemas.openxmlformats.org/officeDocument/2006/relationships" xmlns:p="http://schemas.openxmlformats.org/presentationml/2006/main">
+  <p:tag name="MT_TILE" val="YES"/>
+</p:tagLst>
+</file>
+
+<file path=ppt/tags/tag3.xml><?xml version="1.0" encoding="utf-8"?>
+<p:tagLst xmlns:a="http://schemas.openxmlformats.org/drawingml/2006/main" xmlns:r="http://schemas.openxmlformats.org/officeDocument/2006/relationships" xmlns:p="http://schemas.openxmlformats.org/presentationml/2006/main">
+  <p:tag name="MT_TILE" val="YES"/>
+</p:tagLst>
+</file>
+
+<file path=ppt/tags/tag4.xml><?xml version="1.0" encoding="utf-8"?>
 <p:tagLst xmlns:a="http://schemas.openxmlformats.org/drawingml/2006/main" xmlns:r="http://schemas.openxmlformats.org/officeDocument/2006/relationships" xmlns:p="http://schemas.openxmlformats.org/presentationml/2006/main">
   <p:tag name="MT_TILE" val="YES"/>
 </p:tagLst>
@@ -38457,26 +39090,6 @@
 </file>
 
 <file path=customXml/item1.xml><?xml version="1.0" encoding="utf-8"?>
-<?mso-contentType ?>
-<FormTemplates xmlns="http://schemas.microsoft.com/sharepoint/v3/contenttype/forms">
-  <Display>DocumentLibraryForm</Display>
-  <Edit>DocumentLibraryForm</Edit>
-  <New>DocumentLibraryForm</New>
-</FormTemplates>
-</file>
-
-<file path=customXml/item2.xml><?xml version="1.0" encoding="utf-8"?>
-<p:properties xmlns:p="http://schemas.microsoft.com/office/2006/metadata/properties" xmlns:xsi="http://www.w3.org/2001/XMLSchema-instance" xmlns:pc="http://schemas.microsoft.com/office/infopath/2007/PartnerControls">
-  <documentManagement>
-    <TaxKeywordTaxHTField xmlns="230e9df3-be65-4c73-a93b-d1236ebd677e">
-      <Terms xmlns="http://schemas.microsoft.com/office/infopath/2007/PartnerControls"/>
-    </TaxKeywordTaxHTField>
-    <TaxCatchAll xmlns="230e9df3-be65-4c73-a93b-d1236ebd677e"/>
-  </documentManagement>
-</p:properties>
-</file>
-
-<file path=customXml/item3.xml><?xml version="1.0" encoding="utf-8"?>
 <ct:contentTypeSchema xmlns:ct="http://schemas.microsoft.com/office/2006/metadata/contentType" xmlns:ma="http://schemas.microsoft.com/office/2006/metadata/properties/metaAttributes" ct:_="" ma:_="" ma:contentTypeName="Document" ma:contentTypeID="0x0101006A306AC29967F74B89DE3244B3C831EA" ma:contentTypeVersion="0" ma:contentTypeDescription="Create a new document." ma:contentTypeScope="" ma:versionID="a40da4b0cc3a1fca7b774ac2c8306326">
   <xsd:schema xmlns:xsd="http://www.w3.org/2001/XMLSchema" xmlns:xs="http://www.w3.org/2001/XMLSchema" xmlns:p="http://schemas.microsoft.com/office/2006/metadata/properties" xmlns:ns2="230e9df3-be65-4c73-a93b-d1236ebd677e" targetNamespace="http://schemas.microsoft.com/office/2006/metadata/properties" ma:root="true" ma:fieldsID="e317b0b832c9845d3aae3abd1bb0954e" ns2:_="">
     <xsd:import namespace="230e9df3-be65-4c73-a93b-d1236ebd677e"/>
@@ -38628,31 +39241,27 @@
 </ct:contentTypeSchema>
 </file>
 
-<file path=customXml/itemProps1.xml><?xml version="1.0" encoding="utf-8"?>
-<ds:datastoreItem xmlns:ds="http://schemas.openxmlformats.org/officeDocument/2006/customXml" ds:itemID="{18D05BB3-AE21-4656-B1B7-55B5FA9A8584}">
-  <ds:schemaRefs>
-    <ds:schemaRef ds:uri="http://schemas.microsoft.com/sharepoint/v3/contenttype/forms"/>
-  </ds:schemaRefs>
-</ds:datastoreItem>
+<file path=customXml/item2.xml><?xml version="1.0" encoding="utf-8"?>
+<p:properties xmlns:p="http://schemas.microsoft.com/office/2006/metadata/properties" xmlns:xsi="http://www.w3.org/2001/XMLSchema-instance" xmlns:pc="http://schemas.microsoft.com/office/infopath/2007/PartnerControls">
+  <documentManagement>
+    <TaxKeywordTaxHTField xmlns="230e9df3-be65-4c73-a93b-d1236ebd677e">
+      <Terms xmlns="http://schemas.microsoft.com/office/infopath/2007/PartnerControls"/>
+    </TaxKeywordTaxHTField>
+    <TaxCatchAll xmlns="230e9df3-be65-4c73-a93b-d1236ebd677e"/>
+  </documentManagement>
+</p:properties>
 </file>
 
-<file path=customXml/itemProps2.xml><?xml version="1.0" encoding="utf-8"?>
-<ds:datastoreItem xmlns:ds="http://schemas.openxmlformats.org/officeDocument/2006/customXml" ds:itemID="{D9CCBF04-6D72-4BC2-9FC6-6F273FBBE3E1}">
-  <ds:schemaRefs>
-    <ds:schemaRef ds:uri="http://schemas.microsoft.com/office/2006/metadata/properties"/>
-    <ds:schemaRef ds:uri="http://schemas.microsoft.com/office/2006/documentManagement/types"/>
-    <ds:schemaRef ds:uri="http://schemas.openxmlformats.org/package/2006/metadata/core-properties"/>
-    <ds:schemaRef ds:uri="http://www.w3.org/XML/1998/namespace"/>
-    <ds:schemaRef ds:uri="http://schemas.microsoft.com/office/infopath/2007/PartnerControls"/>
-    <ds:schemaRef ds:uri="http://purl.org/dc/dcmitype/"/>
-    <ds:schemaRef ds:uri="http://purl.org/dc/elements/1.1/"/>
-    <ds:schemaRef ds:uri="http://purl.org/dc/terms/"/>
-    <ds:schemaRef ds:uri="230e9df3-be65-4c73-a93b-d1236ebd677e"/>
-  </ds:schemaRefs>
-</ds:datastoreItem>
+<file path=customXml/item3.xml><?xml version="1.0" encoding="utf-8"?>
+<?mso-contentType ?>
+<FormTemplates xmlns="http://schemas.microsoft.com/sharepoint/v3/contenttype/forms">
+  <Display>DocumentLibraryForm</Display>
+  <Edit>DocumentLibraryForm</Edit>
+  <New>DocumentLibraryForm</New>
+</FormTemplates>
 </file>
 
-<file path=customXml/itemProps3.xml><?xml version="1.0" encoding="utf-8"?>
+<file path=customXml/itemProps1.xml><?xml version="1.0" encoding="utf-8"?>
 <ds:datastoreItem xmlns:ds="http://schemas.openxmlformats.org/officeDocument/2006/customXml" ds:itemID="{745C7B07-8A5F-480D-BF8F-2AB99A43D71E}">
   <ds:schemaRefs>
     <ds:schemaRef ds:uri="http://schemas.microsoft.com/office/2006/metadata/contentType"/>
@@ -38668,4 +39277,28 @@
     <ds:schemaRef ds:uri="http://schemas.microsoft.com/internal/obd"/>
   </ds:schemaRefs>
 </ds:datastoreItem>
+</file>
+
+<file path=customXml/itemProps2.xml><?xml version="1.0" encoding="utf-8"?>
+<ds:datastoreItem xmlns:ds="http://schemas.openxmlformats.org/officeDocument/2006/customXml" ds:itemID="{D9CCBF04-6D72-4BC2-9FC6-6F273FBBE3E1}">
+  <ds:schemaRefs>
+    <ds:schemaRef ds:uri="http://purl.org/dc/terms/"/>
+    <ds:schemaRef ds:uri="http://schemas.microsoft.com/office/2006/documentManagement/types"/>
+    <ds:schemaRef ds:uri="230e9df3-be65-4c73-a93b-d1236ebd677e"/>
+    <ds:schemaRef ds:uri="http://purl.org/dc/elements/1.1/"/>
+    <ds:schemaRef ds:uri="http://purl.org/dc/dcmitype/"/>
+    <ds:schemaRef ds:uri="http://schemas.microsoft.com/office/infopath/2007/PartnerControls"/>
+    <ds:schemaRef ds:uri="http://schemas.openxmlformats.org/package/2006/metadata/core-properties"/>
+    <ds:schemaRef ds:uri="http://schemas.microsoft.com/office/2006/metadata/properties"/>
+    <ds:schemaRef ds:uri="http://www.w3.org/XML/1998/namespace"/>
+  </ds:schemaRefs>
+</ds:datastoreItem>
+</file>
+
+<file path=customXml/itemProps3.xml><?xml version="1.0" encoding="utf-8"?>
+<ds:datastoreItem xmlns:ds="http://schemas.openxmlformats.org/officeDocument/2006/customXml" ds:itemID="{18D05BB3-AE21-4656-B1B7-55B5FA9A8584}">
+  <ds:schemaRefs>
+    <ds:schemaRef ds:uri="http://schemas.microsoft.com/sharepoint/v3/contenttype/forms"/>
+  </ds:schemaRefs>
+</ds:datastoreItem>
 </file>